--- a/図.pptx
+++ b/図.pptx
@@ -6,6 +6,8 @@
   </p:sldMasterIdLst>
   <p:sldIdLst>
     <p:sldId id="256" r:id="rId2"/>
+    <p:sldId id="257" r:id="rId3"/>
+    <p:sldId id="258" r:id="rId4"/>
   </p:sldIdLst>
   <p:sldSz cx="9144000" cy="6858000" type="screen4x3"/>
   <p:notesSz cx="6858000" cy="9144000"/>
@@ -266,7 +268,7 @@
           <a:p>
             <a:fld id="{3E281EED-C273-4E27-8E7F-F34CE4EBA651}" type="datetimeFigureOut">
               <a:rPr kumimoji="1" lang="ja-JP" altLang="en-US" smtClean="0"/>
-              <a:t>2021/9/30</a:t>
+              <a:t>2021/10/4</a:t>
             </a:fld>
             <a:endParaRPr kumimoji="1" lang="ja-JP" altLang="en-US"/>
           </a:p>
@@ -468,7 +470,7 @@
           <a:p>
             <a:fld id="{3E281EED-C273-4E27-8E7F-F34CE4EBA651}" type="datetimeFigureOut">
               <a:rPr kumimoji="1" lang="ja-JP" altLang="en-US" smtClean="0"/>
-              <a:t>2021/9/30</a:t>
+              <a:t>2021/10/4</a:t>
             </a:fld>
             <a:endParaRPr kumimoji="1" lang="ja-JP" altLang="en-US"/>
           </a:p>
@@ -680,7 +682,7 @@
           <a:p>
             <a:fld id="{3E281EED-C273-4E27-8E7F-F34CE4EBA651}" type="datetimeFigureOut">
               <a:rPr kumimoji="1" lang="ja-JP" altLang="en-US" smtClean="0"/>
-              <a:t>2021/9/30</a:t>
+              <a:t>2021/10/4</a:t>
             </a:fld>
             <a:endParaRPr kumimoji="1" lang="ja-JP" altLang="en-US"/>
           </a:p>
@@ -882,7 +884,7 @@
           <a:p>
             <a:fld id="{3E281EED-C273-4E27-8E7F-F34CE4EBA651}" type="datetimeFigureOut">
               <a:rPr kumimoji="1" lang="ja-JP" altLang="en-US" smtClean="0"/>
-              <a:t>2021/9/30</a:t>
+              <a:t>2021/10/4</a:t>
             </a:fld>
             <a:endParaRPr kumimoji="1" lang="ja-JP" altLang="en-US"/>
           </a:p>
@@ -1126,7 +1128,7 @@
           <a:p>
             <a:fld id="{3E281EED-C273-4E27-8E7F-F34CE4EBA651}" type="datetimeFigureOut">
               <a:rPr kumimoji="1" lang="ja-JP" altLang="en-US" smtClean="0"/>
-              <a:t>2021/9/30</a:t>
+              <a:t>2021/10/4</a:t>
             </a:fld>
             <a:endParaRPr kumimoji="1" lang="ja-JP" altLang="en-US"/>
           </a:p>
@@ -1422,7 +1424,7 @@
           <a:p>
             <a:fld id="{3E281EED-C273-4E27-8E7F-F34CE4EBA651}" type="datetimeFigureOut">
               <a:rPr kumimoji="1" lang="ja-JP" altLang="en-US" smtClean="0"/>
-              <a:t>2021/9/30</a:t>
+              <a:t>2021/10/4</a:t>
             </a:fld>
             <a:endParaRPr kumimoji="1" lang="ja-JP" altLang="en-US"/>
           </a:p>
@@ -1853,7 +1855,7 @@
           <a:p>
             <a:fld id="{3E281EED-C273-4E27-8E7F-F34CE4EBA651}" type="datetimeFigureOut">
               <a:rPr kumimoji="1" lang="ja-JP" altLang="en-US" smtClean="0"/>
-              <a:t>2021/9/30</a:t>
+              <a:t>2021/10/4</a:t>
             </a:fld>
             <a:endParaRPr kumimoji="1" lang="ja-JP" altLang="en-US"/>
           </a:p>
@@ -1971,7 +1973,7 @@
           <a:p>
             <a:fld id="{3E281EED-C273-4E27-8E7F-F34CE4EBA651}" type="datetimeFigureOut">
               <a:rPr kumimoji="1" lang="ja-JP" altLang="en-US" smtClean="0"/>
-              <a:t>2021/9/30</a:t>
+              <a:t>2021/10/4</a:t>
             </a:fld>
             <a:endParaRPr kumimoji="1" lang="ja-JP" altLang="en-US"/>
           </a:p>
@@ -2066,7 +2068,7 @@
           <a:p>
             <a:fld id="{3E281EED-C273-4E27-8E7F-F34CE4EBA651}" type="datetimeFigureOut">
               <a:rPr kumimoji="1" lang="ja-JP" altLang="en-US" smtClean="0"/>
-              <a:t>2021/9/30</a:t>
+              <a:t>2021/10/4</a:t>
             </a:fld>
             <a:endParaRPr kumimoji="1" lang="ja-JP" altLang="en-US"/>
           </a:p>
@@ -2375,7 +2377,7 @@
           <a:p>
             <a:fld id="{3E281EED-C273-4E27-8E7F-F34CE4EBA651}" type="datetimeFigureOut">
               <a:rPr kumimoji="1" lang="ja-JP" altLang="en-US" smtClean="0"/>
-              <a:t>2021/9/30</a:t>
+              <a:t>2021/10/4</a:t>
             </a:fld>
             <a:endParaRPr kumimoji="1" lang="ja-JP" altLang="en-US"/>
           </a:p>
@@ -2632,7 +2634,7 @@
           <a:p>
             <a:fld id="{3E281EED-C273-4E27-8E7F-F34CE4EBA651}" type="datetimeFigureOut">
               <a:rPr kumimoji="1" lang="ja-JP" altLang="en-US" smtClean="0"/>
-              <a:t>2021/9/30</a:t>
+              <a:t>2021/10/4</a:t>
             </a:fld>
             <a:endParaRPr kumimoji="1" lang="ja-JP" altLang="en-US"/>
           </a:p>
@@ -2877,7 +2879,7 @@
           <a:p>
             <a:fld id="{3E281EED-C273-4E27-8E7F-F34CE4EBA651}" type="datetimeFigureOut">
               <a:rPr kumimoji="1" lang="ja-JP" altLang="en-US" smtClean="0"/>
-              <a:t>2021/9/30</a:t>
+              <a:t>2021/10/4</a:t>
             </a:fld>
             <a:endParaRPr kumimoji="1" lang="ja-JP" altLang="en-US"/>
           </a:p>
@@ -4100,6 +4102,1467 @@
 </p:sld>
 </file>
 
+<file path=ppt/slides/slide2.xml><?xml version="1.0" encoding="utf-8"?>
+<p:sld xmlns:a="http://schemas.openxmlformats.org/drawingml/2006/main" xmlns:r="http://schemas.openxmlformats.org/officeDocument/2006/relationships" xmlns:p="http://schemas.openxmlformats.org/presentationml/2006/main">
+  <p:cSld>
+    <p:spTree>
+      <p:nvGrpSpPr>
+        <p:cNvPr id="1" name=""/>
+        <p:cNvGrpSpPr/>
+        <p:nvPr/>
+      </p:nvGrpSpPr>
+      <p:grpSpPr>
+        <a:xfrm>
+          <a:off x="0" y="0"/>
+          <a:ext cx="0" cy="0"/>
+          <a:chOff x="0" y="0"/>
+          <a:chExt cx="0" cy="0"/>
+        </a:xfrm>
+      </p:grpSpPr>
+      <p:sp>
+        <p:nvSpPr>
+          <p:cNvPr id="2" name="矢印: 左右 1">
+            <a:extLst>
+              <a:ext uri="{FF2B5EF4-FFF2-40B4-BE49-F238E27FC236}">
+                <a16:creationId xmlns:a16="http://schemas.microsoft.com/office/drawing/2014/main" id="{29E3082E-6820-4D13-A958-66C19B8F2219}"/>
+              </a:ext>
+            </a:extLst>
+          </p:cNvPr>
+          <p:cNvSpPr/>
+          <p:nvPr/>
+        </p:nvSpPr>
+        <p:spPr>
+          <a:xfrm>
+            <a:off x="1004459" y="1032066"/>
+            <a:ext cx="7148946" cy="591127"/>
+          </a:xfrm>
+          <a:prstGeom prst="leftRightArrow">
+            <a:avLst/>
+          </a:prstGeom>
+        </p:spPr>
+        <p:style>
+          <a:lnRef idx="2">
+            <a:schemeClr val="accent3">
+              <a:shade val="50000"/>
+            </a:schemeClr>
+          </a:lnRef>
+          <a:fillRef idx="1">
+            <a:schemeClr val="accent3"/>
+          </a:fillRef>
+          <a:effectRef idx="0">
+            <a:schemeClr val="accent3"/>
+          </a:effectRef>
+          <a:fontRef idx="minor">
+            <a:schemeClr val="lt1"/>
+          </a:fontRef>
+        </p:style>
+        <p:txBody>
+          <a:bodyPr rtlCol="0" anchor="ctr"/>
+          <a:lstStyle/>
+          <a:p>
+            <a:pPr algn="ctr"/>
+            <a:endParaRPr kumimoji="1" lang="ja-JP" altLang="en-US">
+              <a:latin typeface="Segoe UI" panose="020B0502040204020203" pitchFamily="34" charset="0"/>
+              <a:ea typeface="メイリオ" panose="020B0604030504040204" pitchFamily="50" charset="-128"/>
+            </a:endParaRPr>
+          </a:p>
+        </p:txBody>
+      </p:sp>
+      <p:sp>
+        <p:nvSpPr>
+          <p:cNvPr id="3" name="テキスト ボックス 2">
+            <a:extLst>
+              <a:ext uri="{FF2B5EF4-FFF2-40B4-BE49-F238E27FC236}">
+                <a16:creationId xmlns:a16="http://schemas.microsoft.com/office/drawing/2014/main" id="{B85EC3E2-2D4E-4BE7-B07A-7D0AEC16DCF0}"/>
+              </a:ext>
+            </a:extLst>
+          </p:cNvPr>
+          <p:cNvSpPr txBox="1"/>
+          <p:nvPr/>
+        </p:nvSpPr>
+        <p:spPr>
+          <a:xfrm>
+            <a:off x="251711" y="1066019"/>
+            <a:ext cx="543739" cy="523220"/>
+          </a:xfrm>
+          <a:prstGeom prst="rect">
+            <a:avLst/>
+          </a:prstGeom>
+          <a:noFill/>
+        </p:spPr>
+        <p:txBody>
+          <a:bodyPr wrap="none" rtlCol="0">
+            <a:spAutoFit/>
+          </a:bodyPr>
+          <a:lstStyle/>
+          <a:p>
+            <a:r>
+              <a:rPr kumimoji="1" lang="ja-JP" altLang="en-US" sz="2800" dirty="0">
+                <a:latin typeface="Segoe UI" panose="020B0502040204020203" pitchFamily="34" charset="0"/>
+                <a:ea typeface="メイリオ" panose="020B0604030504040204" pitchFamily="50" charset="-128"/>
+              </a:rPr>
+              <a:t>多</a:t>
+            </a:r>
+          </a:p>
+        </p:txBody>
+      </p:sp>
+      <p:sp>
+        <p:nvSpPr>
+          <p:cNvPr id="4" name="テキスト ボックス 3">
+            <a:extLst>
+              <a:ext uri="{FF2B5EF4-FFF2-40B4-BE49-F238E27FC236}">
+                <a16:creationId xmlns:a16="http://schemas.microsoft.com/office/drawing/2014/main" id="{48E0A430-A8A8-4322-8778-DE3EB75BB860}"/>
+              </a:ext>
+            </a:extLst>
+          </p:cNvPr>
+          <p:cNvSpPr txBox="1"/>
+          <p:nvPr/>
+        </p:nvSpPr>
+        <p:spPr>
+          <a:xfrm>
+            <a:off x="8362414" y="1063612"/>
+            <a:ext cx="543739" cy="523220"/>
+          </a:xfrm>
+          <a:prstGeom prst="rect">
+            <a:avLst/>
+          </a:prstGeom>
+          <a:noFill/>
+        </p:spPr>
+        <p:txBody>
+          <a:bodyPr wrap="none" rtlCol="0">
+            <a:spAutoFit/>
+          </a:bodyPr>
+          <a:lstStyle/>
+          <a:p>
+            <a:r>
+              <a:rPr kumimoji="1" lang="ja-JP" altLang="en-US" sz="2800" dirty="0">
+                <a:latin typeface="Segoe UI" panose="020B0502040204020203" pitchFamily="34" charset="0"/>
+                <a:ea typeface="メイリオ" panose="020B0604030504040204" pitchFamily="50" charset="-128"/>
+              </a:rPr>
+              <a:t>少</a:t>
+            </a:r>
+          </a:p>
+        </p:txBody>
+      </p:sp>
+      <p:sp>
+        <p:nvSpPr>
+          <p:cNvPr id="10" name="テキスト ボックス 9">
+            <a:extLst>
+              <a:ext uri="{FF2B5EF4-FFF2-40B4-BE49-F238E27FC236}">
+                <a16:creationId xmlns:a16="http://schemas.microsoft.com/office/drawing/2014/main" id="{3BD373A1-B131-4E2D-B5B6-A0F7479D38B1}"/>
+              </a:ext>
+            </a:extLst>
+          </p:cNvPr>
+          <p:cNvSpPr txBox="1"/>
+          <p:nvPr/>
+        </p:nvSpPr>
+        <p:spPr>
+          <a:xfrm>
+            <a:off x="3036446" y="420875"/>
+            <a:ext cx="3057247" cy="523220"/>
+          </a:xfrm>
+          <a:prstGeom prst="rect">
+            <a:avLst/>
+          </a:prstGeom>
+          <a:noFill/>
+        </p:spPr>
+        <p:txBody>
+          <a:bodyPr wrap="none" rtlCol="0">
+            <a:spAutoFit/>
+          </a:bodyPr>
+          <a:lstStyle/>
+          <a:p>
+            <a:r>
+              <a:rPr kumimoji="1" lang="ja-JP" altLang="en-US" sz="2800" dirty="0">
+                <a:latin typeface="Segoe UI" panose="020B0502040204020203" pitchFamily="34" charset="0"/>
+                <a:ea typeface="メイリオ" panose="020B0604030504040204" pitchFamily="50" charset="-128"/>
+              </a:rPr>
+              <a:t>経済への政府関与</a:t>
+            </a:r>
+          </a:p>
+        </p:txBody>
+      </p:sp>
+      <p:sp>
+        <p:nvSpPr>
+          <p:cNvPr id="14" name="四角形: 角を丸くする 13">
+            <a:extLst>
+              <a:ext uri="{FF2B5EF4-FFF2-40B4-BE49-F238E27FC236}">
+                <a16:creationId xmlns:a16="http://schemas.microsoft.com/office/drawing/2014/main" id="{9063822C-EA61-42C6-915E-3FBCC37BA3D0}"/>
+              </a:ext>
+            </a:extLst>
+          </p:cNvPr>
+          <p:cNvSpPr/>
+          <p:nvPr/>
+        </p:nvSpPr>
+        <p:spPr>
+          <a:xfrm>
+            <a:off x="795450" y="1878091"/>
+            <a:ext cx="1663699" cy="523220"/>
+          </a:xfrm>
+          <a:prstGeom prst="roundRect">
+            <a:avLst/>
+          </a:prstGeom>
+          <a:noFill/>
+          <a:ln w="28575">
+            <a:solidFill>
+              <a:schemeClr val="tx1"/>
+            </a:solidFill>
+          </a:ln>
+        </p:spPr>
+        <p:style>
+          <a:lnRef idx="2">
+            <a:schemeClr val="accent1">
+              <a:shade val="50000"/>
+            </a:schemeClr>
+          </a:lnRef>
+          <a:fillRef idx="1">
+            <a:schemeClr val="accent1"/>
+          </a:fillRef>
+          <a:effectRef idx="0">
+            <a:schemeClr val="accent1"/>
+          </a:effectRef>
+          <a:fontRef idx="minor">
+            <a:schemeClr val="lt1"/>
+          </a:fontRef>
+        </p:style>
+        <p:txBody>
+          <a:bodyPr rtlCol="0" anchor="ctr"/>
+          <a:lstStyle/>
+          <a:p>
+            <a:pPr algn="ctr"/>
+            <a:r>
+              <a:rPr kumimoji="1" lang="ja-JP" altLang="en-US" sz="2800" dirty="0">
+                <a:solidFill>
+                  <a:schemeClr val="tx1"/>
+                </a:solidFill>
+                <a:latin typeface="メイリオ" panose="020B0604030504040204" pitchFamily="50" charset="-128"/>
+                <a:ea typeface="メイリオ" panose="020B0604030504040204" pitchFamily="50" charset="-128"/>
+              </a:rPr>
+              <a:t>移行経済</a:t>
+            </a:r>
+          </a:p>
+        </p:txBody>
+      </p:sp>
+      <p:sp>
+        <p:nvSpPr>
+          <p:cNvPr id="16" name="テキスト ボックス 15">
+            <a:extLst>
+              <a:ext uri="{FF2B5EF4-FFF2-40B4-BE49-F238E27FC236}">
+                <a16:creationId xmlns:a16="http://schemas.microsoft.com/office/drawing/2014/main" id="{67652064-2D5C-4EB2-A730-EDADEDE2860E}"/>
+              </a:ext>
+            </a:extLst>
+          </p:cNvPr>
+          <p:cNvSpPr txBox="1"/>
+          <p:nvPr/>
+        </p:nvSpPr>
+        <p:spPr>
+          <a:xfrm>
+            <a:off x="795450" y="2690163"/>
+            <a:ext cx="1620957" cy="1815882"/>
+          </a:xfrm>
+          <a:prstGeom prst="rect">
+            <a:avLst/>
+          </a:prstGeom>
+          <a:noFill/>
+        </p:spPr>
+        <p:txBody>
+          <a:bodyPr wrap="none" rtlCol="0">
+            <a:spAutoFit/>
+          </a:bodyPr>
+          <a:lstStyle/>
+          <a:p>
+            <a:r>
+              <a:rPr kumimoji="1" lang="ja-JP" altLang="en-US" sz="2800" dirty="0">
+                <a:latin typeface="Segoe UI" panose="020B0502040204020203" pitchFamily="34" charset="0"/>
+                <a:ea typeface="メイリオ" panose="020B0604030504040204" pitchFamily="50" charset="-128"/>
+              </a:rPr>
+              <a:t>ロシア</a:t>
+            </a:r>
+            <a:endParaRPr kumimoji="1" lang="en-US" altLang="ja-JP" sz="2800" dirty="0">
+              <a:latin typeface="Segoe UI" panose="020B0502040204020203" pitchFamily="34" charset="0"/>
+              <a:ea typeface="メイリオ" panose="020B0604030504040204" pitchFamily="50" charset="-128"/>
+            </a:endParaRPr>
+          </a:p>
+          <a:p>
+            <a:r>
+              <a:rPr kumimoji="1" lang="ja-JP" altLang="en-US" sz="2800" dirty="0">
+                <a:latin typeface="Segoe UI" panose="020B0502040204020203" pitchFamily="34" charset="0"/>
+                <a:ea typeface="メイリオ" panose="020B0604030504040204" pitchFamily="50" charset="-128"/>
+              </a:rPr>
+              <a:t>東欧諸国</a:t>
+            </a:r>
+            <a:endParaRPr kumimoji="1" lang="en-US" altLang="ja-JP" sz="2800" dirty="0">
+              <a:latin typeface="Segoe UI" panose="020B0502040204020203" pitchFamily="34" charset="0"/>
+              <a:ea typeface="メイリオ" panose="020B0604030504040204" pitchFamily="50" charset="-128"/>
+            </a:endParaRPr>
+          </a:p>
+          <a:p>
+            <a:r>
+              <a:rPr kumimoji="1" lang="ja-JP" altLang="en-US" sz="2800" dirty="0">
+                <a:latin typeface="Segoe UI" panose="020B0502040204020203" pitchFamily="34" charset="0"/>
+                <a:ea typeface="メイリオ" panose="020B0604030504040204" pitchFamily="50" charset="-128"/>
+              </a:rPr>
+              <a:t>中国</a:t>
+            </a:r>
+            <a:endParaRPr kumimoji="1" lang="en-US" altLang="ja-JP" sz="2800" dirty="0">
+              <a:latin typeface="Segoe UI" panose="020B0502040204020203" pitchFamily="34" charset="0"/>
+              <a:ea typeface="メイリオ" panose="020B0604030504040204" pitchFamily="50" charset="-128"/>
+            </a:endParaRPr>
+          </a:p>
+          <a:p>
+            <a:r>
+              <a:rPr kumimoji="1" lang="ja-JP" altLang="en-US" sz="2800" dirty="0">
+                <a:latin typeface="Segoe UI" panose="020B0502040204020203" pitchFamily="34" charset="0"/>
+                <a:ea typeface="メイリオ" panose="020B0604030504040204" pitchFamily="50" charset="-128"/>
+              </a:rPr>
+              <a:t>ベトナム</a:t>
+            </a:r>
+          </a:p>
+        </p:txBody>
+      </p:sp>
+      <p:sp>
+        <p:nvSpPr>
+          <p:cNvPr id="17" name="テキスト ボックス 16">
+            <a:extLst>
+              <a:ext uri="{FF2B5EF4-FFF2-40B4-BE49-F238E27FC236}">
+                <a16:creationId xmlns:a16="http://schemas.microsoft.com/office/drawing/2014/main" id="{3F982C71-FF56-4ED4-AF06-47E56F4FF224}"/>
+              </a:ext>
+            </a:extLst>
+          </p:cNvPr>
+          <p:cNvSpPr txBox="1"/>
+          <p:nvPr/>
+        </p:nvSpPr>
+        <p:spPr>
+          <a:xfrm>
+            <a:off x="6684851" y="2667047"/>
+            <a:ext cx="1620957" cy="1384995"/>
+          </a:xfrm>
+          <a:prstGeom prst="rect">
+            <a:avLst/>
+          </a:prstGeom>
+          <a:noFill/>
+        </p:spPr>
+        <p:txBody>
+          <a:bodyPr wrap="none" rtlCol="0">
+            <a:spAutoFit/>
+          </a:bodyPr>
+          <a:lstStyle/>
+          <a:p>
+            <a:r>
+              <a:rPr kumimoji="1" lang="ja-JP" altLang="en-US" sz="2800" dirty="0">
+                <a:latin typeface="Segoe UI" panose="020B0502040204020203" pitchFamily="34" charset="0"/>
+                <a:ea typeface="メイリオ" panose="020B0604030504040204" pitchFamily="50" charset="-128"/>
+              </a:rPr>
+              <a:t>イギリス</a:t>
+            </a:r>
+            <a:endParaRPr kumimoji="1" lang="en-US" altLang="ja-JP" sz="2800" dirty="0">
+              <a:latin typeface="Segoe UI" panose="020B0502040204020203" pitchFamily="34" charset="0"/>
+              <a:ea typeface="メイリオ" panose="020B0604030504040204" pitchFamily="50" charset="-128"/>
+            </a:endParaRPr>
+          </a:p>
+          <a:p>
+            <a:r>
+              <a:rPr kumimoji="1" lang="ja-JP" altLang="en-US" sz="2800" dirty="0">
+                <a:latin typeface="Segoe UI" panose="020B0502040204020203" pitchFamily="34" charset="0"/>
+                <a:ea typeface="メイリオ" panose="020B0604030504040204" pitchFamily="50" charset="-128"/>
+              </a:rPr>
+              <a:t>アメリカ</a:t>
+            </a:r>
+            <a:endParaRPr kumimoji="1" lang="en-US" altLang="ja-JP" sz="2800" dirty="0">
+              <a:latin typeface="Segoe UI" panose="020B0502040204020203" pitchFamily="34" charset="0"/>
+              <a:ea typeface="メイリオ" panose="020B0604030504040204" pitchFamily="50" charset="-128"/>
+            </a:endParaRPr>
+          </a:p>
+          <a:p>
+            <a:r>
+              <a:rPr kumimoji="1" lang="ja-JP" altLang="en-US" sz="2800" dirty="0">
+                <a:latin typeface="Segoe UI" panose="020B0502040204020203" pitchFamily="34" charset="0"/>
+                <a:ea typeface="メイリオ" panose="020B0604030504040204" pitchFamily="50" charset="-128"/>
+              </a:rPr>
+              <a:t>香港</a:t>
+            </a:r>
+            <a:endParaRPr kumimoji="1" lang="en-US" altLang="ja-JP" sz="2800" dirty="0">
+              <a:latin typeface="Segoe UI" panose="020B0502040204020203" pitchFamily="34" charset="0"/>
+              <a:ea typeface="メイリオ" panose="020B0604030504040204" pitchFamily="50" charset="-128"/>
+            </a:endParaRPr>
+          </a:p>
+        </p:txBody>
+      </p:sp>
+      <p:sp>
+        <p:nvSpPr>
+          <p:cNvPr id="15" name="四角形: 角を丸くする 14">
+            <a:extLst>
+              <a:ext uri="{FF2B5EF4-FFF2-40B4-BE49-F238E27FC236}">
+                <a16:creationId xmlns:a16="http://schemas.microsoft.com/office/drawing/2014/main" id="{A308B9D1-F111-4A52-970A-C308E20F715C}"/>
+              </a:ext>
+            </a:extLst>
+          </p:cNvPr>
+          <p:cNvSpPr/>
+          <p:nvPr/>
+        </p:nvSpPr>
+        <p:spPr>
+          <a:xfrm>
+            <a:off x="2706223" y="1883510"/>
+            <a:ext cx="1663699" cy="523220"/>
+          </a:xfrm>
+          <a:prstGeom prst="roundRect">
+            <a:avLst/>
+          </a:prstGeom>
+          <a:noFill/>
+          <a:ln w="28575">
+            <a:solidFill>
+              <a:schemeClr val="tx1"/>
+            </a:solidFill>
+          </a:ln>
+        </p:spPr>
+        <p:style>
+          <a:lnRef idx="2">
+            <a:schemeClr val="accent1">
+              <a:shade val="50000"/>
+            </a:schemeClr>
+          </a:lnRef>
+          <a:fillRef idx="1">
+            <a:schemeClr val="accent1"/>
+          </a:fillRef>
+          <a:effectRef idx="0">
+            <a:schemeClr val="accent1"/>
+          </a:effectRef>
+          <a:fontRef idx="minor">
+            <a:schemeClr val="lt1"/>
+          </a:fontRef>
+        </p:style>
+        <p:txBody>
+          <a:bodyPr rtlCol="0" anchor="ctr"/>
+          <a:lstStyle/>
+          <a:p>
+            <a:pPr algn="ctr"/>
+            <a:r>
+              <a:rPr kumimoji="1" lang="ja-JP" altLang="en-US" sz="2800" dirty="0">
+                <a:solidFill>
+                  <a:schemeClr val="tx1"/>
+                </a:solidFill>
+                <a:latin typeface="メイリオ" panose="020B0604030504040204" pitchFamily="50" charset="-128"/>
+                <a:ea typeface="メイリオ" panose="020B0604030504040204" pitchFamily="50" charset="-128"/>
+              </a:rPr>
+              <a:t>政府主導</a:t>
+            </a:r>
+          </a:p>
+        </p:txBody>
+      </p:sp>
+      <p:sp>
+        <p:nvSpPr>
+          <p:cNvPr id="18" name="四角形: 角を丸くする 17">
+            <a:extLst>
+              <a:ext uri="{FF2B5EF4-FFF2-40B4-BE49-F238E27FC236}">
+                <a16:creationId xmlns:a16="http://schemas.microsoft.com/office/drawing/2014/main" id="{2A78BE43-A196-4FDF-A910-A894CB06C3E1}"/>
+              </a:ext>
+            </a:extLst>
+          </p:cNvPr>
+          <p:cNvSpPr/>
+          <p:nvPr/>
+        </p:nvSpPr>
+        <p:spPr>
+          <a:xfrm>
+            <a:off x="4774078" y="1878091"/>
+            <a:ext cx="1663699" cy="523220"/>
+          </a:xfrm>
+          <a:prstGeom prst="roundRect">
+            <a:avLst/>
+          </a:prstGeom>
+          <a:noFill/>
+          <a:ln w="28575">
+            <a:solidFill>
+              <a:schemeClr val="tx1"/>
+            </a:solidFill>
+          </a:ln>
+        </p:spPr>
+        <p:style>
+          <a:lnRef idx="2">
+            <a:schemeClr val="accent1">
+              <a:shade val="50000"/>
+            </a:schemeClr>
+          </a:lnRef>
+          <a:fillRef idx="1">
+            <a:schemeClr val="accent1"/>
+          </a:fillRef>
+          <a:effectRef idx="0">
+            <a:schemeClr val="accent1"/>
+          </a:effectRef>
+          <a:fontRef idx="minor">
+            <a:schemeClr val="lt1"/>
+          </a:fontRef>
+        </p:style>
+        <p:txBody>
+          <a:bodyPr rtlCol="0" anchor="ctr"/>
+          <a:lstStyle/>
+          <a:p>
+            <a:pPr algn="ctr"/>
+            <a:r>
+              <a:rPr kumimoji="1" lang="ja-JP" altLang="en-US" sz="2800" dirty="0">
+                <a:solidFill>
+                  <a:schemeClr val="tx1"/>
+                </a:solidFill>
+                <a:latin typeface="メイリオ" panose="020B0604030504040204" pitchFamily="50" charset="-128"/>
+                <a:ea typeface="メイリオ" panose="020B0604030504040204" pitchFamily="50" charset="-128"/>
+              </a:rPr>
+              <a:t>福祉国家</a:t>
+            </a:r>
+          </a:p>
+        </p:txBody>
+      </p:sp>
+      <p:sp>
+        <p:nvSpPr>
+          <p:cNvPr id="19" name="四角形: 角を丸くする 18">
+            <a:extLst>
+              <a:ext uri="{FF2B5EF4-FFF2-40B4-BE49-F238E27FC236}">
+                <a16:creationId xmlns:a16="http://schemas.microsoft.com/office/drawing/2014/main" id="{BC098297-D325-473E-9DC0-54C12BB62A1E}"/>
+              </a:ext>
+            </a:extLst>
+          </p:cNvPr>
+          <p:cNvSpPr/>
+          <p:nvPr/>
+        </p:nvSpPr>
+        <p:spPr>
+          <a:xfrm>
+            <a:off x="6684851" y="1883510"/>
+            <a:ext cx="1663699" cy="523220"/>
+          </a:xfrm>
+          <a:prstGeom prst="roundRect">
+            <a:avLst/>
+          </a:prstGeom>
+          <a:noFill/>
+          <a:ln w="28575">
+            <a:solidFill>
+              <a:schemeClr val="tx1"/>
+            </a:solidFill>
+          </a:ln>
+        </p:spPr>
+        <p:style>
+          <a:lnRef idx="2">
+            <a:schemeClr val="accent1">
+              <a:shade val="50000"/>
+            </a:schemeClr>
+          </a:lnRef>
+          <a:fillRef idx="1">
+            <a:schemeClr val="accent1"/>
+          </a:fillRef>
+          <a:effectRef idx="0">
+            <a:schemeClr val="accent1"/>
+          </a:effectRef>
+          <a:fontRef idx="minor">
+            <a:schemeClr val="lt1"/>
+          </a:fontRef>
+        </p:style>
+        <p:txBody>
+          <a:bodyPr rtlCol="0" anchor="ctr"/>
+          <a:lstStyle/>
+          <a:p>
+            <a:pPr algn="ctr"/>
+            <a:r>
+              <a:rPr kumimoji="1" lang="ja-JP" altLang="en-US" sz="2800" dirty="0">
+                <a:solidFill>
+                  <a:schemeClr val="tx1"/>
+                </a:solidFill>
+                <a:latin typeface="メイリオ" panose="020B0604030504040204" pitchFamily="50" charset="-128"/>
+                <a:ea typeface="メイリオ" panose="020B0604030504040204" pitchFamily="50" charset="-128"/>
+              </a:rPr>
+              <a:t>自由放任</a:t>
+            </a:r>
+          </a:p>
+        </p:txBody>
+      </p:sp>
+      <p:sp>
+        <p:nvSpPr>
+          <p:cNvPr id="20" name="テキスト ボックス 19">
+            <a:extLst>
+              <a:ext uri="{FF2B5EF4-FFF2-40B4-BE49-F238E27FC236}">
+                <a16:creationId xmlns:a16="http://schemas.microsoft.com/office/drawing/2014/main" id="{6C3CE1EF-5DD7-4A32-BCE6-405CA34D468D}"/>
+              </a:ext>
+            </a:extLst>
+          </p:cNvPr>
+          <p:cNvSpPr txBox="1"/>
+          <p:nvPr/>
+        </p:nvSpPr>
+        <p:spPr>
+          <a:xfrm>
+            <a:off x="2706223" y="2690163"/>
+            <a:ext cx="2339102" cy="3108543"/>
+          </a:xfrm>
+          <a:prstGeom prst="rect">
+            <a:avLst/>
+          </a:prstGeom>
+          <a:noFill/>
+        </p:spPr>
+        <p:txBody>
+          <a:bodyPr wrap="none" rtlCol="0">
+            <a:spAutoFit/>
+          </a:bodyPr>
+          <a:lstStyle/>
+          <a:p>
+            <a:r>
+              <a:rPr kumimoji="1" lang="ja-JP" altLang="en-US" sz="2800" dirty="0">
+                <a:latin typeface="Segoe UI" panose="020B0502040204020203" pitchFamily="34" charset="0"/>
+                <a:ea typeface="メイリオ" panose="020B0604030504040204" pitchFamily="50" charset="-128"/>
+              </a:rPr>
+              <a:t>日本</a:t>
+            </a:r>
+            <a:endParaRPr kumimoji="1" lang="en-US" altLang="ja-JP" sz="2800" dirty="0">
+              <a:latin typeface="Segoe UI" panose="020B0502040204020203" pitchFamily="34" charset="0"/>
+              <a:ea typeface="メイリオ" panose="020B0604030504040204" pitchFamily="50" charset="-128"/>
+            </a:endParaRPr>
+          </a:p>
+          <a:p>
+            <a:r>
+              <a:rPr kumimoji="1" lang="ja-JP" altLang="en-US" sz="2800" dirty="0">
+                <a:latin typeface="Segoe UI" panose="020B0502040204020203" pitchFamily="34" charset="0"/>
+                <a:ea typeface="メイリオ" panose="020B0604030504040204" pitchFamily="50" charset="-128"/>
+              </a:rPr>
+              <a:t>韓国</a:t>
+            </a:r>
+            <a:endParaRPr kumimoji="1" lang="en-US" altLang="ja-JP" sz="2800" dirty="0">
+              <a:latin typeface="Segoe UI" panose="020B0502040204020203" pitchFamily="34" charset="0"/>
+              <a:ea typeface="メイリオ" panose="020B0604030504040204" pitchFamily="50" charset="-128"/>
+            </a:endParaRPr>
+          </a:p>
+          <a:p>
+            <a:r>
+              <a:rPr kumimoji="1" lang="ja-JP" altLang="en-US" sz="2800" dirty="0">
+                <a:latin typeface="Segoe UI" panose="020B0502040204020203" pitchFamily="34" charset="0"/>
+                <a:ea typeface="メイリオ" panose="020B0604030504040204" pitchFamily="50" charset="-128"/>
+              </a:rPr>
+              <a:t>台湾</a:t>
+            </a:r>
+            <a:endParaRPr kumimoji="1" lang="en-US" altLang="ja-JP" sz="2800" dirty="0">
+              <a:latin typeface="Segoe UI" panose="020B0502040204020203" pitchFamily="34" charset="0"/>
+              <a:ea typeface="メイリオ" panose="020B0604030504040204" pitchFamily="50" charset="-128"/>
+            </a:endParaRPr>
+          </a:p>
+          <a:p>
+            <a:r>
+              <a:rPr kumimoji="1" lang="ja-JP" altLang="en-US" sz="2800" dirty="0">
+                <a:latin typeface="Segoe UI" panose="020B0502040204020203" pitchFamily="34" charset="0"/>
+                <a:ea typeface="メイリオ" panose="020B0604030504040204" pitchFamily="50" charset="-128"/>
+              </a:rPr>
+              <a:t>シンガポール</a:t>
+            </a:r>
+            <a:endParaRPr kumimoji="1" lang="en-US" altLang="ja-JP" sz="2800" dirty="0">
+              <a:latin typeface="Segoe UI" panose="020B0502040204020203" pitchFamily="34" charset="0"/>
+              <a:ea typeface="メイリオ" panose="020B0604030504040204" pitchFamily="50" charset="-128"/>
+            </a:endParaRPr>
+          </a:p>
+          <a:p>
+            <a:r>
+              <a:rPr kumimoji="1" lang="ja-JP" altLang="en-US" sz="2800" dirty="0">
+                <a:latin typeface="Segoe UI" panose="020B0502040204020203" pitchFamily="34" charset="0"/>
+                <a:ea typeface="メイリオ" panose="020B0604030504040204" pitchFamily="50" charset="-128"/>
+              </a:rPr>
+              <a:t>タイ</a:t>
+            </a:r>
+            <a:endParaRPr kumimoji="1" lang="en-US" altLang="ja-JP" sz="2800" dirty="0">
+              <a:latin typeface="Segoe UI" panose="020B0502040204020203" pitchFamily="34" charset="0"/>
+              <a:ea typeface="メイリオ" panose="020B0604030504040204" pitchFamily="50" charset="-128"/>
+            </a:endParaRPr>
+          </a:p>
+          <a:p>
+            <a:r>
+              <a:rPr kumimoji="1" lang="ja-JP" altLang="en-US" sz="2800" dirty="0">
+                <a:latin typeface="Segoe UI" panose="020B0502040204020203" pitchFamily="34" charset="0"/>
+                <a:ea typeface="メイリオ" panose="020B0604030504040204" pitchFamily="50" charset="-128"/>
+              </a:rPr>
+              <a:t>マレーシア</a:t>
+            </a:r>
+            <a:endParaRPr kumimoji="1" lang="en-US" altLang="ja-JP" sz="2800" dirty="0">
+              <a:latin typeface="Segoe UI" panose="020B0502040204020203" pitchFamily="34" charset="0"/>
+              <a:ea typeface="メイリオ" panose="020B0604030504040204" pitchFamily="50" charset="-128"/>
+            </a:endParaRPr>
+          </a:p>
+          <a:p>
+            <a:r>
+              <a:rPr kumimoji="1" lang="ja-JP" altLang="en-US" sz="2800" dirty="0">
+                <a:latin typeface="Segoe UI" panose="020B0502040204020203" pitchFamily="34" charset="0"/>
+                <a:ea typeface="メイリオ" panose="020B0604030504040204" pitchFamily="50" charset="-128"/>
+              </a:rPr>
+              <a:t>インドネシア</a:t>
+            </a:r>
+          </a:p>
+        </p:txBody>
+      </p:sp>
+      <p:sp>
+        <p:nvSpPr>
+          <p:cNvPr id="21" name="テキスト ボックス 20">
+            <a:extLst>
+              <a:ext uri="{FF2B5EF4-FFF2-40B4-BE49-F238E27FC236}">
+                <a16:creationId xmlns:a16="http://schemas.microsoft.com/office/drawing/2014/main" id="{A4127A42-BB7E-4196-87B9-9CE1FD94E3D8}"/>
+              </a:ext>
+            </a:extLst>
+          </p:cNvPr>
+          <p:cNvSpPr txBox="1"/>
+          <p:nvPr/>
+        </p:nvSpPr>
+        <p:spPr>
+          <a:xfrm>
+            <a:off x="4774078" y="2672822"/>
+            <a:ext cx="1620957" cy="523220"/>
+          </a:xfrm>
+          <a:prstGeom prst="rect">
+            <a:avLst/>
+          </a:prstGeom>
+          <a:noFill/>
+        </p:spPr>
+        <p:txBody>
+          <a:bodyPr wrap="none" rtlCol="0">
+            <a:spAutoFit/>
+          </a:bodyPr>
+          <a:lstStyle/>
+          <a:p>
+            <a:r>
+              <a:rPr kumimoji="1" lang="ja-JP" altLang="en-US" sz="2800" dirty="0">
+                <a:latin typeface="Segoe UI" panose="020B0502040204020203" pitchFamily="34" charset="0"/>
+                <a:ea typeface="メイリオ" panose="020B0604030504040204" pitchFamily="50" charset="-128"/>
+              </a:rPr>
+              <a:t>北欧諸国</a:t>
+            </a:r>
+          </a:p>
+        </p:txBody>
+      </p:sp>
+    </p:spTree>
+    <p:extLst>
+      <p:ext uri="{BB962C8B-B14F-4D97-AF65-F5344CB8AC3E}">
+        <p14:creationId xmlns:p14="http://schemas.microsoft.com/office/powerpoint/2010/main" val="3560539131"/>
+      </p:ext>
+    </p:extLst>
+  </p:cSld>
+  <p:clrMapOvr>
+    <a:masterClrMapping/>
+  </p:clrMapOvr>
+</p:sld>
+</file>
+
+<file path=ppt/slides/slide3.xml><?xml version="1.0" encoding="utf-8"?>
+<p:sld xmlns:a="http://schemas.openxmlformats.org/drawingml/2006/main" xmlns:r="http://schemas.openxmlformats.org/officeDocument/2006/relationships" xmlns:p="http://schemas.openxmlformats.org/presentationml/2006/main">
+  <p:cSld>
+    <p:spTree>
+      <p:nvGrpSpPr>
+        <p:cNvPr id="1" name=""/>
+        <p:cNvGrpSpPr/>
+        <p:nvPr/>
+      </p:nvGrpSpPr>
+      <p:grpSpPr>
+        <a:xfrm>
+          <a:off x="0" y="0"/>
+          <a:ext cx="0" cy="0"/>
+          <a:chOff x="0" y="0"/>
+          <a:chExt cx="0" cy="0"/>
+        </a:xfrm>
+      </p:grpSpPr>
+      <p:sp>
+        <p:nvSpPr>
+          <p:cNvPr id="2" name="矢印: 左右 1">
+            <a:extLst>
+              <a:ext uri="{FF2B5EF4-FFF2-40B4-BE49-F238E27FC236}">
+                <a16:creationId xmlns:a16="http://schemas.microsoft.com/office/drawing/2014/main" id="{29E3082E-6820-4D13-A958-66C19B8F2219}"/>
+              </a:ext>
+            </a:extLst>
+          </p:cNvPr>
+          <p:cNvSpPr/>
+          <p:nvPr/>
+        </p:nvSpPr>
+        <p:spPr>
+          <a:xfrm>
+            <a:off x="1004459" y="1032066"/>
+            <a:ext cx="7148946" cy="591127"/>
+          </a:xfrm>
+          <a:prstGeom prst="leftRightArrow">
+            <a:avLst/>
+          </a:prstGeom>
+        </p:spPr>
+        <p:style>
+          <a:lnRef idx="2">
+            <a:schemeClr val="accent3">
+              <a:shade val="50000"/>
+            </a:schemeClr>
+          </a:lnRef>
+          <a:fillRef idx="1">
+            <a:schemeClr val="accent3"/>
+          </a:fillRef>
+          <a:effectRef idx="0">
+            <a:schemeClr val="accent3"/>
+          </a:effectRef>
+          <a:fontRef idx="minor">
+            <a:schemeClr val="lt1"/>
+          </a:fontRef>
+        </p:style>
+        <p:txBody>
+          <a:bodyPr rtlCol="0" anchor="ctr"/>
+          <a:lstStyle/>
+          <a:p>
+            <a:pPr algn="ctr"/>
+            <a:endParaRPr kumimoji="1" lang="ja-JP" altLang="en-US">
+              <a:latin typeface="Segoe UI" panose="020B0502040204020203" pitchFamily="34" charset="0"/>
+              <a:ea typeface="メイリオ" panose="020B0604030504040204" pitchFamily="50" charset="-128"/>
+            </a:endParaRPr>
+          </a:p>
+        </p:txBody>
+      </p:sp>
+      <p:sp>
+        <p:nvSpPr>
+          <p:cNvPr id="3" name="テキスト ボックス 2">
+            <a:extLst>
+              <a:ext uri="{FF2B5EF4-FFF2-40B4-BE49-F238E27FC236}">
+                <a16:creationId xmlns:a16="http://schemas.microsoft.com/office/drawing/2014/main" id="{B85EC3E2-2D4E-4BE7-B07A-7D0AEC16DCF0}"/>
+              </a:ext>
+            </a:extLst>
+          </p:cNvPr>
+          <p:cNvSpPr txBox="1"/>
+          <p:nvPr/>
+        </p:nvSpPr>
+        <p:spPr>
+          <a:xfrm>
+            <a:off x="237847" y="802002"/>
+            <a:ext cx="902811" cy="523220"/>
+          </a:xfrm>
+          <a:prstGeom prst="rect">
+            <a:avLst/>
+          </a:prstGeom>
+          <a:noFill/>
+        </p:spPr>
+        <p:txBody>
+          <a:bodyPr wrap="none" rtlCol="0">
+            <a:spAutoFit/>
+          </a:bodyPr>
+          <a:lstStyle/>
+          <a:p>
+            <a:r>
+              <a:rPr kumimoji="1" lang="ja-JP" altLang="en-US" sz="2800" dirty="0">
+                <a:latin typeface="Segoe UI" panose="020B0502040204020203" pitchFamily="34" charset="0"/>
+                <a:ea typeface="メイリオ" panose="020B0604030504040204" pitchFamily="50" charset="-128"/>
+              </a:rPr>
+              <a:t>一体</a:t>
+            </a:r>
+          </a:p>
+        </p:txBody>
+      </p:sp>
+      <p:sp>
+        <p:nvSpPr>
+          <p:cNvPr id="4" name="テキスト ボックス 3">
+            <a:extLst>
+              <a:ext uri="{FF2B5EF4-FFF2-40B4-BE49-F238E27FC236}">
+                <a16:creationId xmlns:a16="http://schemas.microsoft.com/office/drawing/2014/main" id="{48E0A430-A8A8-4322-8778-DE3EB75BB860}"/>
+              </a:ext>
+            </a:extLst>
+          </p:cNvPr>
+          <p:cNvSpPr txBox="1"/>
+          <p:nvPr/>
+        </p:nvSpPr>
+        <p:spPr>
+          <a:xfrm>
+            <a:off x="8017206" y="802002"/>
+            <a:ext cx="902811" cy="523220"/>
+          </a:xfrm>
+          <a:prstGeom prst="rect">
+            <a:avLst/>
+          </a:prstGeom>
+          <a:noFill/>
+        </p:spPr>
+        <p:txBody>
+          <a:bodyPr wrap="none" rtlCol="0">
+            <a:spAutoFit/>
+          </a:bodyPr>
+          <a:lstStyle/>
+          <a:p>
+            <a:r>
+              <a:rPr kumimoji="1" lang="ja-JP" altLang="en-US" sz="2800" dirty="0">
+                <a:latin typeface="Segoe UI" panose="020B0502040204020203" pitchFamily="34" charset="0"/>
+                <a:ea typeface="メイリオ" panose="020B0604030504040204" pitchFamily="50" charset="-128"/>
+              </a:rPr>
+              <a:t>分離</a:t>
+            </a:r>
+          </a:p>
+        </p:txBody>
+      </p:sp>
+      <p:sp>
+        <p:nvSpPr>
+          <p:cNvPr id="10" name="テキスト ボックス 9">
+            <a:extLst>
+              <a:ext uri="{FF2B5EF4-FFF2-40B4-BE49-F238E27FC236}">
+                <a16:creationId xmlns:a16="http://schemas.microsoft.com/office/drawing/2014/main" id="{3BD373A1-B131-4E2D-B5B6-A0F7479D38B1}"/>
+              </a:ext>
+            </a:extLst>
+          </p:cNvPr>
+          <p:cNvSpPr txBox="1"/>
+          <p:nvPr/>
+        </p:nvSpPr>
+        <p:spPr>
+          <a:xfrm>
+            <a:off x="3036446" y="420875"/>
+            <a:ext cx="3057247" cy="523220"/>
+          </a:xfrm>
+          <a:prstGeom prst="rect">
+            <a:avLst/>
+          </a:prstGeom>
+          <a:noFill/>
+        </p:spPr>
+        <p:txBody>
+          <a:bodyPr wrap="none" rtlCol="0">
+            <a:spAutoFit/>
+          </a:bodyPr>
+          <a:lstStyle/>
+          <a:p>
+            <a:r>
+              <a:rPr kumimoji="1" lang="ja-JP" altLang="en-US" sz="2800" dirty="0">
+                <a:latin typeface="Segoe UI" panose="020B0502040204020203" pitchFamily="34" charset="0"/>
+                <a:ea typeface="メイリオ" panose="020B0604030504040204" pitchFamily="50" charset="-128"/>
+              </a:rPr>
+              <a:t>所有と経営の分離</a:t>
+            </a:r>
+          </a:p>
+        </p:txBody>
+      </p:sp>
+      <p:sp>
+        <p:nvSpPr>
+          <p:cNvPr id="14" name="四角形: 角を丸くする 13">
+            <a:extLst>
+              <a:ext uri="{FF2B5EF4-FFF2-40B4-BE49-F238E27FC236}">
+                <a16:creationId xmlns:a16="http://schemas.microsoft.com/office/drawing/2014/main" id="{9063822C-EA61-42C6-915E-3FBCC37BA3D0}"/>
+              </a:ext>
+            </a:extLst>
+          </p:cNvPr>
+          <p:cNvSpPr/>
+          <p:nvPr/>
+        </p:nvSpPr>
+        <p:spPr>
+          <a:xfrm>
+            <a:off x="681110" y="1878091"/>
+            <a:ext cx="1778039" cy="1081508"/>
+          </a:xfrm>
+          <a:prstGeom prst="roundRect">
+            <a:avLst/>
+          </a:prstGeom>
+          <a:noFill/>
+          <a:ln w="28575">
+            <a:solidFill>
+              <a:schemeClr val="tx1"/>
+            </a:solidFill>
+          </a:ln>
+        </p:spPr>
+        <p:style>
+          <a:lnRef idx="2">
+            <a:schemeClr val="accent1">
+              <a:shade val="50000"/>
+            </a:schemeClr>
+          </a:lnRef>
+          <a:fillRef idx="1">
+            <a:schemeClr val="accent1"/>
+          </a:fillRef>
+          <a:effectRef idx="0">
+            <a:schemeClr val="accent1"/>
+          </a:effectRef>
+          <a:fontRef idx="minor">
+            <a:schemeClr val="lt1"/>
+          </a:fontRef>
+        </p:style>
+        <p:txBody>
+          <a:bodyPr rtlCol="0" anchor="ctr"/>
+          <a:lstStyle/>
+          <a:p>
+            <a:pPr algn="ctr"/>
+            <a:r>
+              <a:rPr kumimoji="1" lang="ja-JP" altLang="en-US" sz="2800" dirty="0">
+                <a:solidFill>
+                  <a:schemeClr val="tx1"/>
+                </a:solidFill>
+                <a:latin typeface="メイリオ" panose="020B0604030504040204" pitchFamily="50" charset="-128"/>
+                <a:ea typeface="メイリオ" panose="020B0604030504040204" pitchFamily="50" charset="-128"/>
+              </a:rPr>
+              <a:t>家族</a:t>
+            </a:r>
+            <a:endParaRPr kumimoji="1" lang="en-US" altLang="ja-JP" sz="2800" dirty="0">
+              <a:solidFill>
+                <a:schemeClr val="tx1"/>
+              </a:solidFill>
+              <a:latin typeface="メイリオ" panose="020B0604030504040204" pitchFamily="50" charset="-128"/>
+              <a:ea typeface="メイリオ" panose="020B0604030504040204" pitchFamily="50" charset="-128"/>
+            </a:endParaRPr>
+          </a:p>
+          <a:p>
+            <a:pPr algn="ctr"/>
+            <a:r>
+              <a:rPr kumimoji="1" lang="ja-JP" altLang="en-US" sz="2800" dirty="0">
+                <a:solidFill>
+                  <a:schemeClr val="tx1"/>
+                </a:solidFill>
+                <a:latin typeface="メイリオ" panose="020B0604030504040204" pitchFamily="50" charset="-128"/>
+                <a:ea typeface="メイリオ" panose="020B0604030504040204" pitchFamily="50" charset="-128"/>
+              </a:rPr>
+              <a:t>資本主義</a:t>
+            </a:r>
+          </a:p>
+        </p:txBody>
+      </p:sp>
+      <p:sp>
+        <p:nvSpPr>
+          <p:cNvPr id="16" name="テキスト ボックス 15">
+            <a:extLst>
+              <a:ext uri="{FF2B5EF4-FFF2-40B4-BE49-F238E27FC236}">
+                <a16:creationId xmlns:a16="http://schemas.microsoft.com/office/drawing/2014/main" id="{67652064-2D5C-4EB2-A730-EDADEDE2860E}"/>
+              </a:ext>
+            </a:extLst>
+          </p:cNvPr>
+          <p:cNvSpPr txBox="1"/>
+          <p:nvPr/>
+        </p:nvSpPr>
+        <p:spPr>
+          <a:xfrm>
+            <a:off x="681110" y="3096121"/>
+            <a:ext cx="2339102" cy="523220"/>
+          </a:xfrm>
+          <a:prstGeom prst="rect">
+            <a:avLst/>
+          </a:prstGeom>
+          <a:noFill/>
+        </p:spPr>
+        <p:txBody>
+          <a:bodyPr wrap="none" rtlCol="0">
+            <a:spAutoFit/>
+          </a:bodyPr>
+          <a:lstStyle/>
+          <a:p>
+            <a:r>
+              <a:rPr kumimoji="1" lang="ja-JP" altLang="en-US" sz="2800" dirty="0">
+                <a:latin typeface="Segoe UI" panose="020B0502040204020203" pitchFamily="34" charset="0"/>
+                <a:ea typeface="メイリオ" panose="020B0604030504040204" pitchFamily="50" charset="-128"/>
+              </a:rPr>
+              <a:t>多くの新興国</a:t>
+            </a:r>
+          </a:p>
+        </p:txBody>
+      </p:sp>
+      <p:sp>
+        <p:nvSpPr>
+          <p:cNvPr id="17" name="テキスト ボックス 16">
+            <a:extLst>
+              <a:ext uri="{FF2B5EF4-FFF2-40B4-BE49-F238E27FC236}">
+                <a16:creationId xmlns:a16="http://schemas.microsoft.com/office/drawing/2014/main" id="{3F982C71-FF56-4ED4-AF06-47E56F4FF224}"/>
+              </a:ext>
+            </a:extLst>
+          </p:cNvPr>
+          <p:cNvSpPr txBox="1"/>
+          <p:nvPr/>
+        </p:nvSpPr>
+        <p:spPr>
+          <a:xfrm>
+            <a:off x="6684851" y="3054974"/>
+            <a:ext cx="1620957" cy="954107"/>
+          </a:xfrm>
+          <a:prstGeom prst="rect">
+            <a:avLst/>
+          </a:prstGeom>
+          <a:noFill/>
+        </p:spPr>
+        <p:txBody>
+          <a:bodyPr wrap="none" rtlCol="0">
+            <a:spAutoFit/>
+          </a:bodyPr>
+          <a:lstStyle/>
+          <a:p>
+            <a:r>
+              <a:rPr kumimoji="1" lang="ja-JP" altLang="en-US" sz="2800" dirty="0">
+                <a:latin typeface="Segoe UI" panose="020B0502040204020203" pitchFamily="34" charset="0"/>
+                <a:ea typeface="メイリオ" panose="020B0604030504040204" pitchFamily="50" charset="-128"/>
+              </a:rPr>
+              <a:t>アメリカ</a:t>
+            </a:r>
+            <a:endParaRPr kumimoji="1" lang="en-US" altLang="ja-JP" sz="2800" dirty="0">
+              <a:latin typeface="Segoe UI" panose="020B0502040204020203" pitchFamily="34" charset="0"/>
+              <a:ea typeface="メイリオ" panose="020B0604030504040204" pitchFamily="50" charset="-128"/>
+            </a:endParaRPr>
+          </a:p>
+          <a:p>
+            <a:r>
+              <a:rPr kumimoji="1" lang="ja-JP" altLang="en-US" sz="2800" dirty="0">
+                <a:latin typeface="Segoe UI" panose="020B0502040204020203" pitchFamily="34" charset="0"/>
+                <a:ea typeface="メイリオ" panose="020B0604030504040204" pitchFamily="50" charset="-128"/>
+              </a:rPr>
+              <a:t>イギリス</a:t>
+            </a:r>
+            <a:endParaRPr kumimoji="1" lang="en-US" altLang="ja-JP" sz="2800" dirty="0">
+              <a:latin typeface="Segoe UI" panose="020B0502040204020203" pitchFamily="34" charset="0"/>
+              <a:ea typeface="メイリオ" panose="020B0604030504040204" pitchFamily="50" charset="-128"/>
+            </a:endParaRPr>
+          </a:p>
+        </p:txBody>
+      </p:sp>
+      <p:sp>
+        <p:nvSpPr>
+          <p:cNvPr id="15" name="四角形: 角を丸くする 14">
+            <a:extLst>
+              <a:ext uri="{FF2B5EF4-FFF2-40B4-BE49-F238E27FC236}">
+                <a16:creationId xmlns:a16="http://schemas.microsoft.com/office/drawing/2014/main" id="{A308B9D1-F111-4A52-970A-C308E20F715C}"/>
+              </a:ext>
+            </a:extLst>
+          </p:cNvPr>
+          <p:cNvSpPr/>
+          <p:nvPr/>
+        </p:nvSpPr>
+        <p:spPr>
+          <a:xfrm>
+            <a:off x="681110" y="3934597"/>
+            <a:ext cx="3223522" cy="1081507"/>
+          </a:xfrm>
+          <a:prstGeom prst="roundRect">
+            <a:avLst/>
+          </a:prstGeom>
+          <a:noFill/>
+          <a:ln w="28575">
+            <a:solidFill>
+              <a:schemeClr val="tx1"/>
+            </a:solidFill>
+          </a:ln>
+        </p:spPr>
+        <p:style>
+          <a:lnRef idx="2">
+            <a:schemeClr val="accent1">
+              <a:shade val="50000"/>
+            </a:schemeClr>
+          </a:lnRef>
+          <a:fillRef idx="1">
+            <a:schemeClr val="accent1"/>
+          </a:fillRef>
+          <a:effectRef idx="0">
+            <a:schemeClr val="accent1"/>
+          </a:effectRef>
+          <a:fontRef idx="minor">
+            <a:schemeClr val="lt1"/>
+          </a:fontRef>
+        </p:style>
+        <p:txBody>
+          <a:bodyPr rtlCol="0" anchor="ctr"/>
+          <a:lstStyle/>
+          <a:p>
+            <a:pPr algn="ctr"/>
+            <a:r>
+              <a:rPr kumimoji="1" lang="ja-JP" altLang="en-US" sz="2800" dirty="0">
+                <a:solidFill>
+                  <a:schemeClr val="tx1"/>
+                </a:solidFill>
+                <a:latin typeface="メイリオ" panose="020B0604030504040204" pitchFamily="50" charset="-128"/>
+                <a:ea typeface="メイリオ" panose="020B0604030504040204" pitchFamily="50" charset="-128"/>
+              </a:rPr>
+              <a:t>縁故</a:t>
+            </a:r>
+            <a:endParaRPr kumimoji="1" lang="en-US" altLang="ja-JP" sz="2800" dirty="0">
+              <a:solidFill>
+                <a:schemeClr val="tx1"/>
+              </a:solidFill>
+              <a:latin typeface="メイリオ" panose="020B0604030504040204" pitchFamily="50" charset="-128"/>
+              <a:ea typeface="メイリオ" panose="020B0604030504040204" pitchFamily="50" charset="-128"/>
+            </a:endParaRPr>
+          </a:p>
+          <a:p>
+            <a:pPr algn="ctr"/>
+            <a:r>
+              <a:rPr kumimoji="1" lang="ja-JP" altLang="en-US" sz="2800" dirty="0">
+                <a:solidFill>
+                  <a:schemeClr val="tx1"/>
+                </a:solidFill>
+                <a:latin typeface="メイリオ" panose="020B0604030504040204" pitchFamily="50" charset="-128"/>
+                <a:ea typeface="メイリオ" panose="020B0604030504040204" pitchFamily="50" charset="-128"/>
+              </a:rPr>
+              <a:t>資本主義</a:t>
+            </a:r>
+          </a:p>
+        </p:txBody>
+      </p:sp>
+      <p:sp>
+        <p:nvSpPr>
+          <p:cNvPr id="18" name="四角形: 角を丸くする 17">
+            <a:extLst>
+              <a:ext uri="{FF2B5EF4-FFF2-40B4-BE49-F238E27FC236}">
+                <a16:creationId xmlns:a16="http://schemas.microsoft.com/office/drawing/2014/main" id="{2A78BE43-A196-4FDF-A910-A894CB06C3E1}"/>
+              </a:ext>
+            </a:extLst>
+          </p:cNvPr>
+          <p:cNvSpPr/>
+          <p:nvPr/>
+        </p:nvSpPr>
+        <p:spPr>
+          <a:xfrm>
+            <a:off x="4793684" y="4209869"/>
+            <a:ext cx="3223522" cy="1081508"/>
+          </a:xfrm>
+          <a:prstGeom prst="roundRect">
+            <a:avLst/>
+          </a:prstGeom>
+          <a:noFill/>
+          <a:ln w="28575">
+            <a:solidFill>
+              <a:schemeClr val="tx1"/>
+            </a:solidFill>
+          </a:ln>
+        </p:spPr>
+        <p:style>
+          <a:lnRef idx="2">
+            <a:schemeClr val="accent1">
+              <a:shade val="50000"/>
+            </a:schemeClr>
+          </a:lnRef>
+          <a:fillRef idx="1">
+            <a:schemeClr val="accent1"/>
+          </a:fillRef>
+          <a:effectRef idx="0">
+            <a:schemeClr val="accent1"/>
+          </a:effectRef>
+          <a:fontRef idx="minor">
+            <a:schemeClr val="lt1"/>
+          </a:fontRef>
+        </p:style>
+        <p:txBody>
+          <a:bodyPr rtlCol="0" anchor="ctr"/>
+          <a:lstStyle/>
+          <a:p>
+            <a:pPr algn="ctr"/>
+            <a:r>
+              <a:rPr kumimoji="1" lang="ja-JP" altLang="en-US" sz="2800" dirty="0">
+                <a:solidFill>
+                  <a:schemeClr val="tx1"/>
+                </a:solidFill>
+                <a:latin typeface="メイリオ" panose="020B0604030504040204" pitchFamily="50" charset="-128"/>
+                <a:ea typeface="メイリオ" panose="020B0604030504040204" pitchFamily="50" charset="-128"/>
+              </a:rPr>
+              <a:t>ステークホルダー</a:t>
+            </a:r>
+            <a:endParaRPr kumimoji="1" lang="en-US" altLang="ja-JP" sz="2800" dirty="0">
+              <a:solidFill>
+                <a:schemeClr val="tx1"/>
+              </a:solidFill>
+              <a:latin typeface="メイリオ" panose="020B0604030504040204" pitchFamily="50" charset="-128"/>
+              <a:ea typeface="メイリオ" panose="020B0604030504040204" pitchFamily="50" charset="-128"/>
+            </a:endParaRPr>
+          </a:p>
+          <a:p>
+            <a:pPr algn="ctr"/>
+            <a:r>
+              <a:rPr kumimoji="1" lang="ja-JP" altLang="en-US" sz="2800" dirty="0">
+                <a:solidFill>
+                  <a:schemeClr val="tx1"/>
+                </a:solidFill>
+                <a:latin typeface="メイリオ" panose="020B0604030504040204" pitchFamily="50" charset="-128"/>
+                <a:ea typeface="メイリオ" panose="020B0604030504040204" pitchFamily="50" charset="-128"/>
+              </a:rPr>
+              <a:t>資本主義</a:t>
+            </a:r>
+          </a:p>
+        </p:txBody>
+      </p:sp>
+      <p:sp>
+        <p:nvSpPr>
+          <p:cNvPr id="19" name="四角形: 角を丸くする 18">
+            <a:extLst>
+              <a:ext uri="{FF2B5EF4-FFF2-40B4-BE49-F238E27FC236}">
+                <a16:creationId xmlns:a16="http://schemas.microsoft.com/office/drawing/2014/main" id="{BC098297-D325-473E-9DC0-54C12BB62A1E}"/>
+              </a:ext>
+            </a:extLst>
+          </p:cNvPr>
+          <p:cNvSpPr/>
+          <p:nvPr/>
+        </p:nvSpPr>
+        <p:spPr>
+          <a:xfrm>
+            <a:off x="6684851" y="1883510"/>
+            <a:ext cx="1778039" cy="1081508"/>
+          </a:xfrm>
+          <a:prstGeom prst="roundRect">
+            <a:avLst/>
+          </a:prstGeom>
+          <a:noFill/>
+          <a:ln w="28575">
+            <a:solidFill>
+              <a:schemeClr val="tx1"/>
+            </a:solidFill>
+          </a:ln>
+        </p:spPr>
+        <p:style>
+          <a:lnRef idx="2">
+            <a:schemeClr val="accent1">
+              <a:shade val="50000"/>
+            </a:schemeClr>
+          </a:lnRef>
+          <a:fillRef idx="1">
+            <a:schemeClr val="accent1"/>
+          </a:fillRef>
+          <a:effectRef idx="0">
+            <a:schemeClr val="accent1"/>
+          </a:effectRef>
+          <a:fontRef idx="minor">
+            <a:schemeClr val="lt1"/>
+          </a:fontRef>
+        </p:style>
+        <p:txBody>
+          <a:bodyPr rtlCol="0" anchor="ctr"/>
+          <a:lstStyle/>
+          <a:p>
+            <a:pPr algn="ctr"/>
+            <a:r>
+              <a:rPr kumimoji="1" lang="ja-JP" altLang="en-US" sz="2800" dirty="0">
+                <a:solidFill>
+                  <a:schemeClr val="tx1"/>
+                </a:solidFill>
+                <a:latin typeface="メイリオ" panose="020B0604030504040204" pitchFamily="50" charset="-128"/>
+                <a:ea typeface="メイリオ" panose="020B0604030504040204" pitchFamily="50" charset="-128"/>
+              </a:rPr>
+              <a:t>株主</a:t>
+            </a:r>
+            <a:endParaRPr kumimoji="1" lang="en-US" altLang="ja-JP" sz="2800" dirty="0">
+              <a:solidFill>
+                <a:schemeClr val="tx1"/>
+              </a:solidFill>
+              <a:latin typeface="メイリオ" panose="020B0604030504040204" pitchFamily="50" charset="-128"/>
+              <a:ea typeface="メイリオ" panose="020B0604030504040204" pitchFamily="50" charset="-128"/>
+            </a:endParaRPr>
+          </a:p>
+          <a:p>
+            <a:pPr algn="ctr"/>
+            <a:r>
+              <a:rPr kumimoji="1" lang="ja-JP" altLang="en-US" sz="2800" dirty="0">
+                <a:solidFill>
+                  <a:schemeClr val="tx1"/>
+                </a:solidFill>
+                <a:latin typeface="メイリオ" panose="020B0604030504040204" pitchFamily="50" charset="-128"/>
+                <a:ea typeface="メイリオ" panose="020B0604030504040204" pitchFamily="50" charset="-128"/>
+              </a:rPr>
+              <a:t>資本主義</a:t>
+            </a:r>
+          </a:p>
+        </p:txBody>
+      </p:sp>
+      <p:sp>
+        <p:nvSpPr>
+          <p:cNvPr id="20" name="テキスト ボックス 19">
+            <a:extLst>
+              <a:ext uri="{FF2B5EF4-FFF2-40B4-BE49-F238E27FC236}">
+                <a16:creationId xmlns:a16="http://schemas.microsoft.com/office/drawing/2014/main" id="{6C3CE1EF-5DD7-4A32-BCE6-405CA34D468D}"/>
+              </a:ext>
+            </a:extLst>
+          </p:cNvPr>
+          <p:cNvSpPr txBox="1"/>
+          <p:nvPr/>
+        </p:nvSpPr>
+        <p:spPr>
+          <a:xfrm>
+            <a:off x="681110" y="5133436"/>
+            <a:ext cx="2698175" cy="1384995"/>
+          </a:xfrm>
+          <a:prstGeom prst="rect">
+            <a:avLst/>
+          </a:prstGeom>
+          <a:noFill/>
+        </p:spPr>
+        <p:txBody>
+          <a:bodyPr wrap="none" rtlCol="0">
+            <a:spAutoFit/>
+          </a:bodyPr>
+          <a:lstStyle/>
+          <a:p>
+            <a:r>
+              <a:rPr kumimoji="1" lang="ja-JP" altLang="en-US" sz="2800" dirty="0">
+                <a:latin typeface="Segoe UI" panose="020B0502040204020203" pitchFamily="34" charset="0"/>
+                <a:ea typeface="メイリオ" panose="020B0604030504040204" pitchFamily="50" charset="-128"/>
+              </a:rPr>
+              <a:t>アジア</a:t>
+            </a:r>
+            <a:endParaRPr kumimoji="1" lang="en-US" altLang="ja-JP" sz="2800" dirty="0">
+              <a:latin typeface="Segoe UI" panose="020B0502040204020203" pitchFamily="34" charset="0"/>
+              <a:ea typeface="メイリオ" panose="020B0604030504040204" pitchFamily="50" charset="-128"/>
+            </a:endParaRPr>
+          </a:p>
+          <a:p>
+            <a:r>
+              <a:rPr kumimoji="1" lang="ja-JP" altLang="en-US" sz="2800" dirty="0">
+                <a:latin typeface="Segoe UI" panose="020B0502040204020203" pitchFamily="34" charset="0"/>
+                <a:ea typeface="メイリオ" panose="020B0604030504040204" pitchFamily="50" charset="-128"/>
+              </a:rPr>
+              <a:t>ラテンアメリカ</a:t>
+            </a:r>
+            <a:endParaRPr kumimoji="1" lang="en-US" altLang="ja-JP" sz="2800" dirty="0">
+              <a:latin typeface="Segoe UI" panose="020B0502040204020203" pitchFamily="34" charset="0"/>
+              <a:ea typeface="メイリオ" panose="020B0604030504040204" pitchFamily="50" charset="-128"/>
+            </a:endParaRPr>
+          </a:p>
+          <a:p>
+            <a:r>
+              <a:rPr kumimoji="1" lang="ja-JP" altLang="en-US" sz="2800" dirty="0">
+                <a:latin typeface="Segoe UI" panose="020B0502040204020203" pitchFamily="34" charset="0"/>
+                <a:ea typeface="メイリオ" panose="020B0604030504040204" pitchFamily="50" charset="-128"/>
+              </a:rPr>
+              <a:t>アラブ</a:t>
+            </a:r>
+          </a:p>
+        </p:txBody>
+      </p:sp>
+      <p:sp>
+        <p:nvSpPr>
+          <p:cNvPr id="21" name="テキスト ボックス 20">
+            <a:extLst>
+              <a:ext uri="{FF2B5EF4-FFF2-40B4-BE49-F238E27FC236}">
+                <a16:creationId xmlns:a16="http://schemas.microsoft.com/office/drawing/2014/main" id="{A4127A42-BB7E-4196-87B9-9CE1FD94E3D8}"/>
+              </a:ext>
+            </a:extLst>
+          </p:cNvPr>
+          <p:cNvSpPr txBox="1"/>
+          <p:nvPr/>
+        </p:nvSpPr>
+        <p:spPr>
+          <a:xfrm>
+            <a:off x="4793684" y="5410553"/>
+            <a:ext cx="1620957" cy="954107"/>
+          </a:xfrm>
+          <a:prstGeom prst="rect">
+            <a:avLst/>
+          </a:prstGeom>
+          <a:noFill/>
+        </p:spPr>
+        <p:txBody>
+          <a:bodyPr wrap="none" rtlCol="0">
+            <a:spAutoFit/>
+          </a:bodyPr>
+          <a:lstStyle/>
+          <a:p>
+            <a:r>
+              <a:rPr kumimoji="1" lang="ja-JP" altLang="en-US" sz="2800" dirty="0">
+                <a:latin typeface="Segoe UI" panose="020B0502040204020203" pitchFamily="34" charset="0"/>
+                <a:ea typeface="メイリオ" panose="020B0604030504040204" pitchFamily="50" charset="-128"/>
+              </a:rPr>
+              <a:t>西欧諸国</a:t>
+            </a:r>
+            <a:endParaRPr kumimoji="1" lang="en-US" altLang="ja-JP" sz="2800" dirty="0">
+              <a:latin typeface="Segoe UI" panose="020B0502040204020203" pitchFamily="34" charset="0"/>
+              <a:ea typeface="メイリオ" panose="020B0604030504040204" pitchFamily="50" charset="-128"/>
+            </a:endParaRPr>
+          </a:p>
+          <a:p>
+            <a:r>
+              <a:rPr kumimoji="1" lang="ja-JP" altLang="en-US" sz="2800" dirty="0">
+                <a:latin typeface="Segoe UI" panose="020B0502040204020203" pitchFamily="34" charset="0"/>
+                <a:ea typeface="メイリオ" panose="020B0604030504040204" pitchFamily="50" charset="-128"/>
+              </a:rPr>
+              <a:t>日本</a:t>
+            </a:r>
+          </a:p>
+        </p:txBody>
+      </p:sp>
+    </p:spTree>
+    <p:extLst>
+      <p:ext uri="{BB962C8B-B14F-4D97-AF65-F5344CB8AC3E}">
+        <p14:creationId xmlns:p14="http://schemas.microsoft.com/office/powerpoint/2010/main" val="455293035"/>
+      </p:ext>
+    </p:extLst>
+  </p:cSld>
+  <p:clrMapOvr>
+    <a:masterClrMapping/>
+  </p:clrMapOvr>
+</p:sld>
+</file>
+
 <file path=ppt/theme/theme1.xml><?xml version="1.0" encoding="utf-8"?>
 <a:theme xmlns:a="http://schemas.openxmlformats.org/drawingml/2006/main" name="Office テーマ">
   <a:themeElements>

--- a/図.pptx
+++ b/図.pptx
@@ -268,7 +268,7 @@
           <a:p>
             <a:fld id="{3E281EED-C273-4E27-8E7F-F34CE4EBA651}" type="datetimeFigureOut">
               <a:rPr kumimoji="1" lang="ja-JP" altLang="en-US" smtClean="0"/>
-              <a:t>2021/10/4</a:t>
+              <a:t>2021/10/6</a:t>
             </a:fld>
             <a:endParaRPr kumimoji="1" lang="ja-JP" altLang="en-US"/>
           </a:p>
@@ -470,7 +470,7 @@
           <a:p>
             <a:fld id="{3E281EED-C273-4E27-8E7F-F34CE4EBA651}" type="datetimeFigureOut">
               <a:rPr kumimoji="1" lang="ja-JP" altLang="en-US" smtClean="0"/>
-              <a:t>2021/10/4</a:t>
+              <a:t>2021/10/6</a:t>
             </a:fld>
             <a:endParaRPr kumimoji="1" lang="ja-JP" altLang="en-US"/>
           </a:p>
@@ -682,7 +682,7 @@
           <a:p>
             <a:fld id="{3E281EED-C273-4E27-8E7F-F34CE4EBA651}" type="datetimeFigureOut">
               <a:rPr kumimoji="1" lang="ja-JP" altLang="en-US" smtClean="0"/>
-              <a:t>2021/10/4</a:t>
+              <a:t>2021/10/6</a:t>
             </a:fld>
             <a:endParaRPr kumimoji="1" lang="ja-JP" altLang="en-US"/>
           </a:p>
@@ -884,7 +884,7 @@
           <a:p>
             <a:fld id="{3E281EED-C273-4E27-8E7F-F34CE4EBA651}" type="datetimeFigureOut">
               <a:rPr kumimoji="1" lang="ja-JP" altLang="en-US" smtClean="0"/>
-              <a:t>2021/10/4</a:t>
+              <a:t>2021/10/6</a:t>
             </a:fld>
             <a:endParaRPr kumimoji="1" lang="ja-JP" altLang="en-US"/>
           </a:p>
@@ -1128,7 +1128,7 @@
           <a:p>
             <a:fld id="{3E281EED-C273-4E27-8E7F-F34CE4EBA651}" type="datetimeFigureOut">
               <a:rPr kumimoji="1" lang="ja-JP" altLang="en-US" smtClean="0"/>
-              <a:t>2021/10/4</a:t>
+              <a:t>2021/10/6</a:t>
             </a:fld>
             <a:endParaRPr kumimoji="1" lang="ja-JP" altLang="en-US"/>
           </a:p>
@@ -1424,7 +1424,7 @@
           <a:p>
             <a:fld id="{3E281EED-C273-4E27-8E7F-F34CE4EBA651}" type="datetimeFigureOut">
               <a:rPr kumimoji="1" lang="ja-JP" altLang="en-US" smtClean="0"/>
-              <a:t>2021/10/4</a:t>
+              <a:t>2021/10/6</a:t>
             </a:fld>
             <a:endParaRPr kumimoji="1" lang="ja-JP" altLang="en-US"/>
           </a:p>
@@ -1855,7 +1855,7 @@
           <a:p>
             <a:fld id="{3E281EED-C273-4E27-8E7F-F34CE4EBA651}" type="datetimeFigureOut">
               <a:rPr kumimoji="1" lang="ja-JP" altLang="en-US" smtClean="0"/>
-              <a:t>2021/10/4</a:t>
+              <a:t>2021/10/6</a:t>
             </a:fld>
             <a:endParaRPr kumimoji="1" lang="ja-JP" altLang="en-US"/>
           </a:p>
@@ -1973,7 +1973,7 @@
           <a:p>
             <a:fld id="{3E281EED-C273-4E27-8E7F-F34CE4EBA651}" type="datetimeFigureOut">
               <a:rPr kumimoji="1" lang="ja-JP" altLang="en-US" smtClean="0"/>
-              <a:t>2021/10/4</a:t>
+              <a:t>2021/10/6</a:t>
             </a:fld>
             <a:endParaRPr kumimoji="1" lang="ja-JP" altLang="en-US"/>
           </a:p>
@@ -2068,7 +2068,7 @@
           <a:p>
             <a:fld id="{3E281EED-C273-4E27-8E7F-F34CE4EBA651}" type="datetimeFigureOut">
               <a:rPr kumimoji="1" lang="ja-JP" altLang="en-US" smtClean="0"/>
-              <a:t>2021/10/4</a:t>
+              <a:t>2021/10/6</a:t>
             </a:fld>
             <a:endParaRPr kumimoji="1" lang="ja-JP" altLang="en-US"/>
           </a:p>
@@ -2377,7 +2377,7 @@
           <a:p>
             <a:fld id="{3E281EED-C273-4E27-8E7F-F34CE4EBA651}" type="datetimeFigureOut">
               <a:rPr kumimoji="1" lang="ja-JP" altLang="en-US" smtClean="0"/>
-              <a:t>2021/10/4</a:t>
+              <a:t>2021/10/6</a:t>
             </a:fld>
             <a:endParaRPr kumimoji="1" lang="ja-JP" altLang="en-US"/>
           </a:p>
@@ -2634,7 +2634,7 @@
           <a:p>
             <a:fld id="{3E281EED-C273-4E27-8E7F-F34CE4EBA651}" type="datetimeFigureOut">
               <a:rPr kumimoji="1" lang="ja-JP" altLang="en-US" smtClean="0"/>
-              <a:t>2021/10/4</a:t>
+              <a:t>2021/10/6</a:t>
             </a:fld>
             <a:endParaRPr kumimoji="1" lang="ja-JP" altLang="en-US"/>
           </a:p>
@@ -2879,7 +2879,7 @@
           <a:p>
             <a:fld id="{3E281EED-C273-4E27-8E7F-F34CE4EBA651}" type="datetimeFigureOut">
               <a:rPr kumimoji="1" lang="ja-JP" altLang="en-US" smtClean="0"/>
-              <a:t>2021/10/4</a:t>
+              <a:t>2021/10/6</a:t>
             </a:fld>
             <a:endParaRPr kumimoji="1" lang="ja-JP" altLang="en-US"/>
           </a:p>
@@ -4802,7 +4802,7 @@
         <p:spPr>
           <a:xfrm>
             <a:off x="4774078" y="2672822"/>
-            <a:ext cx="1620957" cy="523220"/>
+            <a:ext cx="1620957" cy="1384995"/>
           </a:xfrm>
           <a:prstGeom prst="rect">
             <a:avLst/>
@@ -4821,6 +4821,32 @@
                 <a:ea typeface="メイリオ" panose="020B0604030504040204" pitchFamily="50" charset="-128"/>
               </a:rPr>
               <a:t>北欧諸国</a:t>
+            </a:r>
+            <a:endParaRPr kumimoji="1" lang="en-US" altLang="ja-JP" sz="2800" dirty="0">
+              <a:latin typeface="Segoe UI" panose="020B0502040204020203" pitchFamily="34" charset="0"/>
+              <a:ea typeface="メイリオ" panose="020B0604030504040204" pitchFamily="50" charset="-128"/>
+            </a:endParaRPr>
+          </a:p>
+          <a:p>
+            <a:r>
+              <a:rPr kumimoji="1" lang="ja-JP" altLang="en-US" sz="2800" dirty="0">
+                <a:latin typeface="Segoe UI" panose="020B0502040204020203" pitchFamily="34" charset="0"/>
+                <a:ea typeface="メイリオ" panose="020B0604030504040204" pitchFamily="50" charset="-128"/>
+              </a:rPr>
+              <a:t>フランス</a:t>
+            </a:r>
+            <a:endParaRPr kumimoji="1" lang="en-US" altLang="ja-JP" sz="2800" dirty="0">
+              <a:latin typeface="Segoe UI" panose="020B0502040204020203" pitchFamily="34" charset="0"/>
+              <a:ea typeface="メイリオ" panose="020B0604030504040204" pitchFamily="50" charset="-128"/>
+            </a:endParaRPr>
+          </a:p>
+          <a:p>
+            <a:r>
+              <a:rPr kumimoji="1" lang="ja-JP" altLang="en-US" sz="2800" dirty="0">
+                <a:latin typeface="Segoe UI" panose="020B0502040204020203" pitchFamily="34" charset="0"/>
+                <a:ea typeface="メイリオ" panose="020B0604030504040204" pitchFamily="50" charset="-128"/>
+              </a:rPr>
+              <a:t>ドイツ</a:t>
             </a:r>
           </a:p>
         </p:txBody>

--- a/図.pptx
+++ b/図.pptx
@@ -8,6 +8,7 @@
     <p:sldId id="256" r:id="rId2"/>
     <p:sldId id="257" r:id="rId3"/>
     <p:sldId id="258" r:id="rId4"/>
+    <p:sldId id="259" r:id="rId5"/>
   </p:sldIdLst>
   <p:sldSz cx="9144000" cy="6858000" type="screen4x3"/>
   <p:notesSz cx="6858000" cy="9144000"/>
@@ -268,7 +269,7 @@
           <a:p>
             <a:fld id="{3E281EED-C273-4E27-8E7F-F34CE4EBA651}" type="datetimeFigureOut">
               <a:rPr kumimoji="1" lang="ja-JP" altLang="en-US" smtClean="0"/>
-              <a:t>2021/10/6</a:t>
+              <a:t>2021/10/13</a:t>
             </a:fld>
             <a:endParaRPr kumimoji="1" lang="ja-JP" altLang="en-US"/>
           </a:p>
@@ -470,7 +471,7 @@
           <a:p>
             <a:fld id="{3E281EED-C273-4E27-8E7F-F34CE4EBA651}" type="datetimeFigureOut">
               <a:rPr kumimoji="1" lang="ja-JP" altLang="en-US" smtClean="0"/>
-              <a:t>2021/10/6</a:t>
+              <a:t>2021/10/13</a:t>
             </a:fld>
             <a:endParaRPr kumimoji="1" lang="ja-JP" altLang="en-US"/>
           </a:p>
@@ -682,7 +683,7 @@
           <a:p>
             <a:fld id="{3E281EED-C273-4E27-8E7F-F34CE4EBA651}" type="datetimeFigureOut">
               <a:rPr kumimoji="1" lang="ja-JP" altLang="en-US" smtClean="0"/>
-              <a:t>2021/10/6</a:t>
+              <a:t>2021/10/13</a:t>
             </a:fld>
             <a:endParaRPr kumimoji="1" lang="ja-JP" altLang="en-US"/>
           </a:p>
@@ -884,7 +885,7 @@
           <a:p>
             <a:fld id="{3E281EED-C273-4E27-8E7F-F34CE4EBA651}" type="datetimeFigureOut">
               <a:rPr kumimoji="1" lang="ja-JP" altLang="en-US" smtClean="0"/>
-              <a:t>2021/10/6</a:t>
+              <a:t>2021/10/13</a:t>
             </a:fld>
             <a:endParaRPr kumimoji="1" lang="ja-JP" altLang="en-US"/>
           </a:p>
@@ -1128,7 +1129,7 @@
           <a:p>
             <a:fld id="{3E281EED-C273-4E27-8E7F-F34CE4EBA651}" type="datetimeFigureOut">
               <a:rPr kumimoji="1" lang="ja-JP" altLang="en-US" smtClean="0"/>
-              <a:t>2021/10/6</a:t>
+              <a:t>2021/10/13</a:t>
             </a:fld>
             <a:endParaRPr kumimoji="1" lang="ja-JP" altLang="en-US"/>
           </a:p>
@@ -1424,7 +1425,7 @@
           <a:p>
             <a:fld id="{3E281EED-C273-4E27-8E7F-F34CE4EBA651}" type="datetimeFigureOut">
               <a:rPr kumimoji="1" lang="ja-JP" altLang="en-US" smtClean="0"/>
-              <a:t>2021/10/6</a:t>
+              <a:t>2021/10/13</a:t>
             </a:fld>
             <a:endParaRPr kumimoji="1" lang="ja-JP" altLang="en-US"/>
           </a:p>
@@ -1855,7 +1856,7 @@
           <a:p>
             <a:fld id="{3E281EED-C273-4E27-8E7F-F34CE4EBA651}" type="datetimeFigureOut">
               <a:rPr kumimoji="1" lang="ja-JP" altLang="en-US" smtClean="0"/>
-              <a:t>2021/10/6</a:t>
+              <a:t>2021/10/13</a:t>
             </a:fld>
             <a:endParaRPr kumimoji="1" lang="ja-JP" altLang="en-US"/>
           </a:p>
@@ -1973,7 +1974,7 @@
           <a:p>
             <a:fld id="{3E281EED-C273-4E27-8E7F-F34CE4EBA651}" type="datetimeFigureOut">
               <a:rPr kumimoji="1" lang="ja-JP" altLang="en-US" smtClean="0"/>
-              <a:t>2021/10/6</a:t>
+              <a:t>2021/10/13</a:t>
             </a:fld>
             <a:endParaRPr kumimoji="1" lang="ja-JP" altLang="en-US"/>
           </a:p>
@@ -2068,7 +2069,7 @@
           <a:p>
             <a:fld id="{3E281EED-C273-4E27-8E7F-F34CE4EBA651}" type="datetimeFigureOut">
               <a:rPr kumimoji="1" lang="ja-JP" altLang="en-US" smtClean="0"/>
-              <a:t>2021/10/6</a:t>
+              <a:t>2021/10/13</a:t>
             </a:fld>
             <a:endParaRPr kumimoji="1" lang="ja-JP" altLang="en-US"/>
           </a:p>
@@ -2377,7 +2378,7 @@
           <a:p>
             <a:fld id="{3E281EED-C273-4E27-8E7F-F34CE4EBA651}" type="datetimeFigureOut">
               <a:rPr kumimoji="1" lang="ja-JP" altLang="en-US" smtClean="0"/>
-              <a:t>2021/10/6</a:t>
+              <a:t>2021/10/13</a:t>
             </a:fld>
             <a:endParaRPr kumimoji="1" lang="ja-JP" altLang="en-US"/>
           </a:p>
@@ -2634,7 +2635,7 @@
           <a:p>
             <a:fld id="{3E281EED-C273-4E27-8E7F-F34CE4EBA651}" type="datetimeFigureOut">
               <a:rPr kumimoji="1" lang="ja-JP" altLang="en-US" smtClean="0"/>
-              <a:t>2021/10/6</a:t>
+              <a:t>2021/10/13</a:t>
             </a:fld>
             <a:endParaRPr kumimoji="1" lang="ja-JP" altLang="en-US"/>
           </a:p>
@@ -2879,7 +2880,7 @@
           <a:p>
             <a:fld id="{3E281EED-C273-4E27-8E7F-F34CE4EBA651}" type="datetimeFigureOut">
               <a:rPr kumimoji="1" lang="ja-JP" altLang="en-US" smtClean="0"/>
-              <a:t>2021/10/6</a:t>
+              <a:t>2021/10/13</a:t>
             </a:fld>
             <a:endParaRPr kumimoji="1" lang="ja-JP" altLang="en-US"/>
           </a:p>
@@ -5589,6 +5590,641 @@
 </p:sld>
 </file>
 
+<file path=ppt/slides/slide4.xml><?xml version="1.0" encoding="utf-8"?>
+<p:sld xmlns:a="http://schemas.openxmlformats.org/drawingml/2006/main" xmlns:r="http://schemas.openxmlformats.org/officeDocument/2006/relationships" xmlns:p="http://schemas.openxmlformats.org/presentationml/2006/main">
+  <p:cSld>
+    <p:spTree>
+      <p:nvGrpSpPr>
+        <p:cNvPr id="1" name=""/>
+        <p:cNvGrpSpPr/>
+        <p:nvPr/>
+      </p:nvGrpSpPr>
+      <p:grpSpPr>
+        <a:xfrm>
+          <a:off x="0" y="0"/>
+          <a:ext cx="0" cy="0"/>
+          <a:chOff x="0" y="0"/>
+          <a:chExt cx="0" cy="0"/>
+        </a:xfrm>
+      </p:grpSpPr>
+      <p:sp>
+        <p:nvSpPr>
+          <p:cNvPr id="5" name="正方形/長方形 4">
+            <a:extLst>
+              <a:ext uri="{FF2B5EF4-FFF2-40B4-BE49-F238E27FC236}">
+                <a16:creationId xmlns:a16="http://schemas.microsoft.com/office/drawing/2014/main" id="{1FD44F63-362D-466F-92F8-19DDC325A6D2}"/>
+              </a:ext>
+            </a:extLst>
+          </p:cNvPr>
+          <p:cNvSpPr/>
+          <p:nvPr/>
+        </p:nvSpPr>
+        <p:spPr>
+          <a:xfrm>
+            <a:off x="2392218" y="1256145"/>
+            <a:ext cx="5772727" cy="3629891"/>
+          </a:xfrm>
+          <a:prstGeom prst="rect">
+            <a:avLst/>
+          </a:prstGeom>
+          <a:ln w="38100">
+            <a:solidFill>
+              <a:schemeClr val="tx1"/>
+            </a:solidFill>
+          </a:ln>
+        </p:spPr>
+        <p:style>
+          <a:lnRef idx="2">
+            <a:schemeClr val="dk1"/>
+          </a:lnRef>
+          <a:fillRef idx="1">
+            <a:schemeClr val="lt1"/>
+          </a:fillRef>
+          <a:effectRef idx="0">
+            <a:schemeClr val="dk1"/>
+          </a:effectRef>
+          <a:fontRef idx="minor">
+            <a:schemeClr val="dk1"/>
+          </a:fontRef>
+        </p:style>
+        <p:txBody>
+          <a:bodyPr rtlCol="0" anchor="ctr"/>
+          <a:lstStyle/>
+          <a:p>
+            <a:pPr algn="ctr"/>
+            <a:endParaRPr kumimoji="1" lang="ja-JP" altLang="en-US"/>
+          </a:p>
+        </p:txBody>
+      </p:sp>
+      <p:sp>
+        <p:nvSpPr>
+          <p:cNvPr id="22" name="テキスト ボックス 21">
+            <a:extLst>
+              <a:ext uri="{FF2B5EF4-FFF2-40B4-BE49-F238E27FC236}">
+                <a16:creationId xmlns:a16="http://schemas.microsoft.com/office/drawing/2014/main" id="{124E6473-7609-4A6B-86DA-83E2C84E6158}"/>
+              </a:ext>
+            </a:extLst>
+          </p:cNvPr>
+          <p:cNvSpPr txBox="1"/>
+          <p:nvPr/>
+        </p:nvSpPr>
+        <p:spPr>
+          <a:xfrm>
+            <a:off x="1454682" y="469370"/>
+            <a:ext cx="1401346" cy="523220"/>
+          </a:xfrm>
+          <a:prstGeom prst="rect">
+            <a:avLst/>
+          </a:prstGeom>
+          <a:noFill/>
+        </p:spPr>
+        <p:txBody>
+          <a:bodyPr wrap="none" rtlCol="0">
+            <a:spAutoFit/>
+          </a:bodyPr>
+          <a:lstStyle/>
+          <a:p>
+            <a:r>
+              <a:rPr kumimoji="1" lang="ja-JP" altLang="en-US" sz="2800" dirty="0">
+                <a:latin typeface="Segoe UI" panose="020B0502040204020203" pitchFamily="34" charset="0"/>
+                <a:ea typeface="メイリオ" panose="020B0604030504040204" pitchFamily="50" charset="-128"/>
+              </a:rPr>
+              <a:t>時間</a:t>
+            </a:r>
+            <a:r>
+              <a:rPr kumimoji="1" lang="en-US" altLang="ja-JP" sz="2800" dirty="0">
+                <a:latin typeface="Segoe UI" panose="020B0502040204020203" pitchFamily="34" charset="0"/>
+                <a:ea typeface="メイリオ" panose="020B0604030504040204" pitchFamily="50" charset="-128"/>
+              </a:rPr>
+              <a:t>/</a:t>
+            </a:r>
+            <a:r>
+              <a:rPr kumimoji="1" lang="ja-JP" altLang="en-US" sz="2800" dirty="0">
+                <a:latin typeface="Segoe UI" panose="020B0502040204020203" pitchFamily="34" charset="0"/>
+                <a:ea typeface="メイリオ" panose="020B0604030504040204" pitchFamily="50" charset="-128"/>
+              </a:rPr>
+              <a:t>日</a:t>
+            </a:r>
+          </a:p>
+        </p:txBody>
+      </p:sp>
+      <p:sp>
+        <p:nvSpPr>
+          <p:cNvPr id="23" name="テキスト ボックス 22">
+            <a:extLst>
+              <a:ext uri="{FF2B5EF4-FFF2-40B4-BE49-F238E27FC236}">
+                <a16:creationId xmlns:a16="http://schemas.microsoft.com/office/drawing/2014/main" id="{A7CFDCCC-F8E5-49A7-84F5-912F672929E2}"/>
+              </a:ext>
+            </a:extLst>
+          </p:cNvPr>
+          <p:cNvSpPr txBox="1"/>
+          <p:nvPr/>
+        </p:nvSpPr>
+        <p:spPr>
+          <a:xfrm>
+            <a:off x="8521148" y="4890063"/>
+            <a:ext cx="543739" cy="523220"/>
+          </a:xfrm>
+          <a:prstGeom prst="rect">
+            <a:avLst/>
+          </a:prstGeom>
+          <a:noFill/>
+        </p:spPr>
+        <p:txBody>
+          <a:bodyPr wrap="none" rtlCol="0">
+            <a:spAutoFit/>
+          </a:bodyPr>
+          <a:lstStyle/>
+          <a:p>
+            <a:r>
+              <a:rPr kumimoji="1" lang="ja-JP" altLang="en-US" sz="2800" dirty="0">
+                <a:latin typeface="Segoe UI" panose="020B0502040204020203" pitchFamily="34" charset="0"/>
+                <a:ea typeface="メイリオ" panose="020B0604030504040204" pitchFamily="50" charset="-128"/>
+              </a:rPr>
+              <a:t>人</a:t>
+            </a:r>
+          </a:p>
+        </p:txBody>
+      </p:sp>
+      <p:sp>
+        <p:nvSpPr>
+          <p:cNvPr id="6" name="正方形/長方形 5">
+            <a:extLst>
+              <a:ext uri="{FF2B5EF4-FFF2-40B4-BE49-F238E27FC236}">
+                <a16:creationId xmlns:a16="http://schemas.microsoft.com/office/drawing/2014/main" id="{AE64CCB8-6A96-42EF-976B-B9A5ECEA68F8}"/>
+              </a:ext>
+            </a:extLst>
+          </p:cNvPr>
+          <p:cNvSpPr/>
+          <p:nvPr/>
+        </p:nvSpPr>
+        <p:spPr>
+          <a:xfrm>
+            <a:off x="6724073" y="1254848"/>
+            <a:ext cx="1440872" cy="3629891"/>
+          </a:xfrm>
+          <a:prstGeom prst="rect">
+            <a:avLst/>
+          </a:prstGeom>
+          <a:solidFill>
+            <a:schemeClr val="accent5">
+              <a:alpha val="60000"/>
+            </a:schemeClr>
+          </a:solidFill>
+        </p:spPr>
+        <p:style>
+          <a:lnRef idx="2">
+            <a:schemeClr val="accent5">
+              <a:shade val="50000"/>
+            </a:schemeClr>
+          </a:lnRef>
+          <a:fillRef idx="1">
+            <a:schemeClr val="accent5"/>
+          </a:fillRef>
+          <a:effectRef idx="0">
+            <a:schemeClr val="accent5"/>
+          </a:effectRef>
+          <a:fontRef idx="minor">
+            <a:schemeClr val="lt1"/>
+          </a:fontRef>
+        </p:style>
+        <p:txBody>
+          <a:bodyPr rtlCol="0" anchor="ctr"/>
+          <a:lstStyle/>
+          <a:p>
+            <a:pPr algn="ctr"/>
+            <a:r>
+              <a:rPr kumimoji="1" lang="ja-JP" altLang="en-US" sz="2800" dirty="0">
+                <a:solidFill>
+                  <a:schemeClr val="bg1"/>
+                </a:solidFill>
+                <a:latin typeface="メイリオ" panose="020B0604030504040204" pitchFamily="50" charset="-128"/>
+                <a:ea typeface="メイリオ" panose="020B0604030504040204" pitchFamily="50" charset="-128"/>
+              </a:rPr>
+              <a:t>解雇</a:t>
+            </a:r>
+          </a:p>
+        </p:txBody>
+      </p:sp>
+      <p:sp>
+        <p:nvSpPr>
+          <p:cNvPr id="24" name="正方形/長方形 23">
+            <a:extLst>
+              <a:ext uri="{FF2B5EF4-FFF2-40B4-BE49-F238E27FC236}">
+                <a16:creationId xmlns:a16="http://schemas.microsoft.com/office/drawing/2014/main" id="{6B9127AC-4E60-404F-979C-6D9D565EE8F2}"/>
+              </a:ext>
+            </a:extLst>
+          </p:cNvPr>
+          <p:cNvSpPr/>
+          <p:nvPr/>
+        </p:nvSpPr>
+        <p:spPr>
+          <a:xfrm>
+            <a:off x="2396837" y="1254847"/>
+            <a:ext cx="5768107" cy="1017297"/>
+          </a:xfrm>
+          <a:prstGeom prst="rect">
+            <a:avLst/>
+          </a:prstGeom>
+          <a:solidFill>
+            <a:srgbClr val="FFC000">
+              <a:alpha val="60000"/>
+            </a:srgbClr>
+          </a:solidFill>
+        </p:spPr>
+        <p:style>
+          <a:lnRef idx="2">
+            <a:schemeClr val="accent5">
+              <a:shade val="50000"/>
+            </a:schemeClr>
+          </a:lnRef>
+          <a:fillRef idx="1">
+            <a:schemeClr val="accent5"/>
+          </a:fillRef>
+          <a:effectRef idx="0">
+            <a:schemeClr val="accent5"/>
+          </a:effectRef>
+          <a:fontRef idx="minor">
+            <a:schemeClr val="lt1"/>
+          </a:fontRef>
+        </p:style>
+        <p:txBody>
+          <a:bodyPr rtlCol="0" anchor="ctr"/>
+          <a:lstStyle/>
+          <a:p>
+            <a:pPr algn="ctr"/>
+            <a:r>
+              <a:rPr kumimoji="1" lang="ja-JP" altLang="en-US" sz="2800" dirty="0">
+                <a:solidFill>
+                  <a:schemeClr val="bg1"/>
+                </a:solidFill>
+                <a:latin typeface="メイリオ" panose="020B0604030504040204" pitchFamily="50" charset="-128"/>
+                <a:ea typeface="メイリオ" panose="020B0604030504040204" pitchFamily="50" charset="-128"/>
+              </a:rPr>
+              <a:t>時短</a:t>
+            </a:r>
+          </a:p>
+        </p:txBody>
+      </p:sp>
+      <p:sp>
+        <p:nvSpPr>
+          <p:cNvPr id="25" name="テキスト ボックス 24">
+            <a:extLst>
+              <a:ext uri="{FF2B5EF4-FFF2-40B4-BE49-F238E27FC236}">
+                <a16:creationId xmlns:a16="http://schemas.microsoft.com/office/drawing/2014/main" id="{52966744-5BFA-4EB6-BD2F-E7E884971017}"/>
+              </a:ext>
+            </a:extLst>
+          </p:cNvPr>
+          <p:cNvSpPr txBox="1"/>
+          <p:nvPr/>
+        </p:nvSpPr>
+        <p:spPr>
+          <a:xfrm>
+            <a:off x="1940271" y="4884739"/>
+            <a:ext cx="378630" cy="523220"/>
+          </a:xfrm>
+          <a:prstGeom prst="rect">
+            <a:avLst/>
+          </a:prstGeom>
+          <a:noFill/>
+        </p:spPr>
+        <p:txBody>
+          <a:bodyPr wrap="none" rtlCol="0">
+            <a:spAutoFit/>
+          </a:bodyPr>
+          <a:lstStyle/>
+          <a:p>
+            <a:r>
+              <a:rPr kumimoji="1" lang="en-US" altLang="ja-JP" sz="2800" dirty="0">
+                <a:latin typeface="Segoe UI" panose="020B0502040204020203" pitchFamily="34" charset="0"/>
+                <a:ea typeface="メイリオ" panose="020B0604030504040204" pitchFamily="50" charset="-128"/>
+              </a:rPr>
+              <a:t>0</a:t>
+            </a:r>
+            <a:endParaRPr kumimoji="1" lang="ja-JP" altLang="en-US" sz="2800" dirty="0">
+              <a:latin typeface="Segoe UI" panose="020B0502040204020203" pitchFamily="34" charset="0"/>
+              <a:ea typeface="メイリオ" panose="020B0604030504040204" pitchFamily="50" charset="-128"/>
+            </a:endParaRPr>
+          </a:p>
+        </p:txBody>
+      </p:sp>
+      <p:sp>
+        <p:nvSpPr>
+          <p:cNvPr id="26" name="テキスト ボックス 25">
+            <a:extLst>
+              <a:ext uri="{FF2B5EF4-FFF2-40B4-BE49-F238E27FC236}">
+                <a16:creationId xmlns:a16="http://schemas.microsoft.com/office/drawing/2014/main" id="{B633D4E2-ACC1-465D-ACFC-416C5BBF0812}"/>
+              </a:ext>
+            </a:extLst>
+          </p:cNvPr>
+          <p:cNvSpPr txBox="1"/>
+          <p:nvPr/>
+        </p:nvSpPr>
+        <p:spPr>
+          <a:xfrm>
+            <a:off x="1704420" y="1967346"/>
+            <a:ext cx="651140" cy="523220"/>
+          </a:xfrm>
+          <a:prstGeom prst="rect">
+            <a:avLst/>
+          </a:prstGeom>
+          <a:noFill/>
+        </p:spPr>
+        <p:txBody>
+          <a:bodyPr wrap="none" rtlCol="0">
+            <a:spAutoFit/>
+          </a:bodyPr>
+          <a:lstStyle/>
+          <a:p>
+            <a:r>
+              <a:rPr kumimoji="1" lang="en-US" altLang="ja-JP" sz="2800" dirty="0">
+                <a:latin typeface="Segoe UI" panose="020B0502040204020203" pitchFamily="34" charset="0"/>
+                <a:ea typeface="メイリオ" panose="020B0604030504040204" pitchFamily="50" charset="-128"/>
+              </a:rPr>
+              <a:t>6.4</a:t>
+            </a:r>
+            <a:endParaRPr kumimoji="1" lang="ja-JP" altLang="en-US" sz="2800" dirty="0">
+              <a:latin typeface="Segoe UI" panose="020B0502040204020203" pitchFamily="34" charset="0"/>
+              <a:ea typeface="メイリオ" panose="020B0604030504040204" pitchFamily="50" charset="-128"/>
+            </a:endParaRPr>
+          </a:p>
+        </p:txBody>
+      </p:sp>
+      <p:sp>
+        <p:nvSpPr>
+          <p:cNvPr id="27" name="テキスト ボックス 26">
+            <a:extLst>
+              <a:ext uri="{FF2B5EF4-FFF2-40B4-BE49-F238E27FC236}">
+                <a16:creationId xmlns:a16="http://schemas.microsoft.com/office/drawing/2014/main" id="{A7F39BBD-C5E7-4C2F-93DC-E7E9A8867ACC}"/>
+              </a:ext>
+            </a:extLst>
+          </p:cNvPr>
+          <p:cNvSpPr txBox="1"/>
+          <p:nvPr/>
+        </p:nvSpPr>
+        <p:spPr>
+          <a:xfrm>
+            <a:off x="1853749" y="956748"/>
+            <a:ext cx="378630" cy="523220"/>
+          </a:xfrm>
+          <a:prstGeom prst="rect">
+            <a:avLst/>
+          </a:prstGeom>
+          <a:noFill/>
+        </p:spPr>
+        <p:txBody>
+          <a:bodyPr wrap="none" rtlCol="0">
+            <a:spAutoFit/>
+          </a:bodyPr>
+          <a:lstStyle/>
+          <a:p>
+            <a:r>
+              <a:rPr kumimoji="1" lang="en-US" altLang="ja-JP" sz="2800" dirty="0">
+                <a:latin typeface="Segoe UI" panose="020B0502040204020203" pitchFamily="34" charset="0"/>
+                <a:ea typeface="メイリオ" panose="020B0604030504040204" pitchFamily="50" charset="-128"/>
+              </a:rPr>
+              <a:t>8</a:t>
+            </a:r>
+            <a:endParaRPr kumimoji="1" lang="ja-JP" altLang="en-US" sz="2800" dirty="0">
+              <a:latin typeface="Segoe UI" panose="020B0502040204020203" pitchFamily="34" charset="0"/>
+              <a:ea typeface="メイリオ" panose="020B0604030504040204" pitchFamily="50" charset="-128"/>
+            </a:endParaRPr>
+          </a:p>
+        </p:txBody>
+      </p:sp>
+      <p:sp>
+        <p:nvSpPr>
+          <p:cNvPr id="28" name="テキスト ボックス 27">
+            <a:extLst>
+              <a:ext uri="{FF2B5EF4-FFF2-40B4-BE49-F238E27FC236}">
+                <a16:creationId xmlns:a16="http://schemas.microsoft.com/office/drawing/2014/main" id="{A3CC443D-0B04-4AA3-96A6-65AD70743DD9}"/>
+              </a:ext>
+            </a:extLst>
+          </p:cNvPr>
+          <p:cNvSpPr txBox="1"/>
+          <p:nvPr/>
+        </p:nvSpPr>
+        <p:spPr>
+          <a:xfrm>
+            <a:off x="7790903" y="4884739"/>
+            <a:ext cx="766557" cy="523220"/>
+          </a:xfrm>
+          <a:prstGeom prst="rect">
+            <a:avLst/>
+          </a:prstGeom>
+          <a:noFill/>
+        </p:spPr>
+        <p:txBody>
+          <a:bodyPr wrap="none" rtlCol="0">
+            <a:spAutoFit/>
+          </a:bodyPr>
+          <a:lstStyle/>
+          <a:p>
+            <a:r>
+              <a:rPr kumimoji="1" lang="en-US" altLang="ja-JP" sz="2800" dirty="0">
+                <a:latin typeface="Segoe UI" panose="020B0502040204020203" pitchFamily="34" charset="0"/>
+                <a:ea typeface="メイリオ" panose="020B0604030504040204" pitchFamily="50" charset="-128"/>
+              </a:rPr>
+              <a:t>100</a:t>
+            </a:r>
+            <a:endParaRPr kumimoji="1" lang="ja-JP" altLang="en-US" sz="2800" dirty="0">
+              <a:latin typeface="Segoe UI" panose="020B0502040204020203" pitchFamily="34" charset="0"/>
+              <a:ea typeface="メイリオ" panose="020B0604030504040204" pitchFamily="50" charset="-128"/>
+            </a:endParaRPr>
+          </a:p>
+        </p:txBody>
+      </p:sp>
+      <p:sp>
+        <p:nvSpPr>
+          <p:cNvPr id="29" name="テキスト ボックス 28">
+            <a:extLst>
+              <a:ext uri="{FF2B5EF4-FFF2-40B4-BE49-F238E27FC236}">
+                <a16:creationId xmlns:a16="http://schemas.microsoft.com/office/drawing/2014/main" id="{8BEE30B6-B043-4D65-A42D-AFF5250DF2A7}"/>
+              </a:ext>
+            </a:extLst>
+          </p:cNvPr>
+          <p:cNvSpPr txBox="1"/>
+          <p:nvPr/>
+        </p:nvSpPr>
+        <p:spPr>
+          <a:xfrm>
+            <a:off x="6398599" y="4889425"/>
+            <a:ext cx="572593" cy="523220"/>
+          </a:xfrm>
+          <a:prstGeom prst="rect">
+            <a:avLst/>
+          </a:prstGeom>
+          <a:noFill/>
+        </p:spPr>
+        <p:txBody>
+          <a:bodyPr wrap="none" rtlCol="0">
+            <a:spAutoFit/>
+          </a:bodyPr>
+          <a:lstStyle/>
+          <a:p>
+            <a:r>
+              <a:rPr kumimoji="1" lang="en-US" altLang="ja-JP" sz="2800" dirty="0">
+                <a:latin typeface="Segoe UI" panose="020B0502040204020203" pitchFamily="34" charset="0"/>
+                <a:ea typeface="メイリオ" panose="020B0604030504040204" pitchFamily="50" charset="-128"/>
+              </a:rPr>
+              <a:t>80</a:t>
+            </a:r>
+            <a:endParaRPr kumimoji="1" lang="ja-JP" altLang="en-US" sz="2800" dirty="0">
+              <a:latin typeface="Segoe UI" panose="020B0502040204020203" pitchFamily="34" charset="0"/>
+              <a:ea typeface="メイリオ" panose="020B0604030504040204" pitchFamily="50" charset="-128"/>
+            </a:endParaRPr>
+          </a:p>
+        </p:txBody>
+      </p:sp>
+      <p:sp>
+        <p:nvSpPr>
+          <p:cNvPr id="30" name="テキスト ボックス 29">
+            <a:extLst>
+              <a:ext uri="{FF2B5EF4-FFF2-40B4-BE49-F238E27FC236}">
+                <a16:creationId xmlns:a16="http://schemas.microsoft.com/office/drawing/2014/main" id="{F1B826DE-0E56-4827-9C7F-C4757D9C7657}"/>
+              </a:ext>
+            </a:extLst>
+          </p:cNvPr>
+          <p:cNvSpPr txBox="1"/>
+          <p:nvPr/>
+        </p:nvSpPr>
+        <p:spPr>
+          <a:xfrm>
+            <a:off x="456272" y="469370"/>
+            <a:ext cx="1042273" cy="523220"/>
+          </a:xfrm>
+          <a:prstGeom prst="rect">
+            <a:avLst/>
+          </a:prstGeom>
+          <a:noFill/>
+        </p:spPr>
+        <p:txBody>
+          <a:bodyPr wrap="none" rtlCol="0">
+            <a:spAutoFit/>
+          </a:bodyPr>
+          <a:lstStyle/>
+          <a:p>
+            <a:r>
+              <a:rPr kumimoji="1" lang="ja-JP" altLang="en-US" sz="2800" dirty="0">
+                <a:latin typeface="Segoe UI" panose="020B0502040204020203" pitchFamily="34" charset="0"/>
+                <a:ea typeface="メイリオ" panose="020B0604030504040204" pitchFamily="50" charset="-128"/>
+              </a:rPr>
+              <a:t>日</a:t>
+            </a:r>
+            <a:r>
+              <a:rPr kumimoji="1" lang="en-US" altLang="ja-JP" sz="2800" dirty="0">
+                <a:latin typeface="Segoe UI" panose="020B0502040204020203" pitchFamily="34" charset="0"/>
+                <a:ea typeface="メイリオ" panose="020B0604030504040204" pitchFamily="50" charset="-128"/>
+              </a:rPr>
+              <a:t>/</a:t>
+            </a:r>
+            <a:r>
+              <a:rPr kumimoji="1" lang="ja-JP" altLang="en-US" sz="2800" dirty="0">
+                <a:latin typeface="Segoe UI" panose="020B0502040204020203" pitchFamily="34" charset="0"/>
+                <a:ea typeface="メイリオ" panose="020B0604030504040204" pitchFamily="50" charset="-128"/>
+              </a:rPr>
+              <a:t>週</a:t>
+            </a:r>
+          </a:p>
+        </p:txBody>
+      </p:sp>
+      <p:sp>
+        <p:nvSpPr>
+          <p:cNvPr id="31" name="テキスト ボックス 30">
+            <a:extLst>
+              <a:ext uri="{FF2B5EF4-FFF2-40B4-BE49-F238E27FC236}">
+                <a16:creationId xmlns:a16="http://schemas.microsoft.com/office/drawing/2014/main" id="{A412BA22-E131-435F-B276-D88C29811BEC}"/>
+              </a:ext>
+            </a:extLst>
+          </p:cNvPr>
+          <p:cNvSpPr txBox="1"/>
+          <p:nvPr/>
+        </p:nvSpPr>
+        <p:spPr>
+          <a:xfrm>
+            <a:off x="766162" y="1967346"/>
+            <a:ext cx="378630" cy="523220"/>
+          </a:xfrm>
+          <a:prstGeom prst="rect">
+            <a:avLst/>
+          </a:prstGeom>
+          <a:noFill/>
+        </p:spPr>
+        <p:txBody>
+          <a:bodyPr wrap="none" rtlCol="0">
+            <a:spAutoFit/>
+          </a:bodyPr>
+          <a:lstStyle/>
+          <a:p>
+            <a:r>
+              <a:rPr kumimoji="1" lang="en-US" altLang="ja-JP" sz="2800" dirty="0">
+                <a:latin typeface="Segoe UI" panose="020B0502040204020203" pitchFamily="34" charset="0"/>
+                <a:ea typeface="メイリオ" panose="020B0604030504040204" pitchFamily="50" charset="-128"/>
+              </a:rPr>
+              <a:t>4</a:t>
+            </a:r>
+            <a:endParaRPr kumimoji="1" lang="ja-JP" altLang="en-US" sz="2800" dirty="0">
+              <a:latin typeface="Segoe UI" panose="020B0502040204020203" pitchFamily="34" charset="0"/>
+              <a:ea typeface="メイリオ" panose="020B0604030504040204" pitchFamily="50" charset="-128"/>
+            </a:endParaRPr>
+          </a:p>
+        </p:txBody>
+      </p:sp>
+      <p:sp>
+        <p:nvSpPr>
+          <p:cNvPr id="32" name="テキスト ボックス 31">
+            <a:extLst>
+              <a:ext uri="{FF2B5EF4-FFF2-40B4-BE49-F238E27FC236}">
+                <a16:creationId xmlns:a16="http://schemas.microsoft.com/office/drawing/2014/main" id="{0ABD22C9-3974-4625-A926-3D22583724D7}"/>
+              </a:ext>
+            </a:extLst>
+          </p:cNvPr>
+          <p:cNvSpPr txBox="1"/>
+          <p:nvPr/>
+        </p:nvSpPr>
+        <p:spPr>
+          <a:xfrm>
+            <a:off x="766162" y="956748"/>
+            <a:ext cx="378630" cy="523220"/>
+          </a:xfrm>
+          <a:prstGeom prst="rect">
+            <a:avLst/>
+          </a:prstGeom>
+          <a:noFill/>
+        </p:spPr>
+        <p:txBody>
+          <a:bodyPr wrap="none" rtlCol="0">
+            <a:spAutoFit/>
+          </a:bodyPr>
+          <a:lstStyle/>
+          <a:p>
+            <a:r>
+              <a:rPr kumimoji="1" lang="en-US" altLang="ja-JP" sz="2800" dirty="0">
+                <a:latin typeface="Segoe UI" panose="020B0502040204020203" pitchFamily="34" charset="0"/>
+                <a:ea typeface="メイリオ" panose="020B0604030504040204" pitchFamily="50" charset="-128"/>
+              </a:rPr>
+              <a:t>5</a:t>
+            </a:r>
+            <a:endParaRPr kumimoji="1" lang="ja-JP" altLang="en-US" sz="2800" dirty="0">
+              <a:latin typeface="Segoe UI" panose="020B0502040204020203" pitchFamily="34" charset="0"/>
+              <a:ea typeface="メイリオ" panose="020B0604030504040204" pitchFamily="50" charset="-128"/>
+            </a:endParaRPr>
+          </a:p>
+        </p:txBody>
+      </p:sp>
+    </p:spTree>
+    <p:extLst>
+      <p:ext uri="{BB962C8B-B14F-4D97-AF65-F5344CB8AC3E}">
+        <p14:creationId xmlns:p14="http://schemas.microsoft.com/office/powerpoint/2010/main" val="2162949690"/>
+      </p:ext>
+    </p:extLst>
+  </p:cSld>
+  <p:clrMapOvr>
+    <a:masterClrMapping/>
+  </p:clrMapOvr>
+</p:sld>
+</file>
+
 <file path=ppt/theme/theme1.xml><?xml version="1.0" encoding="utf-8"?>
 <a:theme xmlns:a="http://schemas.openxmlformats.org/drawingml/2006/main" name="Office テーマ">
   <a:themeElements>

--- a/図.pptx
+++ b/図.pptx
@@ -9,6 +9,7 @@
     <p:sldId id="257" r:id="rId3"/>
     <p:sldId id="258" r:id="rId4"/>
     <p:sldId id="259" r:id="rId5"/>
+    <p:sldId id="260" r:id="rId6"/>
   </p:sldIdLst>
   <p:sldSz cx="9144000" cy="6858000" type="screen4x3"/>
   <p:notesSz cx="6858000" cy="9144000"/>
@@ -269,7 +270,7 @@
           <a:p>
             <a:fld id="{3E281EED-C273-4E27-8E7F-F34CE4EBA651}" type="datetimeFigureOut">
               <a:rPr kumimoji="1" lang="ja-JP" altLang="en-US" smtClean="0"/>
-              <a:t>2021/10/13</a:t>
+              <a:t>2021/10/19</a:t>
             </a:fld>
             <a:endParaRPr kumimoji="1" lang="ja-JP" altLang="en-US"/>
           </a:p>
@@ -471,7 +472,7 @@
           <a:p>
             <a:fld id="{3E281EED-C273-4E27-8E7F-F34CE4EBA651}" type="datetimeFigureOut">
               <a:rPr kumimoji="1" lang="ja-JP" altLang="en-US" smtClean="0"/>
-              <a:t>2021/10/13</a:t>
+              <a:t>2021/10/19</a:t>
             </a:fld>
             <a:endParaRPr kumimoji="1" lang="ja-JP" altLang="en-US"/>
           </a:p>
@@ -683,7 +684,7 @@
           <a:p>
             <a:fld id="{3E281EED-C273-4E27-8E7F-F34CE4EBA651}" type="datetimeFigureOut">
               <a:rPr kumimoji="1" lang="ja-JP" altLang="en-US" smtClean="0"/>
-              <a:t>2021/10/13</a:t>
+              <a:t>2021/10/19</a:t>
             </a:fld>
             <a:endParaRPr kumimoji="1" lang="ja-JP" altLang="en-US"/>
           </a:p>
@@ -885,7 +886,7 @@
           <a:p>
             <a:fld id="{3E281EED-C273-4E27-8E7F-F34CE4EBA651}" type="datetimeFigureOut">
               <a:rPr kumimoji="1" lang="ja-JP" altLang="en-US" smtClean="0"/>
-              <a:t>2021/10/13</a:t>
+              <a:t>2021/10/19</a:t>
             </a:fld>
             <a:endParaRPr kumimoji="1" lang="ja-JP" altLang="en-US"/>
           </a:p>
@@ -1129,7 +1130,7 @@
           <a:p>
             <a:fld id="{3E281EED-C273-4E27-8E7F-F34CE4EBA651}" type="datetimeFigureOut">
               <a:rPr kumimoji="1" lang="ja-JP" altLang="en-US" smtClean="0"/>
-              <a:t>2021/10/13</a:t>
+              <a:t>2021/10/19</a:t>
             </a:fld>
             <a:endParaRPr kumimoji="1" lang="ja-JP" altLang="en-US"/>
           </a:p>
@@ -1425,7 +1426,7 @@
           <a:p>
             <a:fld id="{3E281EED-C273-4E27-8E7F-F34CE4EBA651}" type="datetimeFigureOut">
               <a:rPr kumimoji="1" lang="ja-JP" altLang="en-US" smtClean="0"/>
-              <a:t>2021/10/13</a:t>
+              <a:t>2021/10/19</a:t>
             </a:fld>
             <a:endParaRPr kumimoji="1" lang="ja-JP" altLang="en-US"/>
           </a:p>
@@ -1856,7 +1857,7 @@
           <a:p>
             <a:fld id="{3E281EED-C273-4E27-8E7F-F34CE4EBA651}" type="datetimeFigureOut">
               <a:rPr kumimoji="1" lang="ja-JP" altLang="en-US" smtClean="0"/>
-              <a:t>2021/10/13</a:t>
+              <a:t>2021/10/19</a:t>
             </a:fld>
             <a:endParaRPr kumimoji="1" lang="ja-JP" altLang="en-US"/>
           </a:p>
@@ -1974,7 +1975,7 @@
           <a:p>
             <a:fld id="{3E281EED-C273-4E27-8E7F-F34CE4EBA651}" type="datetimeFigureOut">
               <a:rPr kumimoji="1" lang="ja-JP" altLang="en-US" smtClean="0"/>
-              <a:t>2021/10/13</a:t>
+              <a:t>2021/10/19</a:t>
             </a:fld>
             <a:endParaRPr kumimoji="1" lang="ja-JP" altLang="en-US"/>
           </a:p>
@@ -2069,7 +2070,7 @@
           <a:p>
             <a:fld id="{3E281EED-C273-4E27-8E7F-F34CE4EBA651}" type="datetimeFigureOut">
               <a:rPr kumimoji="1" lang="ja-JP" altLang="en-US" smtClean="0"/>
-              <a:t>2021/10/13</a:t>
+              <a:t>2021/10/19</a:t>
             </a:fld>
             <a:endParaRPr kumimoji="1" lang="ja-JP" altLang="en-US"/>
           </a:p>
@@ -2378,7 +2379,7 @@
           <a:p>
             <a:fld id="{3E281EED-C273-4E27-8E7F-F34CE4EBA651}" type="datetimeFigureOut">
               <a:rPr kumimoji="1" lang="ja-JP" altLang="en-US" smtClean="0"/>
-              <a:t>2021/10/13</a:t>
+              <a:t>2021/10/19</a:t>
             </a:fld>
             <a:endParaRPr kumimoji="1" lang="ja-JP" altLang="en-US"/>
           </a:p>
@@ -2635,7 +2636,7 @@
           <a:p>
             <a:fld id="{3E281EED-C273-4E27-8E7F-F34CE4EBA651}" type="datetimeFigureOut">
               <a:rPr kumimoji="1" lang="ja-JP" altLang="en-US" smtClean="0"/>
-              <a:t>2021/10/13</a:t>
+              <a:t>2021/10/19</a:t>
             </a:fld>
             <a:endParaRPr kumimoji="1" lang="ja-JP" altLang="en-US"/>
           </a:p>
@@ -2880,7 +2881,7 @@
           <a:p>
             <a:fld id="{3E281EED-C273-4E27-8E7F-F34CE4EBA651}" type="datetimeFigureOut">
               <a:rPr kumimoji="1" lang="ja-JP" altLang="en-US" smtClean="0"/>
-              <a:t>2021/10/13</a:t>
+              <a:t>2021/10/19</a:t>
             </a:fld>
             <a:endParaRPr kumimoji="1" lang="ja-JP" altLang="en-US"/>
           </a:p>
@@ -6225,6 +6226,5209 @@
 </p:sld>
 </file>
 
+<file path=ppt/slides/slide5.xml><?xml version="1.0" encoding="utf-8"?>
+<p:sld xmlns:a="http://schemas.openxmlformats.org/drawingml/2006/main" xmlns:r="http://schemas.openxmlformats.org/officeDocument/2006/relationships" xmlns:p="http://schemas.openxmlformats.org/presentationml/2006/main">
+  <p:cSld>
+    <p:spTree>
+      <p:nvGrpSpPr>
+        <p:cNvPr id="1" name=""/>
+        <p:cNvGrpSpPr/>
+        <p:nvPr/>
+      </p:nvGrpSpPr>
+      <p:grpSpPr>
+        <a:xfrm>
+          <a:off x="0" y="0"/>
+          <a:ext cx="0" cy="0"/>
+          <a:chOff x="0" y="0"/>
+          <a:chExt cx="0" cy="0"/>
+        </a:xfrm>
+      </p:grpSpPr>
+      <p:graphicFrame>
+        <p:nvGraphicFramePr>
+          <p:cNvPr id="10" name="表 10">
+            <a:extLst>
+              <a:ext uri="{FF2B5EF4-FFF2-40B4-BE49-F238E27FC236}">
+                <a16:creationId xmlns:a16="http://schemas.microsoft.com/office/drawing/2014/main" id="{2C925F4D-1CD0-4DC4-9ED4-C0F5EBF5DA09}"/>
+              </a:ext>
+            </a:extLst>
+          </p:cNvPr>
+          <p:cNvGraphicFramePr>
+            <a:graphicFrameLocks noGrp="1"/>
+          </p:cNvGraphicFramePr>
+          <p:nvPr>
+            <p:extLst>
+              <p:ext uri="{D42A27DB-BD31-4B8C-83A1-F6EECF244321}">
+                <p14:modId xmlns:p14="http://schemas.microsoft.com/office/powerpoint/2010/main" val="3016708887"/>
+              </p:ext>
+            </p:extLst>
+          </p:nvPr>
+        </p:nvGraphicFramePr>
+        <p:xfrm>
+          <a:off x="286326" y="1397000"/>
+          <a:ext cx="8645237" cy="3762433"/>
+        </p:xfrm>
+        <a:graphic>
+          <a:graphicData uri="http://schemas.openxmlformats.org/drawingml/2006/table">
+            <a:tbl>
+              <a:tblPr firstRow="1" bandRow="1">
+                <a:tableStyleId>{5940675A-B579-460E-94D1-54222C63F5DA}</a:tableStyleId>
+              </a:tblPr>
+              <a:tblGrid>
+                <a:gridCol w="1571751">
+                  <a:extLst>
+                    <a:ext uri="{9D8B030D-6E8A-4147-A177-3AD203B41FA5}">
+                      <a16:colId xmlns:a16="http://schemas.microsoft.com/office/drawing/2014/main" val="1585780186"/>
+                    </a:ext>
+                  </a:extLst>
+                </a:gridCol>
+                <a:gridCol w="505249">
+                  <a:extLst>
+                    <a:ext uri="{9D8B030D-6E8A-4147-A177-3AD203B41FA5}">
+                      <a16:colId xmlns:a16="http://schemas.microsoft.com/office/drawing/2014/main" val="400502488"/>
+                    </a:ext>
+                  </a:extLst>
+                </a:gridCol>
+                <a:gridCol w="505249">
+                  <a:extLst>
+                    <a:ext uri="{9D8B030D-6E8A-4147-A177-3AD203B41FA5}">
+                      <a16:colId xmlns:a16="http://schemas.microsoft.com/office/drawing/2014/main" val="2421140653"/>
+                    </a:ext>
+                  </a:extLst>
+                </a:gridCol>
+                <a:gridCol w="505249">
+                  <a:extLst>
+                    <a:ext uri="{9D8B030D-6E8A-4147-A177-3AD203B41FA5}">
+                      <a16:colId xmlns:a16="http://schemas.microsoft.com/office/drawing/2014/main" val="1202329663"/>
+                    </a:ext>
+                  </a:extLst>
+                </a:gridCol>
+                <a:gridCol w="505249">
+                  <a:extLst>
+                    <a:ext uri="{9D8B030D-6E8A-4147-A177-3AD203B41FA5}">
+                      <a16:colId xmlns:a16="http://schemas.microsoft.com/office/drawing/2014/main" val="3987838404"/>
+                    </a:ext>
+                  </a:extLst>
+                </a:gridCol>
+                <a:gridCol w="505249">
+                  <a:extLst>
+                    <a:ext uri="{9D8B030D-6E8A-4147-A177-3AD203B41FA5}">
+                      <a16:colId xmlns:a16="http://schemas.microsoft.com/office/drawing/2014/main" val="3081874831"/>
+                    </a:ext>
+                  </a:extLst>
+                </a:gridCol>
+                <a:gridCol w="505249">
+                  <a:extLst>
+                    <a:ext uri="{9D8B030D-6E8A-4147-A177-3AD203B41FA5}">
+                      <a16:colId xmlns:a16="http://schemas.microsoft.com/office/drawing/2014/main" val="3808236788"/>
+                    </a:ext>
+                  </a:extLst>
+                </a:gridCol>
+                <a:gridCol w="505249">
+                  <a:extLst>
+                    <a:ext uri="{9D8B030D-6E8A-4147-A177-3AD203B41FA5}">
+                      <a16:colId xmlns:a16="http://schemas.microsoft.com/office/drawing/2014/main" val="2399175729"/>
+                    </a:ext>
+                  </a:extLst>
+                </a:gridCol>
+                <a:gridCol w="505249">
+                  <a:extLst>
+                    <a:ext uri="{9D8B030D-6E8A-4147-A177-3AD203B41FA5}">
+                      <a16:colId xmlns:a16="http://schemas.microsoft.com/office/drawing/2014/main" val="4048400214"/>
+                    </a:ext>
+                  </a:extLst>
+                </a:gridCol>
+                <a:gridCol w="505249">
+                  <a:extLst>
+                    <a:ext uri="{9D8B030D-6E8A-4147-A177-3AD203B41FA5}">
+                      <a16:colId xmlns:a16="http://schemas.microsoft.com/office/drawing/2014/main" val="1163152979"/>
+                    </a:ext>
+                  </a:extLst>
+                </a:gridCol>
+                <a:gridCol w="505249">
+                  <a:extLst>
+                    <a:ext uri="{9D8B030D-6E8A-4147-A177-3AD203B41FA5}">
+                      <a16:colId xmlns:a16="http://schemas.microsoft.com/office/drawing/2014/main" val="2578880800"/>
+                    </a:ext>
+                  </a:extLst>
+                </a:gridCol>
+                <a:gridCol w="505249">
+                  <a:extLst>
+                    <a:ext uri="{9D8B030D-6E8A-4147-A177-3AD203B41FA5}">
+                      <a16:colId xmlns:a16="http://schemas.microsoft.com/office/drawing/2014/main" val="2581468157"/>
+                    </a:ext>
+                  </a:extLst>
+                </a:gridCol>
+                <a:gridCol w="505249">
+                  <a:extLst>
+                    <a:ext uri="{9D8B030D-6E8A-4147-A177-3AD203B41FA5}">
+                      <a16:colId xmlns:a16="http://schemas.microsoft.com/office/drawing/2014/main" val="2980002202"/>
+                    </a:ext>
+                  </a:extLst>
+                </a:gridCol>
+                <a:gridCol w="505249">
+                  <a:extLst>
+                    <a:ext uri="{9D8B030D-6E8A-4147-A177-3AD203B41FA5}">
+                      <a16:colId xmlns:a16="http://schemas.microsoft.com/office/drawing/2014/main" val="4006958505"/>
+                    </a:ext>
+                  </a:extLst>
+                </a:gridCol>
+                <a:gridCol w="505249">
+                  <a:extLst>
+                    <a:ext uri="{9D8B030D-6E8A-4147-A177-3AD203B41FA5}">
+                      <a16:colId xmlns:a16="http://schemas.microsoft.com/office/drawing/2014/main" val="3352362992"/>
+                    </a:ext>
+                  </a:extLst>
+                </a:gridCol>
+              </a:tblGrid>
+              <a:tr h="370840">
+                <a:tc rowSpan="2">
+                  <a:txBody>
+                    <a:bodyPr/>
+                    <a:lstStyle/>
+                    <a:p>
+                      <a:endParaRPr kumimoji="1" lang="ja-JP" altLang="en-US" dirty="0">
+                        <a:latin typeface="メイリオ" panose="020B0604030504040204" pitchFamily="50" charset="-128"/>
+                        <a:ea typeface="メイリオ" panose="020B0604030504040204" pitchFamily="50" charset="-128"/>
+                      </a:endParaRPr>
+                    </a:p>
+                  </a:txBody>
+                  <a:tcPr>
+                    <a:lnL w="12700" cmpd="sng">
+                      <a:noFill/>
+                    </a:lnL>
+                    <a:lnT w="12700" cmpd="sng">
+                      <a:noFill/>
+                    </a:lnT>
+                  </a:tcPr>
+                </a:tc>
+                <a:tc gridSpan="4">
+                  <a:txBody>
+                    <a:bodyPr/>
+                    <a:lstStyle/>
+                    <a:p>
+                      <a:pPr algn="ctr"/>
+                      <a:r>
+                        <a:rPr kumimoji="1" lang="ja-JP" altLang="en-US" dirty="0">
+                          <a:latin typeface="メイリオ" panose="020B0604030504040204" pitchFamily="50" charset="-128"/>
+                          <a:ea typeface="メイリオ" panose="020B0604030504040204" pitchFamily="50" charset="-128"/>
+                        </a:rPr>
+                        <a:t>経理</a:t>
+                      </a:r>
+                    </a:p>
+                  </a:txBody>
+                  <a:tcPr anchor="ctr"/>
+                </a:tc>
+                <a:tc hMerge="1">
+                  <a:txBody>
+                    <a:bodyPr/>
+                    <a:lstStyle/>
+                    <a:p>
+                      <a:endParaRPr kumimoji="1" lang="ja-JP" altLang="en-US" dirty="0"/>
+                    </a:p>
+                  </a:txBody>
+                  <a:tcPr/>
+                </a:tc>
+                <a:tc hMerge="1">
+                  <a:txBody>
+                    <a:bodyPr/>
+                    <a:lstStyle/>
+                    <a:p>
+                      <a:endParaRPr kumimoji="1" lang="ja-JP" altLang="en-US" dirty="0"/>
+                    </a:p>
+                  </a:txBody>
+                  <a:tcPr/>
+                </a:tc>
+                <a:tc hMerge="1">
+                  <a:txBody>
+                    <a:bodyPr/>
+                    <a:lstStyle/>
+                    <a:p>
+                      <a:endParaRPr kumimoji="1" lang="ja-JP" altLang="en-US" dirty="0"/>
+                    </a:p>
+                  </a:txBody>
+                  <a:tcPr/>
+                </a:tc>
+                <a:tc rowSpan="2">
+                  <a:txBody>
+                    <a:bodyPr/>
+                    <a:lstStyle/>
+                    <a:p>
+                      <a:pPr algn="ctr"/>
+                      <a:endParaRPr kumimoji="1" lang="ja-JP" altLang="en-US" dirty="0">
+                        <a:latin typeface="メイリオ" panose="020B0604030504040204" pitchFamily="50" charset="-128"/>
+                        <a:ea typeface="メイリオ" panose="020B0604030504040204" pitchFamily="50" charset="-128"/>
+                      </a:endParaRPr>
+                    </a:p>
+                  </a:txBody>
+                  <a:tcPr anchor="ctr">
+                    <a:lnT w="12700" cmpd="sng">
+                      <a:noFill/>
+                    </a:lnT>
+                  </a:tcPr>
+                </a:tc>
+                <a:tc gridSpan="4">
+                  <a:txBody>
+                    <a:bodyPr/>
+                    <a:lstStyle/>
+                    <a:p>
+                      <a:pPr algn="ctr"/>
+                      <a:r>
+                        <a:rPr kumimoji="1" lang="ja-JP" altLang="en-US" dirty="0">
+                          <a:latin typeface="メイリオ" panose="020B0604030504040204" pitchFamily="50" charset="-128"/>
+                          <a:ea typeface="メイリオ" panose="020B0604030504040204" pitchFamily="50" charset="-128"/>
+                        </a:rPr>
+                        <a:t>人事</a:t>
+                      </a:r>
+                    </a:p>
+                  </a:txBody>
+                  <a:tcPr anchor="ctr"/>
+                </a:tc>
+                <a:tc hMerge="1">
+                  <a:txBody>
+                    <a:bodyPr/>
+                    <a:lstStyle/>
+                    <a:p>
+                      <a:endParaRPr kumimoji="1" lang="ja-JP" altLang="en-US" dirty="0"/>
+                    </a:p>
+                  </a:txBody>
+                  <a:tcPr/>
+                </a:tc>
+                <a:tc hMerge="1">
+                  <a:txBody>
+                    <a:bodyPr/>
+                    <a:lstStyle/>
+                    <a:p>
+                      <a:endParaRPr kumimoji="1" lang="ja-JP" altLang="en-US" dirty="0"/>
+                    </a:p>
+                  </a:txBody>
+                  <a:tcPr/>
+                </a:tc>
+                <a:tc hMerge="1">
+                  <a:txBody>
+                    <a:bodyPr/>
+                    <a:lstStyle/>
+                    <a:p>
+                      <a:endParaRPr kumimoji="1" lang="ja-JP" altLang="en-US" dirty="0"/>
+                    </a:p>
+                  </a:txBody>
+                  <a:tcPr/>
+                </a:tc>
+                <a:tc rowSpan="2">
+                  <a:txBody>
+                    <a:bodyPr/>
+                    <a:lstStyle/>
+                    <a:p>
+                      <a:pPr algn="ctr"/>
+                      <a:endParaRPr kumimoji="1" lang="ja-JP" altLang="en-US" dirty="0">
+                        <a:latin typeface="メイリオ" panose="020B0604030504040204" pitchFamily="50" charset="-128"/>
+                        <a:ea typeface="メイリオ" panose="020B0604030504040204" pitchFamily="50" charset="-128"/>
+                      </a:endParaRPr>
+                    </a:p>
+                  </a:txBody>
+                  <a:tcPr anchor="ctr">
+                    <a:lnT w="12700" cmpd="sng">
+                      <a:noFill/>
+                    </a:lnT>
+                  </a:tcPr>
+                </a:tc>
+                <a:tc gridSpan="4">
+                  <a:txBody>
+                    <a:bodyPr/>
+                    <a:lstStyle/>
+                    <a:p>
+                      <a:pPr algn="ctr"/>
+                      <a:r>
+                        <a:rPr kumimoji="1" lang="ja-JP" altLang="en-US" dirty="0">
+                          <a:latin typeface="メイリオ" panose="020B0604030504040204" pitchFamily="50" charset="-128"/>
+                          <a:ea typeface="メイリオ" panose="020B0604030504040204" pitchFamily="50" charset="-128"/>
+                        </a:rPr>
+                        <a:t>営業</a:t>
+                      </a:r>
+                    </a:p>
+                  </a:txBody>
+                  <a:tcPr anchor="ctr"/>
+                </a:tc>
+                <a:tc hMerge="1">
+                  <a:txBody>
+                    <a:bodyPr/>
+                    <a:lstStyle/>
+                    <a:p>
+                      <a:endParaRPr kumimoji="1" lang="ja-JP" altLang="en-US" dirty="0"/>
+                    </a:p>
+                  </a:txBody>
+                  <a:tcPr/>
+                </a:tc>
+                <a:tc hMerge="1">
+                  <a:txBody>
+                    <a:bodyPr/>
+                    <a:lstStyle/>
+                    <a:p>
+                      <a:endParaRPr kumimoji="1" lang="ja-JP" altLang="en-US" dirty="0"/>
+                    </a:p>
+                  </a:txBody>
+                  <a:tcPr/>
+                </a:tc>
+                <a:tc hMerge="1">
+                  <a:txBody>
+                    <a:bodyPr/>
+                    <a:lstStyle/>
+                    <a:p>
+                      <a:endParaRPr kumimoji="1" lang="ja-JP" altLang="en-US" dirty="0"/>
+                    </a:p>
+                  </a:txBody>
+                  <a:tcPr/>
+                </a:tc>
+                <a:extLst>
+                  <a:ext uri="{0D108BD9-81ED-4DB2-BD59-A6C34878D82A}">
+                    <a16:rowId xmlns:a16="http://schemas.microsoft.com/office/drawing/2014/main" val="1490062988"/>
+                  </a:ext>
+                </a:extLst>
+              </a:tr>
+              <a:tr h="993833">
+                <a:tc vMerge="1">
+                  <a:txBody>
+                    <a:bodyPr/>
+                    <a:lstStyle/>
+                    <a:p>
+                      <a:endParaRPr kumimoji="1" lang="ja-JP" altLang="en-US"/>
+                    </a:p>
+                  </a:txBody>
+                  <a:tcPr/>
+                </a:tc>
+                <a:tc>
+                  <a:txBody>
+                    <a:bodyPr/>
+                    <a:lstStyle/>
+                    <a:p>
+                      <a:pPr algn="ctr"/>
+                      <a:r>
+                        <a:rPr kumimoji="1" lang="ja-JP" altLang="en-US" dirty="0">
+                          <a:latin typeface="メイリオ" panose="020B0604030504040204" pitchFamily="50" charset="-128"/>
+                          <a:ea typeface="メイリオ" panose="020B0604030504040204" pitchFamily="50" charset="-128"/>
+                        </a:rPr>
+                        <a:t>債権</a:t>
+                      </a:r>
+                    </a:p>
+                  </a:txBody>
+                  <a:tcPr vert="eaVert" anchor="ctr"/>
+                </a:tc>
+                <a:tc>
+                  <a:txBody>
+                    <a:bodyPr/>
+                    <a:lstStyle/>
+                    <a:p>
+                      <a:pPr algn="ctr"/>
+                      <a:r>
+                        <a:rPr kumimoji="1" lang="ja-JP" altLang="en-US" dirty="0">
+                          <a:latin typeface="メイリオ" panose="020B0604030504040204" pitchFamily="50" charset="-128"/>
+                          <a:ea typeface="メイリオ" panose="020B0604030504040204" pitchFamily="50" charset="-128"/>
+                        </a:rPr>
+                        <a:t>財務</a:t>
+                      </a:r>
+                    </a:p>
+                  </a:txBody>
+                  <a:tcPr vert="eaVert" anchor="ctr"/>
+                </a:tc>
+                <a:tc>
+                  <a:txBody>
+                    <a:bodyPr/>
+                    <a:lstStyle/>
+                    <a:p>
+                      <a:pPr algn="ctr"/>
+                      <a:r>
+                        <a:rPr kumimoji="1" lang="ja-JP" altLang="en-US" dirty="0">
+                          <a:latin typeface="メイリオ" panose="020B0604030504040204" pitchFamily="50" charset="-128"/>
+                          <a:ea typeface="メイリオ" panose="020B0604030504040204" pitchFamily="50" charset="-128"/>
+                        </a:rPr>
+                        <a:t>管理</a:t>
+                      </a:r>
+                    </a:p>
+                  </a:txBody>
+                  <a:tcPr vert="eaVert" anchor="ctr"/>
+                </a:tc>
+                <a:tc>
+                  <a:txBody>
+                    <a:bodyPr/>
+                    <a:lstStyle/>
+                    <a:p>
+                      <a:pPr algn="ctr"/>
+                      <a:r>
+                        <a:rPr kumimoji="1" lang="ja-JP" altLang="en-US" dirty="0">
+                          <a:latin typeface="メイリオ" panose="020B0604030504040204" pitchFamily="50" charset="-128"/>
+                          <a:ea typeface="メイリオ" panose="020B0604030504040204" pitchFamily="50" charset="-128"/>
+                        </a:rPr>
+                        <a:t>税務</a:t>
+                      </a:r>
+                    </a:p>
+                  </a:txBody>
+                  <a:tcPr vert="eaVert" anchor="ctr"/>
+                </a:tc>
+                <a:tc vMerge="1">
+                  <a:txBody>
+                    <a:bodyPr/>
+                    <a:lstStyle/>
+                    <a:p>
+                      <a:endParaRPr kumimoji="1" lang="ja-JP" altLang="en-US" dirty="0"/>
+                    </a:p>
+                  </a:txBody>
+                  <a:tcPr vert="eaVert"/>
+                </a:tc>
+                <a:tc>
+                  <a:txBody>
+                    <a:bodyPr/>
+                    <a:lstStyle/>
+                    <a:p>
+                      <a:pPr algn="ctr"/>
+                      <a:r>
+                        <a:rPr kumimoji="1" lang="ja-JP" altLang="en-US" dirty="0">
+                          <a:latin typeface="メイリオ" panose="020B0604030504040204" pitchFamily="50" charset="-128"/>
+                          <a:ea typeface="メイリオ" panose="020B0604030504040204" pitchFamily="50" charset="-128"/>
+                        </a:rPr>
+                        <a:t>労務</a:t>
+                      </a:r>
+                    </a:p>
+                  </a:txBody>
+                  <a:tcPr vert="eaVert" anchor="ctr"/>
+                </a:tc>
+                <a:tc>
+                  <a:txBody>
+                    <a:bodyPr/>
+                    <a:lstStyle/>
+                    <a:p>
+                      <a:pPr algn="ctr"/>
+                      <a:r>
+                        <a:rPr kumimoji="1" lang="ja-JP" altLang="en-US" dirty="0">
+                          <a:latin typeface="メイリオ" panose="020B0604030504040204" pitchFamily="50" charset="-128"/>
+                          <a:ea typeface="メイリオ" panose="020B0604030504040204" pitchFamily="50" charset="-128"/>
+                        </a:rPr>
+                        <a:t>給与</a:t>
+                      </a:r>
+                    </a:p>
+                  </a:txBody>
+                  <a:tcPr vert="eaVert" anchor="ctr"/>
+                </a:tc>
+                <a:tc>
+                  <a:txBody>
+                    <a:bodyPr/>
+                    <a:lstStyle/>
+                    <a:p>
+                      <a:pPr algn="ctr"/>
+                      <a:r>
+                        <a:rPr kumimoji="1" lang="ja-JP" altLang="en-US" dirty="0">
+                          <a:latin typeface="メイリオ" panose="020B0604030504040204" pitchFamily="50" charset="-128"/>
+                          <a:ea typeface="メイリオ" panose="020B0604030504040204" pitchFamily="50" charset="-128"/>
+                        </a:rPr>
+                        <a:t>教育</a:t>
+                      </a:r>
+                    </a:p>
+                  </a:txBody>
+                  <a:tcPr vert="eaVert" anchor="ctr"/>
+                </a:tc>
+                <a:tc>
+                  <a:txBody>
+                    <a:bodyPr/>
+                    <a:lstStyle/>
+                    <a:p>
+                      <a:pPr algn="ctr"/>
+                      <a:r>
+                        <a:rPr kumimoji="1" lang="ja-JP" altLang="en-US" dirty="0">
+                          <a:latin typeface="メイリオ" panose="020B0604030504040204" pitchFamily="50" charset="-128"/>
+                          <a:ea typeface="メイリオ" panose="020B0604030504040204" pitchFamily="50" charset="-128"/>
+                        </a:rPr>
+                        <a:t>採用</a:t>
+                      </a:r>
+                    </a:p>
+                  </a:txBody>
+                  <a:tcPr vert="eaVert" anchor="ctr"/>
+                </a:tc>
+                <a:tc vMerge="1">
+                  <a:txBody>
+                    <a:bodyPr/>
+                    <a:lstStyle/>
+                    <a:p>
+                      <a:endParaRPr kumimoji="1" lang="ja-JP" altLang="en-US" dirty="0"/>
+                    </a:p>
+                  </a:txBody>
+                  <a:tcPr vert="eaVert"/>
+                </a:tc>
+                <a:tc>
+                  <a:txBody>
+                    <a:bodyPr/>
+                    <a:lstStyle/>
+                    <a:p>
+                      <a:pPr algn="ctr"/>
+                      <a:r>
+                        <a:rPr kumimoji="1" lang="ja-JP" altLang="en-US" dirty="0">
+                          <a:latin typeface="メイリオ" panose="020B0604030504040204" pitchFamily="50" charset="-128"/>
+                          <a:ea typeface="メイリオ" panose="020B0604030504040204" pitchFamily="50" charset="-128"/>
+                        </a:rPr>
+                        <a:t>重電</a:t>
+                      </a:r>
+                    </a:p>
+                  </a:txBody>
+                  <a:tcPr vert="eaVert" anchor="ctr"/>
+                </a:tc>
+                <a:tc>
+                  <a:txBody>
+                    <a:bodyPr/>
+                    <a:lstStyle/>
+                    <a:p>
+                      <a:pPr algn="ctr"/>
+                      <a:r>
+                        <a:rPr kumimoji="1" lang="ja-JP" altLang="en-US" dirty="0">
+                          <a:latin typeface="メイリオ" panose="020B0604030504040204" pitchFamily="50" charset="-128"/>
+                          <a:ea typeface="メイリオ" panose="020B0604030504040204" pitchFamily="50" charset="-128"/>
+                        </a:rPr>
+                        <a:t>家電</a:t>
+                      </a:r>
+                    </a:p>
+                  </a:txBody>
+                  <a:tcPr vert="eaVert" anchor="ctr"/>
+                </a:tc>
+                <a:tc>
+                  <a:txBody>
+                    <a:bodyPr/>
+                    <a:lstStyle/>
+                    <a:p>
+                      <a:pPr algn="ctr"/>
+                      <a:r>
+                        <a:rPr kumimoji="1" lang="ja-JP" altLang="en-US" dirty="0">
+                          <a:latin typeface="メイリオ" panose="020B0604030504040204" pitchFamily="50" charset="-128"/>
+                          <a:ea typeface="メイリオ" panose="020B0604030504040204" pitchFamily="50" charset="-128"/>
+                        </a:rPr>
+                        <a:t>半導体</a:t>
+                      </a:r>
+                    </a:p>
+                  </a:txBody>
+                  <a:tcPr vert="eaVert" anchor="ctr"/>
+                </a:tc>
+                <a:tc>
+                  <a:txBody>
+                    <a:bodyPr/>
+                    <a:lstStyle/>
+                    <a:p>
+                      <a:pPr algn="ctr"/>
+                      <a:r>
+                        <a:rPr kumimoji="1" lang="ja-JP" altLang="en-US" dirty="0">
+                          <a:latin typeface="メイリオ" panose="020B0604030504040204" pitchFamily="50" charset="-128"/>
+                          <a:ea typeface="メイリオ" panose="020B0604030504040204" pitchFamily="50" charset="-128"/>
+                        </a:rPr>
+                        <a:t>素材</a:t>
+                      </a:r>
+                    </a:p>
+                  </a:txBody>
+                  <a:tcPr vert="eaVert" anchor="ctr"/>
+                </a:tc>
+                <a:extLst>
+                  <a:ext uri="{0D108BD9-81ED-4DB2-BD59-A6C34878D82A}">
+                    <a16:rowId xmlns:a16="http://schemas.microsoft.com/office/drawing/2014/main" val="986129957"/>
+                  </a:ext>
+                </a:extLst>
+              </a:tr>
+              <a:tr h="370840">
+                <a:tc>
+                  <a:txBody>
+                    <a:bodyPr/>
+                    <a:lstStyle/>
+                    <a:p>
+                      <a:pPr algn="ctr"/>
+                      <a:r>
+                        <a:rPr kumimoji="1" lang="ja-JP" altLang="en-US" dirty="0">
+                          <a:latin typeface="メイリオ" panose="020B0604030504040204" pitchFamily="50" charset="-128"/>
+                          <a:ea typeface="メイリオ" panose="020B0604030504040204" pitchFamily="50" charset="-128"/>
+                        </a:rPr>
+                        <a:t>マネージャー</a:t>
+                      </a:r>
+                    </a:p>
+                  </a:txBody>
+                  <a:tcPr anchor="ctr"/>
+                </a:tc>
+                <a:tc>
+                  <a:txBody>
+                    <a:bodyPr/>
+                    <a:lstStyle/>
+                    <a:p>
+                      <a:pPr algn="ctr"/>
+                      <a:r>
+                        <a:rPr kumimoji="1" lang="ja-JP" altLang="en-US" dirty="0">
+                          <a:latin typeface="メイリオ" panose="020B0604030504040204" pitchFamily="50" charset="-128"/>
+                          <a:ea typeface="メイリオ" panose="020B0604030504040204" pitchFamily="50" charset="-128"/>
+                        </a:rPr>
+                        <a:t>□</a:t>
+                      </a:r>
+                    </a:p>
+                  </a:txBody>
+                  <a:tcPr anchor="ctr"/>
+                </a:tc>
+                <a:tc>
+                  <a:txBody>
+                    <a:bodyPr/>
+                    <a:lstStyle/>
+                    <a:p>
+                      <a:pPr marL="0" marR="0" lvl="0" indent="0" algn="ctr" defTabSz="914400" rtl="0" eaLnBrk="1" fontAlgn="auto" latinLnBrk="0" hangingPunct="1">
+                        <a:lnSpc>
+                          <a:spcPct val="100000"/>
+                        </a:lnSpc>
+                        <a:spcBef>
+                          <a:spcPts val="0"/>
+                        </a:spcBef>
+                        <a:spcAft>
+                          <a:spcPts val="0"/>
+                        </a:spcAft>
+                        <a:buClrTx/>
+                        <a:buSzTx/>
+                        <a:buFontTx/>
+                        <a:buNone/>
+                        <a:tabLst/>
+                        <a:defRPr/>
+                      </a:pPr>
+                      <a:r>
+                        <a:rPr kumimoji="1" lang="ja-JP" altLang="en-US" sz="1800" b="0" i="0" u="none" strike="noStrike" kern="1200" cap="none" spc="0" normalizeH="0" baseline="0" noProof="0">
+                          <a:ln>
+                            <a:noFill/>
+                          </a:ln>
+                          <a:solidFill>
+                            <a:prstClr val="black"/>
+                          </a:solidFill>
+                          <a:effectLst/>
+                          <a:uLnTx/>
+                          <a:uFillTx/>
+                          <a:latin typeface="メイリオ" panose="020B0604030504040204" pitchFamily="50" charset="-128"/>
+                          <a:ea typeface="メイリオ" panose="020B0604030504040204" pitchFamily="50" charset="-128"/>
+                          <a:cs typeface="+mn-cs"/>
+                        </a:rPr>
+                        <a:t>□</a:t>
+                      </a:r>
+                      <a:endParaRPr kumimoji="1" lang="ja-JP" altLang="en-US" sz="1800" b="0" i="0" u="none" strike="noStrike" kern="1200" cap="none" spc="0" normalizeH="0" baseline="0" noProof="0" dirty="0">
+                        <a:ln>
+                          <a:noFill/>
+                        </a:ln>
+                        <a:solidFill>
+                          <a:prstClr val="black"/>
+                        </a:solidFill>
+                        <a:effectLst/>
+                        <a:uLnTx/>
+                        <a:uFillTx/>
+                        <a:latin typeface="メイリオ" panose="020B0604030504040204" pitchFamily="50" charset="-128"/>
+                        <a:ea typeface="メイリオ" panose="020B0604030504040204" pitchFamily="50" charset="-128"/>
+                        <a:cs typeface="+mn-cs"/>
+                      </a:endParaRPr>
+                    </a:p>
+                  </a:txBody>
+                  <a:tcPr anchor="ctr"/>
+                </a:tc>
+                <a:tc>
+                  <a:txBody>
+                    <a:bodyPr/>
+                    <a:lstStyle/>
+                    <a:p>
+                      <a:pPr marL="0" marR="0" lvl="0" indent="0" algn="ctr" defTabSz="914400" rtl="0" eaLnBrk="1" fontAlgn="auto" latinLnBrk="0" hangingPunct="1">
+                        <a:lnSpc>
+                          <a:spcPct val="100000"/>
+                        </a:lnSpc>
+                        <a:spcBef>
+                          <a:spcPts val="0"/>
+                        </a:spcBef>
+                        <a:spcAft>
+                          <a:spcPts val="0"/>
+                        </a:spcAft>
+                        <a:buClrTx/>
+                        <a:buSzTx/>
+                        <a:buFontTx/>
+                        <a:buNone/>
+                        <a:tabLst/>
+                        <a:defRPr/>
+                      </a:pPr>
+                      <a:r>
+                        <a:rPr kumimoji="1" lang="ja-JP" altLang="en-US" sz="1800" b="0" i="0" u="none" strike="noStrike" kern="1200" cap="none" spc="0" normalizeH="0" baseline="0" noProof="0">
+                          <a:ln>
+                            <a:noFill/>
+                          </a:ln>
+                          <a:solidFill>
+                            <a:prstClr val="black"/>
+                          </a:solidFill>
+                          <a:effectLst/>
+                          <a:uLnTx/>
+                          <a:uFillTx/>
+                          <a:latin typeface="メイリオ" panose="020B0604030504040204" pitchFamily="50" charset="-128"/>
+                          <a:ea typeface="メイリオ" panose="020B0604030504040204" pitchFamily="50" charset="-128"/>
+                          <a:cs typeface="+mn-cs"/>
+                        </a:rPr>
+                        <a:t>□</a:t>
+                      </a:r>
+                      <a:endParaRPr kumimoji="1" lang="ja-JP" altLang="en-US" sz="1800" b="0" i="0" u="none" strike="noStrike" kern="1200" cap="none" spc="0" normalizeH="0" baseline="0" noProof="0" dirty="0">
+                        <a:ln>
+                          <a:noFill/>
+                        </a:ln>
+                        <a:solidFill>
+                          <a:prstClr val="black"/>
+                        </a:solidFill>
+                        <a:effectLst/>
+                        <a:uLnTx/>
+                        <a:uFillTx/>
+                        <a:latin typeface="メイリオ" panose="020B0604030504040204" pitchFamily="50" charset="-128"/>
+                        <a:ea typeface="メイリオ" panose="020B0604030504040204" pitchFamily="50" charset="-128"/>
+                        <a:cs typeface="+mn-cs"/>
+                      </a:endParaRPr>
+                    </a:p>
+                  </a:txBody>
+                  <a:tcPr anchor="ctr"/>
+                </a:tc>
+                <a:tc>
+                  <a:txBody>
+                    <a:bodyPr/>
+                    <a:lstStyle/>
+                    <a:p>
+                      <a:pPr marL="0" marR="0" lvl="0" indent="0" algn="ctr" defTabSz="914400" rtl="0" eaLnBrk="1" fontAlgn="auto" latinLnBrk="0" hangingPunct="1">
+                        <a:lnSpc>
+                          <a:spcPct val="100000"/>
+                        </a:lnSpc>
+                        <a:spcBef>
+                          <a:spcPts val="0"/>
+                        </a:spcBef>
+                        <a:spcAft>
+                          <a:spcPts val="0"/>
+                        </a:spcAft>
+                        <a:buClrTx/>
+                        <a:buSzTx/>
+                        <a:buFontTx/>
+                        <a:buNone/>
+                        <a:tabLst/>
+                        <a:defRPr/>
+                      </a:pPr>
+                      <a:r>
+                        <a:rPr kumimoji="1" lang="ja-JP" altLang="en-US" sz="1800" b="0" i="0" u="none" strike="noStrike" kern="1200" cap="none" spc="0" normalizeH="0" baseline="0" noProof="0">
+                          <a:ln>
+                            <a:noFill/>
+                          </a:ln>
+                          <a:solidFill>
+                            <a:prstClr val="black"/>
+                          </a:solidFill>
+                          <a:effectLst/>
+                          <a:uLnTx/>
+                          <a:uFillTx/>
+                          <a:latin typeface="メイリオ" panose="020B0604030504040204" pitchFamily="50" charset="-128"/>
+                          <a:ea typeface="メイリオ" panose="020B0604030504040204" pitchFamily="50" charset="-128"/>
+                          <a:cs typeface="+mn-cs"/>
+                        </a:rPr>
+                        <a:t>□</a:t>
+                      </a:r>
+                      <a:endParaRPr kumimoji="1" lang="ja-JP" altLang="en-US" sz="1800" b="0" i="0" u="none" strike="noStrike" kern="1200" cap="none" spc="0" normalizeH="0" baseline="0" noProof="0" dirty="0">
+                        <a:ln>
+                          <a:noFill/>
+                        </a:ln>
+                        <a:solidFill>
+                          <a:prstClr val="black"/>
+                        </a:solidFill>
+                        <a:effectLst/>
+                        <a:uLnTx/>
+                        <a:uFillTx/>
+                        <a:latin typeface="メイリオ" panose="020B0604030504040204" pitchFamily="50" charset="-128"/>
+                        <a:ea typeface="メイリオ" panose="020B0604030504040204" pitchFamily="50" charset="-128"/>
+                        <a:cs typeface="+mn-cs"/>
+                      </a:endParaRPr>
+                    </a:p>
+                  </a:txBody>
+                  <a:tcPr anchor="ctr"/>
+                </a:tc>
+                <a:tc>
+                  <a:txBody>
+                    <a:bodyPr/>
+                    <a:lstStyle/>
+                    <a:p>
+                      <a:pPr algn="ctr"/>
+                      <a:endParaRPr kumimoji="1" lang="ja-JP" altLang="en-US" dirty="0">
+                        <a:latin typeface="メイリオ" panose="020B0604030504040204" pitchFamily="50" charset="-128"/>
+                        <a:ea typeface="メイリオ" panose="020B0604030504040204" pitchFamily="50" charset="-128"/>
+                      </a:endParaRPr>
+                    </a:p>
+                  </a:txBody>
+                  <a:tcPr anchor="ctr"/>
+                </a:tc>
+                <a:tc>
+                  <a:txBody>
+                    <a:bodyPr/>
+                    <a:lstStyle/>
+                    <a:p>
+                      <a:pPr marL="0" marR="0" lvl="0" indent="0" algn="ctr" defTabSz="914400" rtl="0" eaLnBrk="1" fontAlgn="auto" latinLnBrk="0" hangingPunct="1">
+                        <a:lnSpc>
+                          <a:spcPct val="100000"/>
+                        </a:lnSpc>
+                        <a:spcBef>
+                          <a:spcPts val="0"/>
+                        </a:spcBef>
+                        <a:spcAft>
+                          <a:spcPts val="0"/>
+                        </a:spcAft>
+                        <a:buClrTx/>
+                        <a:buSzTx/>
+                        <a:buFontTx/>
+                        <a:buNone/>
+                        <a:tabLst/>
+                        <a:defRPr/>
+                      </a:pPr>
+                      <a:r>
+                        <a:rPr kumimoji="1" lang="ja-JP" altLang="en-US" sz="1800" b="0" i="0" u="none" strike="noStrike" kern="1200" cap="none" spc="0" normalizeH="0" baseline="0" noProof="0">
+                          <a:ln>
+                            <a:noFill/>
+                          </a:ln>
+                          <a:solidFill>
+                            <a:prstClr val="black"/>
+                          </a:solidFill>
+                          <a:effectLst/>
+                          <a:uLnTx/>
+                          <a:uFillTx/>
+                          <a:latin typeface="メイリオ" panose="020B0604030504040204" pitchFamily="50" charset="-128"/>
+                          <a:ea typeface="メイリオ" panose="020B0604030504040204" pitchFamily="50" charset="-128"/>
+                          <a:cs typeface="+mn-cs"/>
+                        </a:rPr>
+                        <a:t>□</a:t>
+                      </a:r>
+                      <a:endParaRPr kumimoji="1" lang="ja-JP" altLang="en-US" sz="1800" b="0" i="0" u="none" strike="noStrike" kern="1200" cap="none" spc="0" normalizeH="0" baseline="0" noProof="0" dirty="0">
+                        <a:ln>
+                          <a:noFill/>
+                        </a:ln>
+                        <a:solidFill>
+                          <a:prstClr val="black"/>
+                        </a:solidFill>
+                        <a:effectLst/>
+                        <a:uLnTx/>
+                        <a:uFillTx/>
+                        <a:latin typeface="メイリオ" panose="020B0604030504040204" pitchFamily="50" charset="-128"/>
+                        <a:ea typeface="メイリオ" panose="020B0604030504040204" pitchFamily="50" charset="-128"/>
+                        <a:cs typeface="+mn-cs"/>
+                      </a:endParaRPr>
+                    </a:p>
+                  </a:txBody>
+                  <a:tcPr anchor="ctr"/>
+                </a:tc>
+                <a:tc>
+                  <a:txBody>
+                    <a:bodyPr/>
+                    <a:lstStyle/>
+                    <a:p>
+                      <a:pPr marL="0" marR="0" lvl="0" indent="0" algn="ctr" defTabSz="914400" rtl="0" eaLnBrk="1" fontAlgn="auto" latinLnBrk="0" hangingPunct="1">
+                        <a:lnSpc>
+                          <a:spcPct val="100000"/>
+                        </a:lnSpc>
+                        <a:spcBef>
+                          <a:spcPts val="0"/>
+                        </a:spcBef>
+                        <a:spcAft>
+                          <a:spcPts val="0"/>
+                        </a:spcAft>
+                        <a:buClrTx/>
+                        <a:buSzTx/>
+                        <a:buFontTx/>
+                        <a:buNone/>
+                        <a:tabLst/>
+                        <a:defRPr/>
+                      </a:pPr>
+                      <a:r>
+                        <a:rPr kumimoji="1" lang="ja-JP" altLang="en-US" sz="1800" b="0" i="0" u="none" strike="noStrike" kern="1200" cap="none" spc="0" normalizeH="0" baseline="0" noProof="0">
+                          <a:ln>
+                            <a:noFill/>
+                          </a:ln>
+                          <a:solidFill>
+                            <a:prstClr val="black"/>
+                          </a:solidFill>
+                          <a:effectLst/>
+                          <a:uLnTx/>
+                          <a:uFillTx/>
+                          <a:latin typeface="メイリオ" panose="020B0604030504040204" pitchFamily="50" charset="-128"/>
+                          <a:ea typeface="メイリオ" panose="020B0604030504040204" pitchFamily="50" charset="-128"/>
+                          <a:cs typeface="+mn-cs"/>
+                        </a:rPr>
+                        <a:t>□</a:t>
+                      </a:r>
+                      <a:endParaRPr kumimoji="1" lang="ja-JP" altLang="en-US" sz="1800" b="0" i="0" u="none" strike="noStrike" kern="1200" cap="none" spc="0" normalizeH="0" baseline="0" noProof="0" dirty="0">
+                        <a:ln>
+                          <a:noFill/>
+                        </a:ln>
+                        <a:solidFill>
+                          <a:prstClr val="black"/>
+                        </a:solidFill>
+                        <a:effectLst/>
+                        <a:uLnTx/>
+                        <a:uFillTx/>
+                        <a:latin typeface="メイリオ" panose="020B0604030504040204" pitchFamily="50" charset="-128"/>
+                        <a:ea typeface="メイリオ" panose="020B0604030504040204" pitchFamily="50" charset="-128"/>
+                        <a:cs typeface="+mn-cs"/>
+                      </a:endParaRPr>
+                    </a:p>
+                  </a:txBody>
+                  <a:tcPr anchor="ctr"/>
+                </a:tc>
+                <a:tc>
+                  <a:txBody>
+                    <a:bodyPr/>
+                    <a:lstStyle/>
+                    <a:p>
+                      <a:pPr marL="0" marR="0" lvl="0" indent="0" algn="ctr" defTabSz="914400" rtl="0" eaLnBrk="1" fontAlgn="auto" latinLnBrk="0" hangingPunct="1">
+                        <a:lnSpc>
+                          <a:spcPct val="100000"/>
+                        </a:lnSpc>
+                        <a:spcBef>
+                          <a:spcPts val="0"/>
+                        </a:spcBef>
+                        <a:spcAft>
+                          <a:spcPts val="0"/>
+                        </a:spcAft>
+                        <a:buClrTx/>
+                        <a:buSzTx/>
+                        <a:buFontTx/>
+                        <a:buNone/>
+                        <a:tabLst/>
+                        <a:defRPr/>
+                      </a:pPr>
+                      <a:r>
+                        <a:rPr kumimoji="1" lang="ja-JP" altLang="en-US" sz="1800" b="0" i="0" u="none" strike="noStrike" kern="1200" cap="none" spc="0" normalizeH="0" baseline="0" noProof="0">
+                          <a:ln>
+                            <a:noFill/>
+                          </a:ln>
+                          <a:solidFill>
+                            <a:prstClr val="black"/>
+                          </a:solidFill>
+                          <a:effectLst/>
+                          <a:uLnTx/>
+                          <a:uFillTx/>
+                          <a:latin typeface="メイリオ" panose="020B0604030504040204" pitchFamily="50" charset="-128"/>
+                          <a:ea typeface="メイリオ" panose="020B0604030504040204" pitchFamily="50" charset="-128"/>
+                          <a:cs typeface="+mn-cs"/>
+                        </a:rPr>
+                        <a:t>□</a:t>
+                      </a:r>
+                      <a:endParaRPr kumimoji="1" lang="ja-JP" altLang="en-US" sz="1800" b="0" i="0" u="none" strike="noStrike" kern="1200" cap="none" spc="0" normalizeH="0" baseline="0" noProof="0" dirty="0">
+                        <a:ln>
+                          <a:noFill/>
+                        </a:ln>
+                        <a:solidFill>
+                          <a:prstClr val="black"/>
+                        </a:solidFill>
+                        <a:effectLst/>
+                        <a:uLnTx/>
+                        <a:uFillTx/>
+                        <a:latin typeface="メイリオ" panose="020B0604030504040204" pitchFamily="50" charset="-128"/>
+                        <a:ea typeface="メイリオ" panose="020B0604030504040204" pitchFamily="50" charset="-128"/>
+                        <a:cs typeface="+mn-cs"/>
+                      </a:endParaRPr>
+                    </a:p>
+                  </a:txBody>
+                  <a:tcPr anchor="ctr"/>
+                </a:tc>
+                <a:tc>
+                  <a:txBody>
+                    <a:bodyPr/>
+                    <a:lstStyle/>
+                    <a:p>
+                      <a:pPr marL="0" marR="0" lvl="0" indent="0" algn="ctr" defTabSz="914400" rtl="0" eaLnBrk="1" fontAlgn="auto" latinLnBrk="0" hangingPunct="1">
+                        <a:lnSpc>
+                          <a:spcPct val="100000"/>
+                        </a:lnSpc>
+                        <a:spcBef>
+                          <a:spcPts val="0"/>
+                        </a:spcBef>
+                        <a:spcAft>
+                          <a:spcPts val="0"/>
+                        </a:spcAft>
+                        <a:buClrTx/>
+                        <a:buSzTx/>
+                        <a:buFontTx/>
+                        <a:buNone/>
+                        <a:tabLst/>
+                        <a:defRPr/>
+                      </a:pPr>
+                      <a:r>
+                        <a:rPr kumimoji="1" lang="ja-JP" altLang="en-US" sz="1800" b="0" i="0" u="none" strike="noStrike" kern="1200" cap="none" spc="0" normalizeH="0" baseline="0" noProof="0">
+                          <a:ln>
+                            <a:noFill/>
+                          </a:ln>
+                          <a:solidFill>
+                            <a:prstClr val="black"/>
+                          </a:solidFill>
+                          <a:effectLst/>
+                          <a:uLnTx/>
+                          <a:uFillTx/>
+                          <a:latin typeface="メイリオ" panose="020B0604030504040204" pitchFamily="50" charset="-128"/>
+                          <a:ea typeface="メイリオ" panose="020B0604030504040204" pitchFamily="50" charset="-128"/>
+                          <a:cs typeface="+mn-cs"/>
+                        </a:rPr>
+                        <a:t>□</a:t>
+                      </a:r>
+                      <a:endParaRPr kumimoji="1" lang="ja-JP" altLang="en-US" sz="1800" b="0" i="0" u="none" strike="noStrike" kern="1200" cap="none" spc="0" normalizeH="0" baseline="0" noProof="0" dirty="0">
+                        <a:ln>
+                          <a:noFill/>
+                        </a:ln>
+                        <a:solidFill>
+                          <a:prstClr val="black"/>
+                        </a:solidFill>
+                        <a:effectLst/>
+                        <a:uLnTx/>
+                        <a:uFillTx/>
+                        <a:latin typeface="メイリオ" panose="020B0604030504040204" pitchFamily="50" charset="-128"/>
+                        <a:ea typeface="メイリオ" panose="020B0604030504040204" pitchFamily="50" charset="-128"/>
+                        <a:cs typeface="+mn-cs"/>
+                      </a:endParaRPr>
+                    </a:p>
+                  </a:txBody>
+                  <a:tcPr anchor="ctr"/>
+                </a:tc>
+                <a:tc>
+                  <a:txBody>
+                    <a:bodyPr/>
+                    <a:lstStyle/>
+                    <a:p>
+                      <a:pPr algn="ctr"/>
+                      <a:endParaRPr kumimoji="1" lang="ja-JP" altLang="en-US">
+                        <a:latin typeface="メイリオ" panose="020B0604030504040204" pitchFamily="50" charset="-128"/>
+                        <a:ea typeface="メイリオ" panose="020B0604030504040204" pitchFamily="50" charset="-128"/>
+                      </a:endParaRPr>
+                    </a:p>
+                  </a:txBody>
+                  <a:tcPr anchor="ctr"/>
+                </a:tc>
+                <a:tc>
+                  <a:txBody>
+                    <a:bodyPr/>
+                    <a:lstStyle/>
+                    <a:p>
+                      <a:pPr marL="0" marR="0" lvl="0" indent="0" algn="ctr" defTabSz="914400" rtl="0" eaLnBrk="1" fontAlgn="auto" latinLnBrk="0" hangingPunct="1">
+                        <a:lnSpc>
+                          <a:spcPct val="100000"/>
+                        </a:lnSpc>
+                        <a:spcBef>
+                          <a:spcPts val="0"/>
+                        </a:spcBef>
+                        <a:spcAft>
+                          <a:spcPts val="0"/>
+                        </a:spcAft>
+                        <a:buClrTx/>
+                        <a:buSzTx/>
+                        <a:buFontTx/>
+                        <a:buNone/>
+                        <a:tabLst/>
+                        <a:defRPr/>
+                      </a:pPr>
+                      <a:r>
+                        <a:rPr kumimoji="1" lang="ja-JP" altLang="en-US" sz="1800" b="0" i="0" u="none" strike="noStrike" kern="1200" cap="none" spc="0" normalizeH="0" baseline="0" noProof="0">
+                          <a:ln>
+                            <a:noFill/>
+                          </a:ln>
+                          <a:solidFill>
+                            <a:prstClr val="black"/>
+                          </a:solidFill>
+                          <a:effectLst/>
+                          <a:uLnTx/>
+                          <a:uFillTx/>
+                          <a:latin typeface="メイリオ" panose="020B0604030504040204" pitchFamily="50" charset="-128"/>
+                          <a:ea typeface="メイリオ" panose="020B0604030504040204" pitchFamily="50" charset="-128"/>
+                          <a:cs typeface="+mn-cs"/>
+                        </a:rPr>
+                        <a:t>□</a:t>
+                      </a:r>
+                      <a:endParaRPr kumimoji="1" lang="ja-JP" altLang="en-US" sz="1800" b="0" i="0" u="none" strike="noStrike" kern="1200" cap="none" spc="0" normalizeH="0" baseline="0" noProof="0" dirty="0">
+                        <a:ln>
+                          <a:noFill/>
+                        </a:ln>
+                        <a:solidFill>
+                          <a:prstClr val="black"/>
+                        </a:solidFill>
+                        <a:effectLst/>
+                        <a:uLnTx/>
+                        <a:uFillTx/>
+                        <a:latin typeface="メイリオ" panose="020B0604030504040204" pitchFamily="50" charset="-128"/>
+                        <a:ea typeface="メイリオ" panose="020B0604030504040204" pitchFamily="50" charset="-128"/>
+                        <a:cs typeface="+mn-cs"/>
+                      </a:endParaRPr>
+                    </a:p>
+                  </a:txBody>
+                  <a:tcPr anchor="ctr"/>
+                </a:tc>
+                <a:tc>
+                  <a:txBody>
+                    <a:bodyPr/>
+                    <a:lstStyle/>
+                    <a:p>
+                      <a:pPr marL="0" marR="0" lvl="0" indent="0" algn="ctr" defTabSz="914400" rtl="0" eaLnBrk="1" fontAlgn="auto" latinLnBrk="0" hangingPunct="1">
+                        <a:lnSpc>
+                          <a:spcPct val="100000"/>
+                        </a:lnSpc>
+                        <a:spcBef>
+                          <a:spcPts val="0"/>
+                        </a:spcBef>
+                        <a:spcAft>
+                          <a:spcPts val="0"/>
+                        </a:spcAft>
+                        <a:buClrTx/>
+                        <a:buSzTx/>
+                        <a:buFontTx/>
+                        <a:buNone/>
+                        <a:tabLst/>
+                        <a:defRPr/>
+                      </a:pPr>
+                      <a:r>
+                        <a:rPr kumimoji="1" lang="ja-JP" altLang="en-US" sz="1800" b="0" i="0" u="none" strike="noStrike" kern="1200" cap="none" spc="0" normalizeH="0" baseline="0" noProof="0">
+                          <a:ln>
+                            <a:noFill/>
+                          </a:ln>
+                          <a:solidFill>
+                            <a:prstClr val="black"/>
+                          </a:solidFill>
+                          <a:effectLst/>
+                          <a:uLnTx/>
+                          <a:uFillTx/>
+                          <a:latin typeface="メイリオ" panose="020B0604030504040204" pitchFamily="50" charset="-128"/>
+                          <a:ea typeface="メイリオ" panose="020B0604030504040204" pitchFamily="50" charset="-128"/>
+                          <a:cs typeface="+mn-cs"/>
+                        </a:rPr>
+                        <a:t>□</a:t>
+                      </a:r>
+                      <a:endParaRPr kumimoji="1" lang="ja-JP" altLang="en-US" sz="1800" b="0" i="0" u="none" strike="noStrike" kern="1200" cap="none" spc="0" normalizeH="0" baseline="0" noProof="0" dirty="0">
+                        <a:ln>
+                          <a:noFill/>
+                        </a:ln>
+                        <a:solidFill>
+                          <a:prstClr val="black"/>
+                        </a:solidFill>
+                        <a:effectLst/>
+                        <a:uLnTx/>
+                        <a:uFillTx/>
+                        <a:latin typeface="メイリオ" panose="020B0604030504040204" pitchFamily="50" charset="-128"/>
+                        <a:ea typeface="メイリオ" panose="020B0604030504040204" pitchFamily="50" charset="-128"/>
+                        <a:cs typeface="+mn-cs"/>
+                      </a:endParaRPr>
+                    </a:p>
+                  </a:txBody>
+                  <a:tcPr anchor="ctr"/>
+                </a:tc>
+                <a:tc>
+                  <a:txBody>
+                    <a:bodyPr/>
+                    <a:lstStyle/>
+                    <a:p>
+                      <a:pPr marL="0" marR="0" lvl="0" indent="0" algn="ctr" defTabSz="914400" rtl="0" eaLnBrk="1" fontAlgn="auto" latinLnBrk="0" hangingPunct="1">
+                        <a:lnSpc>
+                          <a:spcPct val="100000"/>
+                        </a:lnSpc>
+                        <a:spcBef>
+                          <a:spcPts val="0"/>
+                        </a:spcBef>
+                        <a:spcAft>
+                          <a:spcPts val="0"/>
+                        </a:spcAft>
+                        <a:buClrTx/>
+                        <a:buSzTx/>
+                        <a:buFontTx/>
+                        <a:buNone/>
+                        <a:tabLst/>
+                        <a:defRPr/>
+                      </a:pPr>
+                      <a:r>
+                        <a:rPr kumimoji="1" lang="ja-JP" altLang="en-US" sz="1800" b="0" i="0" u="none" strike="noStrike" kern="1200" cap="none" spc="0" normalizeH="0" baseline="0" noProof="0">
+                          <a:ln>
+                            <a:noFill/>
+                          </a:ln>
+                          <a:solidFill>
+                            <a:prstClr val="black"/>
+                          </a:solidFill>
+                          <a:effectLst/>
+                          <a:uLnTx/>
+                          <a:uFillTx/>
+                          <a:latin typeface="メイリオ" panose="020B0604030504040204" pitchFamily="50" charset="-128"/>
+                          <a:ea typeface="メイリオ" panose="020B0604030504040204" pitchFamily="50" charset="-128"/>
+                          <a:cs typeface="+mn-cs"/>
+                        </a:rPr>
+                        <a:t>□</a:t>
+                      </a:r>
+                      <a:endParaRPr kumimoji="1" lang="ja-JP" altLang="en-US" sz="1800" b="0" i="0" u="none" strike="noStrike" kern="1200" cap="none" spc="0" normalizeH="0" baseline="0" noProof="0" dirty="0">
+                        <a:ln>
+                          <a:noFill/>
+                        </a:ln>
+                        <a:solidFill>
+                          <a:prstClr val="black"/>
+                        </a:solidFill>
+                        <a:effectLst/>
+                        <a:uLnTx/>
+                        <a:uFillTx/>
+                        <a:latin typeface="メイリオ" panose="020B0604030504040204" pitchFamily="50" charset="-128"/>
+                        <a:ea typeface="メイリオ" panose="020B0604030504040204" pitchFamily="50" charset="-128"/>
+                        <a:cs typeface="+mn-cs"/>
+                      </a:endParaRPr>
+                    </a:p>
+                  </a:txBody>
+                  <a:tcPr anchor="ctr"/>
+                </a:tc>
+                <a:tc>
+                  <a:txBody>
+                    <a:bodyPr/>
+                    <a:lstStyle/>
+                    <a:p>
+                      <a:pPr marL="0" marR="0" lvl="0" indent="0" algn="ctr" defTabSz="914400" rtl="0" eaLnBrk="1" fontAlgn="auto" latinLnBrk="0" hangingPunct="1">
+                        <a:lnSpc>
+                          <a:spcPct val="100000"/>
+                        </a:lnSpc>
+                        <a:spcBef>
+                          <a:spcPts val="0"/>
+                        </a:spcBef>
+                        <a:spcAft>
+                          <a:spcPts val="0"/>
+                        </a:spcAft>
+                        <a:buClrTx/>
+                        <a:buSzTx/>
+                        <a:buFontTx/>
+                        <a:buNone/>
+                        <a:tabLst/>
+                        <a:defRPr/>
+                      </a:pPr>
+                      <a:r>
+                        <a:rPr kumimoji="1" lang="ja-JP" altLang="en-US" sz="1800" b="0" i="0" u="none" strike="noStrike" kern="1200" cap="none" spc="0" normalizeH="0" baseline="0" noProof="0">
+                          <a:ln>
+                            <a:noFill/>
+                          </a:ln>
+                          <a:solidFill>
+                            <a:prstClr val="black"/>
+                          </a:solidFill>
+                          <a:effectLst/>
+                          <a:uLnTx/>
+                          <a:uFillTx/>
+                          <a:latin typeface="メイリオ" panose="020B0604030504040204" pitchFamily="50" charset="-128"/>
+                          <a:ea typeface="メイリオ" panose="020B0604030504040204" pitchFamily="50" charset="-128"/>
+                          <a:cs typeface="+mn-cs"/>
+                        </a:rPr>
+                        <a:t>□</a:t>
+                      </a:r>
+                      <a:endParaRPr kumimoji="1" lang="ja-JP" altLang="en-US" sz="1800" b="0" i="0" u="none" strike="noStrike" kern="1200" cap="none" spc="0" normalizeH="0" baseline="0" noProof="0" dirty="0">
+                        <a:ln>
+                          <a:noFill/>
+                        </a:ln>
+                        <a:solidFill>
+                          <a:prstClr val="black"/>
+                        </a:solidFill>
+                        <a:effectLst/>
+                        <a:uLnTx/>
+                        <a:uFillTx/>
+                        <a:latin typeface="メイリオ" panose="020B0604030504040204" pitchFamily="50" charset="-128"/>
+                        <a:ea typeface="メイリオ" panose="020B0604030504040204" pitchFamily="50" charset="-128"/>
+                        <a:cs typeface="+mn-cs"/>
+                      </a:endParaRPr>
+                    </a:p>
+                  </a:txBody>
+                  <a:tcPr anchor="ctr"/>
+                </a:tc>
+                <a:extLst>
+                  <a:ext uri="{0D108BD9-81ED-4DB2-BD59-A6C34878D82A}">
+                    <a16:rowId xmlns:a16="http://schemas.microsoft.com/office/drawing/2014/main" val="2259486086"/>
+                  </a:ext>
+                </a:extLst>
+              </a:tr>
+              <a:tr h="370840">
+                <a:tc>
+                  <a:txBody>
+                    <a:bodyPr/>
+                    <a:lstStyle/>
+                    <a:p>
+                      <a:pPr algn="ctr"/>
+                      <a:r>
+                        <a:rPr kumimoji="1" lang="ja-JP" altLang="en-US" dirty="0">
+                          <a:latin typeface="メイリオ" panose="020B0604030504040204" pitchFamily="50" charset="-128"/>
+                          <a:ea typeface="メイリオ" panose="020B0604030504040204" pitchFamily="50" charset="-128"/>
+                        </a:rPr>
+                        <a:t>リーダー</a:t>
+                      </a:r>
+                    </a:p>
+                  </a:txBody>
+                  <a:tcPr anchor="ctr"/>
+                </a:tc>
+                <a:tc>
+                  <a:txBody>
+                    <a:bodyPr/>
+                    <a:lstStyle/>
+                    <a:p>
+                      <a:pPr marL="0" marR="0" lvl="0" indent="0" algn="ctr" defTabSz="914400" rtl="0" eaLnBrk="1" fontAlgn="auto" latinLnBrk="0" hangingPunct="1">
+                        <a:lnSpc>
+                          <a:spcPct val="100000"/>
+                        </a:lnSpc>
+                        <a:spcBef>
+                          <a:spcPts val="0"/>
+                        </a:spcBef>
+                        <a:spcAft>
+                          <a:spcPts val="0"/>
+                        </a:spcAft>
+                        <a:buClrTx/>
+                        <a:buSzTx/>
+                        <a:buFontTx/>
+                        <a:buNone/>
+                        <a:tabLst/>
+                        <a:defRPr/>
+                      </a:pPr>
+                      <a:r>
+                        <a:rPr kumimoji="1" lang="ja-JP" altLang="en-US" sz="1800" b="0" i="0" u="none" strike="noStrike" kern="1200" cap="none" spc="0" normalizeH="0" baseline="0" noProof="0">
+                          <a:ln>
+                            <a:noFill/>
+                          </a:ln>
+                          <a:solidFill>
+                            <a:prstClr val="black"/>
+                          </a:solidFill>
+                          <a:effectLst/>
+                          <a:uLnTx/>
+                          <a:uFillTx/>
+                          <a:latin typeface="メイリオ" panose="020B0604030504040204" pitchFamily="50" charset="-128"/>
+                          <a:ea typeface="メイリオ" panose="020B0604030504040204" pitchFamily="50" charset="-128"/>
+                          <a:cs typeface="+mn-cs"/>
+                        </a:rPr>
+                        <a:t>□</a:t>
+                      </a:r>
+                      <a:endParaRPr kumimoji="1" lang="ja-JP" altLang="en-US" sz="1800" b="0" i="0" u="none" strike="noStrike" kern="1200" cap="none" spc="0" normalizeH="0" baseline="0" noProof="0" dirty="0">
+                        <a:ln>
+                          <a:noFill/>
+                        </a:ln>
+                        <a:solidFill>
+                          <a:prstClr val="black"/>
+                        </a:solidFill>
+                        <a:effectLst/>
+                        <a:uLnTx/>
+                        <a:uFillTx/>
+                        <a:latin typeface="メイリオ" panose="020B0604030504040204" pitchFamily="50" charset="-128"/>
+                        <a:ea typeface="メイリオ" panose="020B0604030504040204" pitchFamily="50" charset="-128"/>
+                        <a:cs typeface="+mn-cs"/>
+                      </a:endParaRPr>
+                    </a:p>
+                  </a:txBody>
+                  <a:tcPr anchor="ctr"/>
+                </a:tc>
+                <a:tc>
+                  <a:txBody>
+                    <a:bodyPr/>
+                    <a:lstStyle/>
+                    <a:p>
+                      <a:pPr marL="0" marR="0" lvl="0" indent="0" algn="ctr" defTabSz="914400" rtl="0" eaLnBrk="1" fontAlgn="auto" latinLnBrk="0" hangingPunct="1">
+                        <a:lnSpc>
+                          <a:spcPct val="100000"/>
+                        </a:lnSpc>
+                        <a:spcBef>
+                          <a:spcPts val="0"/>
+                        </a:spcBef>
+                        <a:spcAft>
+                          <a:spcPts val="0"/>
+                        </a:spcAft>
+                        <a:buClrTx/>
+                        <a:buSzTx/>
+                        <a:buFontTx/>
+                        <a:buNone/>
+                        <a:tabLst/>
+                        <a:defRPr/>
+                      </a:pPr>
+                      <a:r>
+                        <a:rPr kumimoji="1" lang="ja-JP" altLang="en-US" sz="1800" b="0" i="0" u="none" strike="noStrike" kern="1200" cap="none" spc="0" normalizeH="0" baseline="0" noProof="0" dirty="0">
+                          <a:ln>
+                            <a:noFill/>
+                          </a:ln>
+                          <a:solidFill>
+                            <a:prstClr val="black"/>
+                          </a:solidFill>
+                          <a:effectLst/>
+                          <a:uLnTx/>
+                          <a:uFillTx/>
+                          <a:latin typeface="メイリオ" panose="020B0604030504040204" pitchFamily="50" charset="-128"/>
+                          <a:ea typeface="メイリオ" panose="020B0604030504040204" pitchFamily="50" charset="-128"/>
+                          <a:cs typeface="+mn-cs"/>
+                        </a:rPr>
+                        <a:t>■</a:t>
+                      </a:r>
+                    </a:p>
+                  </a:txBody>
+                  <a:tcPr anchor="ctr"/>
+                </a:tc>
+                <a:tc>
+                  <a:txBody>
+                    <a:bodyPr/>
+                    <a:lstStyle/>
+                    <a:p>
+                      <a:pPr marL="0" marR="0" lvl="0" indent="0" algn="ctr" defTabSz="914400" rtl="0" eaLnBrk="1" fontAlgn="auto" latinLnBrk="0" hangingPunct="1">
+                        <a:lnSpc>
+                          <a:spcPct val="100000"/>
+                        </a:lnSpc>
+                        <a:spcBef>
+                          <a:spcPts val="0"/>
+                        </a:spcBef>
+                        <a:spcAft>
+                          <a:spcPts val="0"/>
+                        </a:spcAft>
+                        <a:buClrTx/>
+                        <a:buSzTx/>
+                        <a:buFontTx/>
+                        <a:buNone/>
+                        <a:tabLst/>
+                        <a:defRPr/>
+                      </a:pPr>
+                      <a:r>
+                        <a:rPr kumimoji="1" lang="ja-JP" altLang="en-US" sz="1800" b="0" i="0" u="none" strike="noStrike" kern="1200" cap="none" spc="0" normalizeH="0" baseline="0" noProof="0">
+                          <a:ln>
+                            <a:noFill/>
+                          </a:ln>
+                          <a:solidFill>
+                            <a:prstClr val="black"/>
+                          </a:solidFill>
+                          <a:effectLst/>
+                          <a:uLnTx/>
+                          <a:uFillTx/>
+                          <a:latin typeface="メイリオ" panose="020B0604030504040204" pitchFamily="50" charset="-128"/>
+                          <a:ea typeface="メイリオ" panose="020B0604030504040204" pitchFamily="50" charset="-128"/>
+                          <a:cs typeface="+mn-cs"/>
+                        </a:rPr>
+                        <a:t>□</a:t>
+                      </a:r>
+                      <a:endParaRPr kumimoji="1" lang="ja-JP" altLang="en-US" sz="1800" b="0" i="0" u="none" strike="noStrike" kern="1200" cap="none" spc="0" normalizeH="0" baseline="0" noProof="0" dirty="0">
+                        <a:ln>
+                          <a:noFill/>
+                        </a:ln>
+                        <a:solidFill>
+                          <a:prstClr val="black"/>
+                        </a:solidFill>
+                        <a:effectLst/>
+                        <a:uLnTx/>
+                        <a:uFillTx/>
+                        <a:latin typeface="メイリオ" panose="020B0604030504040204" pitchFamily="50" charset="-128"/>
+                        <a:ea typeface="メイリオ" panose="020B0604030504040204" pitchFamily="50" charset="-128"/>
+                        <a:cs typeface="+mn-cs"/>
+                      </a:endParaRPr>
+                    </a:p>
+                  </a:txBody>
+                  <a:tcPr anchor="ctr"/>
+                </a:tc>
+                <a:tc>
+                  <a:txBody>
+                    <a:bodyPr/>
+                    <a:lstStyle/>
+                    <a:p>
+                      <a:pPr marL="0" marR="0" lvl="0" indent="0" algn="ctr" defTabSz="914400" rtl="0" eaLnBrk="1" fontAlgn="auto" latinLnBrk="0" hangingPunct="1">
+                        <a:lnSpc>
+                          <a:spcPct val="100000"/>
+                        </a:lnSpc>
+                        <a:spcBef>
+                          <a:spcPts val="0"/>
+                        </a:spcBef>
+                        <a:spcAft>
+                          <a:spcPts val="0"/>
+                        </a:spcAft>
+                        <a:buClrTx/>
+                        <a:buSzTx/>
+                        <a:buFontTx/>
+                        <a:buNone/>
+                        <a:tabLst/>
+                        <a:defRPr/>
+                      </a:pPr>
+                      <a:r>
+                        <a:rPr kumimoji="1" lang="ja-JP" altLang="en-US" sz="1800" b="0" i="0" u="none" strike="noStrike" kern="1200" cap="none" spc="0" normalizeH="0" baseline="0" noProof="0">
+                          <a:ln>
+                            <a:noFill/>
+                          </a:ln>
+                          <a:solidFill>
+                            <a:prstClr val="black"/>
+                          </a:solidFill>
+                          <a:effectLst/>
+                          <a:uLnTx/>
+                          <a:uFillTx/>
+                          <a:latin typeface="メイリオ" panose="020B0604030504040204" pitchFamily="50" charset="-128"/>
+                          <a:ea typeface="メイリオ" panose="020B0604030504040204" pitchFamily="50" charset="-128"/>
+                          <a:cs typeface="+mn-cs"/>
+                        </a:rPr>
+                        <a:t>□</a:t>
+                      </a:r>
+                      <a:endParaRPr kumimoji="1" lang="ja-JP" altLang="en-US" sz="1800" b="0" i="0" u="none" strike="noStrike" kern="1200" cap="none" spc="0" normalizeH="0" baseline="0" noProof="0" dirty="0">
+                        <a:ln>
+                          <a:noFill/>
+                        </a:ln>
+                        <a:solidFill>
+                          <a:prstClr val="black"/>
+                        </a:solidFill>
+                        <a:effectLst/>
+                        <a:uLnTx/>
+                        <a:uFillTx/>
+                        <a:latin typeface="メイリオ" panose="020B0604030504040204" pitchFamily="50" charset="-128"/>
+                        <a:ea typeface="メイリオ" panose="020B0604030504040204" pitchFamily="50" charset="-128"/>
+                        <a:cs typeface="+mn-cs"/>
+                      </a:endParaRPr>
+                    </a:p>
+                  </a:txBody>
+                  <a:tcPr anchor="ctr"/>
+                </a:tc>
+                <a:tc>
+                  <a:txBody>
+                    <a:bodyPr/>
+                    <a:lstStyle/>
+                    <a:p>
+                      <a:pPr algn="ctr"/>
+                      <a:endParaRPr kumimoji="1" lang="ja-JP" altLang="en-US" dirty="0">
+                        <a:latin typeface="メイリオ" panose="020B0604030504040204" pitchFamily="50" charset="-128"/>
+                        <a:ea typeface="メイリオ" panose="020B0604030504040204" pitchFamily="50" charset="-128"/>
+                      </a:endParaRPr>
+                    </a:p>
+                  </a:txBody>
+                  <a:tcPr anchor="ctr"/>
+                </a:tc>
+                <a:tc>
+                  <a:txBody>
+                    <a:bodyPr/>
+                    <a:lstStyle/>
+                    <a:p>
+                      <a:pPr marL="0" marR="0" lvl="0" indent="0" algn="ctr" defTabSz="914400" rtl="0" eaLnBrk="1" fontAlgn="auto" latinLnBrk="0" hangingPunct="1">
+                        <a:lnSpc>
+                          <a:spcPct val="100000"/>
+                        </a:lnSpc>
+                        <a:spcBef>
+                          <a:spcPts val="0"/>
+                        </a:spcBef>
+                        <a:spcAft>
+                          <a:spcPts val="0"/>
+                        </a:spcAft>
+                        <a:buClrTx/>
+                        <a:buSzTx/>
+                        <a:buFontTx/>
+                        <a:buNone/>
+                        <a:tabLst/>
+                        <a:defRPr/>
+                      </a:pPr>
+                      <a:r>
+                        <a:rPr kumimoji="1" lang="ja-JP" altLang="en-US" sz="1800" b="0" i="0" u="none" strike="noStrike" kern="1200" cap="none" spc="0" normalizeH="0" baseline="0" noProof="0">
+                          <a:ln>
+                            <a:noFill/>
+                          </a:ln>
+                          <a:solidFill>
+                            <a:prstClr val="black"/>
+                          </a:solidFill>
+                          <a:effectLst/>
+                          <a:uLnTx/>
+                          <a:uFillTx/>
+                          <a:latin typeface="メイリオ" panose="020B0604030504040204" pitchFamily="50" charset="-128"/>
+                          <a:ea typeface="メイリオ" panose="020B0604030504040204" pitchFamily="50" charset="-128"/>
+                          <a:cs typeface="+mn-cs"/>
+                        </a:rPr>
+                        <a:t>□</a:t>
+                      </a:r>
+                      <a:endParaRPr kumimoji="1" lang="ja-JP" altLang="en-US" sz="1800" b="0" i="0" u="none" strike="noStrike" kern="1200" cap="none" spc="0" normalizeH="0" baseline="0" noProof="0" dirty="0">
+                        <a:ln>
+                          <a:noFill/>
+                        </a:ln>
+                        <a:solidFill>
+                          <a:prstClr val="black"/>
+                        </a:solidFill>
+                        <a:effectLst/>
+                        <a:uLnTx/>
+                        <a:uFillTx/>
+                        <a:latin typeface="メイリオ" panose="020B0604030504040204" pitchFamily="50" charset="-128"/>
+                        <a:ea typeface="メイリオ" panose="020B0604030504040204" pitchFamily="50" charset="-128"/>
+                        <a:cs typeface="+mn-cs"/>
+                      </a:endParaRPr>
+                    </a:p>
+                  </a:txBody>
+                  <a:tcPr anchor="ctr"/>
+                </a:tc>
+                <a:tc>
+                  <a:txBody>
+                    <a:bodyPr/>
+                    <a:lstStyle/>
+                    <a:p>
+                      <a:pPr marL="0" marR="0" lvl="0" indent="0" algn="ctr" defTabSz="914400" rtl="0" eaLnBrk="1" fontAlgn="auto" latinLnBrk="0" hangingPunct="1">
+                        <a:lnSpc>
+                          <a:spcPct val="100000"/>
+                        </a:lnSpc>
+                        <a:spcBef>
+                          <a:spcPts val="0"/>
+                        </a:spcBef>
+                        <a:spcAft>
+                          <a:spcPts val="0"/>
+                        </a:spcAft>
+                        <a:buClrTx/>
+                        <a:buSzTx/>
+                        <a:buFontTx/>
+                        <a:buNone/>
+                        <a:tabLst/>
+                        <a:defRPr/>
+                      </a:pPr>
+                      <a:r>
+                        <a:rPr kumimoji="1" lang="ja-JP" altLang="en-US" sz="1800" b="0" i="0" u="none" strike="noStrike" kern="1200" cap="none" spc="0" normalizeH="0" baseline="0" noProof="0">
+                          <a:ln>
+                            <a:noFill/>
+                          </a:ln>
+                          <a:solidFill>
+                            <a:prstClr val="black"/>
+                          </a:solidFill>
+                          <a:effectLst/>
+                          <a:uLnTx/>
+                          <a:uFillTx/>
+                          <a:latin typeface="メイリオ" panose="020B0604030504040204" pitchFamily="50" charset="-128"/>
+                          <a:ea typeface="メイリオ" panose="020B0604030504040204" pitchFamily="50" charset="-128"/>
+                          <a:cs typeface="+mn-cs"/>
+                        </a:rPr>
+                        <a:t>□</a:t>
+                      </a:r>
+                      <a:endParaRPr kumimoji="1" lang="ja-JP" altLang="en-US" sz="1800" b="0" i="0" u="none" strike="noStrike" kern="1200" cap="none" spc="0" normalizeH="0" baseline="0" noProof="0" dirty="0">
+                        <a:ln>
+                          <a:noFill/>
+                        </a:ln>
+                        <a:solidFill>
+                          <a:prstClr val="black"/>
+                        </a:solidFill>
+                        <a:effectLst/>
+                        <a:uLnTx/>
+                        <a:uFillTx/>
+                        <a:latin typeface="メイリオ" panose="020B0604030504040204" pitchFamily="50" charset="-128"/>
+                        <a:ea typeface="メイリオ" panose="020B0604030504040204" pitchFamily="50" charset="-128"/>
+                        <a:cs typeface="+mn-cs"/>
+                      </a:endParaRPr>
+                    </a:p>
+                  </a:txBody>
+                  <a:tcPr anchor="ctr"/>
+                </a:tc>
+                <a:tc>
+                  <a:txBody>
+                    <a:bodyPr/>
+                    <a:lstStyle/>
+                    <a:p>
+                      <a:pPr marL="0" marR="0" lvl="0" indent="0" algn="ctr" defTabSz="914400" rtl="0" eaLnBrk="1" fontAlgn="auto" latinLnBrk="0" hangingPunct="1">
+                        <a:lnSpc>
+                          <a:spcPct val="100000"/>
+                        </a:lnSpc>
+                        <a:spcBef>
+                          <a:spcPts val="0"/>
+                        </a:spcBef>
+                        <a:spcAft>
+                          <a:spcPts val="0"/>
+                        </a:spcAft>
+                        <a:buClrTx/>
+                        <a:buSzTx/>
+                        <a:buFontTx/>
+                        <a:buNone/>
+                        <a:tabLst/>
+                        <a:defRPr/>
+                      </a:pPr>
+                      <a:r>
+                        <a:rPr kumimoji="1" lang="ja-JP" altLang="en-US" sz="1800" b="0" i="0" u="none" strike="noStrike" kern="1200" cap="none" spc="0" normalizeH="0" baseline="0" noProof="0">
+                          <a:ln>
+                            <a:noFill/>
+                          </a:ln>
+                          <a:solidFill>
+                            <a:prstClr val="black"/>
+                          </a:solidFill>
+                          <a:effectLst/>
+                          <a:uLnTx/>
+                          <a:uFillTx/>
+                          <a:latin typeface="メイリオ" panose="020B0604030504040204" pitchFamily="50" charset="-128"/>
+                          <a:ea typeface="メイリオ" panose="020B0604030504040204" pitchFamily="50" charset="-128"/>
+                          <a:cs typeface="+mn-cs"/>
+                        </a:rPr>
+                        <a:t>□</a:t>
+                      </a:r>
+                      <a:endParaRPr kumimoji="1" lang="ja-JP" altLang="en-US" sz="1800" b="0" i="0" u="none" strike="noStrike" kern="1200" cap="none" spc="0" normalizeH="0" baseline="0" noProof="0" dirty="0">
+                        <a:ln>
+                          <a:noFill/>
+                        </a:ln>
+                        <a:solidFill>
+                          <a:prstClr val="black"/>
+                        </a:solidFill>
+                        <a:effectLst/>
+                        <a:uLnTx/>
+                        <a:uFillTx/>
+                        <a:latin typeface="メイリオ" panose="020B0604030504040204" pitchFamily="50" charset="-128"/>
+                        <a:ea typeface="メイリオ" panose="020B0604030504040204" pitchFamily="50" charset="-128"/>
+                        <a:cs typeface="+mn-cs"/>
+                      </a:endParaRPr>
+                    </a:p>
+                  </a:txBody>
+                  <a:tcPr anchor="ctr"/>
+                </a:tc>
+                <a:tc>
+                  <a:txBody>
+                    <a:bodyPr/>
+                    <a:lstStyle/>
+                    <a:p>
+                      <a:pPr marL="0" marR="0" lvl="0" indent="0" algn="ctr" defTabSz="914400" rtl="0" eaLnBrk="1" fontAlgn="auto" latinLnBrk="0" hangingPunct="1">
+                        <a:lnSpc>
+                          <a:spcPct val="100000"/>
+                        </a:lnSpc>
+                        <a:spcBef>
+                          <a:spcPts val="0"/>
+                        </a:spcBef>
+                        <a:spcAft>
+                          <a:spcPts val="0"/>
+                        </a:spcAft>
+                        <a:buClrTx/>
+                        <a:buSzTx/>
+                        <a:buFontTx/>
+                        <a:buNone/>
+                        <a:tabLst/>
+                        <a:defRPr/>
+                      </a:pPr>
+                      <a:r>
+                        <a:rPr kumimoji="1" lang="ja-JP" altLang="en-US" sz="1800" b="0" i="0" u="none" strike="noStrike" kern="1200" cap="none" spc="0" normalizeH="0" baseline="0" noProof="0">
+                          <a:ln>
+                            <a:noFill/>
+                          </a:ln>
+                          <a:solidFill>
+                            <a:prstClr val="black"/>
+                          </a:solidFill>
+                          <a:effectLst/>
+                          <a:uLnTx/>
+                          <a:uFillTx/>
+                          <a:latin typeface="メイリオ" panose="020B0604030504040204" pitchFamily="50" charset="-128"/>
+                          <a:ea typeface="メイリオ" panose="020B0604030504040204" pitchFamily="50" charset="-128"/>
+                          <a:cs typeface="+mn-cs"/>
+                        </a:rPr>
+                        <a:t>□</a:t>
+                      </a:r>
+                      <a:endParaRPr kumimoji="1" lang="ja-JP" altLang="en-US" sz="1800" b="0" i="0" u="none" strike="noStrike" kern="1200" cap="none" spc="0" normalizeH="0" baseline="0" noProof="0" dirty="0">
+                        <a:ln>
+                          <a:noFill/>
+                        </a:ln>
+                        <a:solidFill>
+                          <a:prstClr val="black"/>
+                        </a:solidFill>
+                        <a:effectLst/>
+                        <a:uLnTx/>
+                        <a:uFillTx/>
+                        <a:latin typeface="メイリオ" panose="020B0604030504040204" pitchFamily="50" charset="-128"/>
+                        <a:ea typeface="メイリオ" panose="020B0604030504040204" pitchFamily="50" charset="-128"/>
+                        <a:cs typeface="+mn-cs"/>
+                      </a:endParaRPr>
+                    </a:p>
+                  </a:txBody>
+                  <a:tcPr anchor="ctr"/>
+                </a:tc>
+                <a:tc>
+                  <a:txBody>
+                    <a:bodyPr/>
+                    <a:lstStyle/>
+                    <a:p>
+                      <a:pPr algn="ctr"/>
+                      <a:endParaRPr kumimoji="1" lang="ja-JP" altLang="en-US">
+                        <a:latin typeface="メイリオ" panose="020B0604030504040204" pitchFamily="50" charset="-128"/>
+                        <a:ea typeface="メイリオ" panose="020B0604030504040204" pitchFamily="50" charset="-128"/>
+                      </a:endParaRPr>
+                    </a:p>
+                  </a:txBody>
+                  <a:tcPr anchor="ctr"/>
+                </a:tc>
+                <a:tc>
+                  <a:txBody>
+                    <a:bodyPr/>
+                    <a:lstStyle/>
+                    <a:p>
+                      <a:pPr marL="0" marR="0" lvl="0" indent="0" algn="ctr" defTabSz="914400" rtl="0" eaLnBrk="1" fontAlgn="auto" latinLnBrk="0" hangingPunct="1">
+                        <a:lnSpc>
+                          <a:spcPct val="100000"/>
+                        </a:lnSpc>
+                        <a:spcBef>
+                          <a:spcPts val="0"/>
+                        </a:spcBef>
+                        <a:spcAft>
+                          <a:spcPts val="0"/>
+                        </a:spcAft>
+                        <a:buClrTx/>
+                        <a:buSzTx/>
+                        <a:buFontTx/>
+                        <a:buNone/>
+                        <a:tabLst/>
+                        <a:defRPr/>
+                      </a:pPr>
+                      <a:r>
+                        <a:rPr kumimoji="1" lang="ja-JP" altLang="en-US" sz="1800" b="0" i="0" u="none" strike="noStrike" kern="1200" cap="none" spc="0" normalizeH="0" baseline="0" noProof="0">
+                          <a:ln>
+                            <a:noFill/>
+                          </a:ln>
+                          <a:solidFill>
+                            <a:prstClr val="black"/>
+                          </a:solidFill>
+                          <a:effectLst/>
+                          <a:uLnTx/>
+                          <a:uFillTx/>
+                          <a:latin typeface="メイリオ" panose="020B0604030504040204" pitchFamily="50" charset="-128"/>
+                          <a:ea typeface="メイリオ" panose="020B0604030504040204" pitchFamily="50" charset="-128"/>
+                          <a:cs typeface="+mn-cs"/>
+                        </a:rPr>
+                        <a:t>□</a:t>
+                      </a:r>
+                      <a:endParaRPr kumimoji="1" lang="ja-JP" altLang="en-US" sz="1800" b="0" i="0" u="none" strike="noStrike" kern="1200" cap="none" spc="0" normalizeH="0" baseline="0" noProof="0" dirty="0">
+                        <a:ln>
+                          <a:noFill/>
+                        </a:ln>
+                        <a:solidFill>
+                          <a:prstClr val="black"/>
+                        </a:solidFill>
+                        <a:effectLst/>
+                        <a:uLnTx/>
+                        <a:uFillTx/>
+                        <a:latin typeface="メイリオ" panose="020B0604030504040204" pitchFamily="50" charset="-128"/>
+                        <a:ea typeface="メイリオ" panose="020B0604030504040204" pitchFamily="50" charset="-128"/>
+                        <a:cs typeface="+mn-cs"/>
+                      </a:endParaRPr>
+                    </a:p>
+                  </a:txBody>
+                  <a:tcPr anchor="ctr"/>
+                </a:tc>
+                <a:tc>
+                  <a:txBody>
+                    <a:bodyPr/>
+                    <a:lstStyle/>
+                    <a:p>
+                      <a:pPr marL="0" marR="0" lvl="0" indent="0" algn="ctr" defTabSz="914400" rtl="0" eaLnBrk="1" fontAlgn="auto" latinLnBrk="0" hangingPunct="1">
+                        <a:lnSpc>
+                          <a:spcPct val="100000"/>
+                        </a:lnSpc>
+                        <a:spcBef>
+                          <a:spcPts val="0"/>
+                        </a:spcBef>
+                        <a:spcAft>
+                          <a:spcPts val="0"/>
+                        </a:spcAft>
+                        <a:buClrTx/>
+                        <a:buSzTx/>
+                        <a:buFontTx/>
+                        <a:buNone/>
+                        <a:tabLst/>
+                        <a:defRPr/>
+                      </a:pPr>
+                      <a:r>
+                        <a:rPr kumimoji="1" lang="ja-JP" altLang="en-US" sz="1800" b="0" i="0" u="none" strike="noStrike" kern="1200" cap="none" spc="0" normalizeH="0" baseline="0" noProof="0">
+                          <a:ln>
+                            <a:noFill/>
+                          </a:ln>
+                          <a:solidFill>
+                            <a:prstClr val="black"/>
+                          </a:solidFill>
+                          <a:effectLst/>
+                          <a:uLnTx/>
+                          <a:uFillTx/>
+                          <a:latin typeface="メイリオ" panose="020B0604030504040204" pitchFamily="50" charset="-128"/>
+                          <a:ea typeface="メイリオ" panose="020B0604030504040204" pitchFamily="50" charset="-128"/>
+                          <a:cs typeface="+mn-cs"/>
+                        </a:rPr>
+                        <a:t>□</a:t>
+                      </a:r>
+                      <a:endParaRPr kumimoji="1" lang="ja-JP" altLang="en-US" sz="1800" b="0" i="0" u="none" strike="noStrike" kern="1200" cap="none" spc="0" normalizeH="0" baseline="0" noProof="0" dirty="0">
+                        <a:ln>
+                          <a:noFill/>
+                        </a:ln>
+                        <a:solidFill>
+                          <a:prstClr val="black"/>
+                        </a:solidFill>
+                        <a:effectLst/>
+                        <a:uLnTx/>
+                        <a:uFillTx/>
+                        <a:latin typeface="メイリオ" panose="020B0604030504040204" pitchFamily="50" charset="-128"/>
+                        <a:ea typeface="メイリオ" panose="020B0604030504040204" pitchFamily="50" charset="-128"/>
+                        <a:cs typeface="+mn-cs"/>
+                      </a:endParaRPr>
+                    </a:p>
+                  </a:txBody>
+                  <a:tcPr anchor="ctr"/>
+                </a:tc>
+                <a:tc>
+                  <a:txBody>
+                    <a:bodyPr/>
+                    <a:lstStyle/>
+                    <a:p>
+                      <a:pPr marL="0" marR="0" lvl="0" indent="0" algn="ctr" defTabSz="914400" rtl="0" eaLnBrk="1" fontAlgn="auto" latinLnBrk="0" hangingPunct="1">
+                        <a:lnSpc>
+                          <a:spcPct val="100000"/>
+                        </a:lnSpc>
+                        <a:spcBef>
+                          <a:spcPts val="0"/>
+                        </a:spcBef>
+                        <a:spcAft>
+                          <a:spcPts val="0"/>
+                        </a:spcAft>
+                        <a:buClrTx/>
+                        <a:buSzTx/>
+                        <a:buFontTx/>
+                        <a:buNone/>
+                        <a:tabLst/>
+                        <a:defRPr/>
+                      </a:pPr>
+                      <a:r>
+                        <a:rPr kumimoji="1" lang="ja-JP" altLang="en-US" sz="1800" b="0" i="0" u="none" strike="noStrike" kern="1200" cap="none" spc="0" normalizeH="0" baseline="0" noProof="0">
+                          <a:ln>
+                            <a:noFill/>
+                          </a:ln>
+                          <a:solidFill>
+                            <a:prstClr val="black"/>
+                          </a:solidFill>
+                          <a:effectLst/>
+                          <a:uLnTx/>
+                          <a:uFillTx/>
+                          <a:latin typeface="メイリオ" panose="020B0604030504040204" pitchFamily="50" charset="-128"/>
+                          <a:ea typeface="メイリオ" panose="020B0604030504040204" pitchFamily="50" charset="-128"/>
+                          <a:cs typeface="+mn-cs"/>
+                        </a:rPr>
+                        <a:t>□</a:t>
+                      </a:r>
+                      <a:endParaRPr kumimoji="1" lang="ja-JP" altLang="en-US" sz="1800" b="0" i="0" u="none" strike="noStrike" kern="1200" cap="none" spc="0" normalizeH="0" baseline="0" noProof="0" dirty="0">
+                        <a:ln>
+                          <a:noFill/>
+                        </a:ln>
+                        <a:solidFill>
+                          <a:prstClr val="black"/>
+                        </a:solidFill>
+                        <a:effectLst/>
+                        <a:uLnTx/>
+                        <a:uFillTx/>
+                        <a:latin typeface="メイリオ" panose="020B0604030504040204" pitchFamily="50" charset="-128"/>
+                        <a:ea typeface="メイリオ" panose="020B0604030504040204" pitchFamily="50" charset="-128"/>
+                        <a:cs typeface="+mn-cs"/>
+                      </a:endParaRPr>
+                    </a:p>
+                  </a:txBody>
+                  <a:tcPr anchor="ctr"/>
+                </a:tc>
+                <a:tc>
+                  <a:txBody>
+                    <a:bodyPr/>
+                    <a:lstStyle/>
+                    <a:p>
+                      <a:pPr marL="0" marR="0" lvl="0" indent="0" algn="ctr" defTabSz="914400" rtl="0" eaLnBrk="1" fontAlgn="auto" latinLnBrk="0" hangingPunct="1">
+                        <a:lnSpc>
+                          <a:spcPct val="100000"/>
+                        </a:lnSpc>
+                        <a:spcBef>
+                          <a:spcPts val="0"/>
+                        </a:spcBef>
+                        <a:spcAft>
+                          <a:spcPts val="0"/>
+                        </a:spcAft>
+                        <a:buClrTx/>
+                        <a:buSzTx/>
+                        <a:buFontTx/>
+                        <a:buNone/>
+                        <a:tabLst/>
+                        <a:defRPr/>
+                      </a:pPr>
+                      <a:r>
+                        <a:rPr kumimoji="1" lang="ja-JP" altLang="en-US" sz="1800" b="0" i="0" u="none" strike="noStrike" kern="1200" cap="none" spc="0" normalizeH="0" baseline="0" noProof="0">
+                          <a:ln>
+                            <a:noFill/>
+                          </a:ln>
+                          <a:solidFill>
+                            <a:prstClr val="black"/>
+                          </a:solidFill>
+                          <a:effectLst/>
+                          <a:uLnTx/>
+                          <a:uFillTx/>
+                          <a:latin typeface="メイリオ" panose="020B0604030504040204" pitchFamily="50" charset="-128"/>
+                          <a:ea typeface="メイリオ" panose="020B0604030504040204" pitchFamily="50" charset="-128"/>
+                          <a:cs typeface="+mn-cs"/>
+                        </a:rPr>
+                        <a:t>□</a:t>
+                      </a:r>
+                      <a:endParaRPr kumimoji="1" lang="ja-JP" altLang="en-US" sz="1800" b="0" i="0" u="none" strike="noStrike" kern="1200" cap="none" spc="0" normalizeH="0" baseline="0" noProof="0" dirty="0">
+                        <a:ln>
+                          <a:noFill/>
+                        </a:ln>
+                        <a:solidFill>
+                          <a:prstClr val="black"/>
+                        </a:solidFill>
+                        <a:effectLst/>
+                        <a:uLnTx/>
+                        <a:uFillTx/>
+                        <a:latin typeface="メイリオ" panose="020B0604030504040204" pitchFamily="50" charset="-128"/>
+                        <a:ea typeface="メイリオ" panose="020B0604030504040204" pitchFamily="50" charset="-128"/>
+                        <a:cs typeface="+mn-cs"/>
+                      </a:endParaRPr>
+                    </a:p>
+                  </a:txBody>
+                  <a:tcPr anchor="ctr"/>
+                </a:tc>
+                <a:extLst>
+                  <a:ext uri="{0D108BD9-81ED-4DB2-BD59-A6C34878D82A}">
+                    <a16:rowId xmlns:a16="http://schemas.microsoft.com/office/drawing/2014/main" val="3364330630"/>
+                  </a:ext>
+                </a:extLst>
+              </a:tr>
+              <a:tr h="370840">
+                <a:tc>
+                  <a:txBody>
+                    <a:bodyPr/>
+                    <a:lstStyle/>
+                    <a:p>
+                      <a:pPr algn="ctr"/>
+                      <a:r>
+                        <a:rPr kumimoji="1" lang="ja-JP" altLang="en-US" dirty="0">
+                          <a:latin typeface="メイリオ" panose="020B0604030504040204" pitchFamily="50" charset="-128"/>
+                          <a:ea typeface="メイリオ" panose="020B0604030504040204" pitchFamily="50" charset="-128"/>
+                        </a:rPr>
+                        <a:t>サブ</a:t>
+                      </a:r>
+                    </a:p>
+                  </a:txBody>
+                  <a:tcPr anchor="ctr"/>
+                </a:tc>
+                <a:tc>
+                  <a:txBody>
+                    <a:bodyPr/>
+                    <a:lstStyle/>
+                    <a:p>
+                      <a:pPr marL="0" marR="0" lvl="0" indent="0" algn="ctr" defTabSz="914400" rtl="0" eaLnBrk="1" fontAlgn="auto" latinLnBrk="0" hangingPunct="1">
+                        <a:lnSpc>
+                          <a:spcPct val="100000"/>
+                        </a:lnSpc>
+                        <a:spcBef>
+                          <a:spcPts val="0"/>
+                        </a:spcBef>
+                        <a:spcAft>
+                          <a:spcPts val="0"/>
+                        </a:spcAft>
+                        <a:buClrTx/>
+                        <a:buSzTx/>
+                        <a:buFontTx/>
+                        <a:buNone/>
+                        <a:tabLst/>
+                        <a:defRPr/>
+                      </a:pPr>
+                      <a:endParaRPr kumimoji="1" lang="ja-JP" altLang="en-US" sz="1800" b="0" i="0" u="none" strike="noStrike" kern="1200" cap="none" spc="0" normalizeH="0" baseline="0" noProof="0" dirty="0">
+                        <a:ln>
+                          <a:noFill/>
+                        </a:ln>
+                        <a:solidFill>
+                          <a:prstClr val="black"/>
+                        </a:solidFill>
+                        <a:effectLst/>
+                        <a:uLnTx/>
+                        <a:uFillTx/>
+                        <a:latin typeface="メイリオ" panose="020B0604030504040204" pitchFamily="50" charset="-128"/>
+                        <a:ea typeface="メイリオ" panose="020B0604030504040204" pitchFamily="50" charset="-128"/>
+                        <a:cs typeface="+mn-cs"/>
+                      </a:endParaRPr>
+                    </a:p>
+                  </a:txBody>
+                  <a:tcPr anchor="ctr"/>
+                </a:tc>
+                <a:tc>
+                  <a:txBody>
+                    <a:bodyPr/>
+                    <a:lstStyle/>
+                    <a:p>
+                      <a:pPr marL="0" marR="0" lvl="0" indent="0" algn="ctr" defTabSz="914400" rtl="0" eaLnBrk="1" fontAlgn="auto" latinLnBrk="0" hangingPunct="1">
+                        <a:lnSpc>
+                          <a:spcPct val="100000"/>
+                        </a:lnSpc>
+                        <a:spcBef>
+                          <a:spcPts val="0"/>
+                        </a:spcBef>
+                        <a:spcAft>
+                          <a:spcPts val="0"/>
+                        </a:spcAft>
+                        <a:buClrTx/>
+                        <a:buSzTx/>
+                        <a:buFontTx/>
+                        <a:buNone/>
+                        <a:tabLst/>
+                        <a:defRPr/>
+                      </a:pPr>
+                      <a:r>
+                        <a:rPr kumimoji="1" lang="ja-JP" altLang="en-US" sz="1800" b="0" i="0" u="none" strike="noStrike" kern="1200" cap="none" spc="0" normalizeH="0" baseline="0" noProof="0">
+                          <a:ln>
+                            <a:noFill/>
+                          </a:ln>
+                          <a:solidFill>
+                            <a:prstClr val="black"/>
+                          </a:solidFill>
+                          <a:effectLst/>
+                          <a:uLnTx/>
+                          <a:uFillTx/>
+                          <a:latin typeface="メイリオ" panose="020B0604030504040204" pitchFamily="50" charset="-128"/>
+                          <a:ea typeface="メイリオ" panose="020B0604030504040204" pitchFamily="50" charset="-128"/>
+                          <a:cs typeface="+mn-cs"/>
+                        </a:rPr>
+                        <a:t>□</a:t>
+                      </a:r>
+                      <a:endParaRPr kumimoji="1" lang="ja-JP" altLang="en-US" sz="1800" b="0" i="0" u="none" strike="noStrike" kern="1200" cap="none" spc="0" normalizeH="0" baseline="0" noProof="0" dirty="0">
+                        <a:ln>
+                          <a:noFill/>
+                        </a:ln>
+                        <a:solidFill>
+                          <a:prstClr val="black"/>
+                        </a:solidFill>
+                        <a:effectLst/>
+                        <a:uLnTx/>
+                        <a:uFillTx/>
+                        <a:latin typeface="メイリオ" panose="020B0604030504040204" pitchFamily="50" charset="-128"/>
+                        <a:ea typeface="メイリオ" panose="020B0604030504040204" pitchFamily="50" charset="-128"/>
+                        <a:cs typeface="+mn-cs"/>
+                      </a:endParaRPr>
+                    </a:p>
+                  </a:txBody>
+                  <a:tcPr anchor="ctr"/>
+                </a:tc>
+                <a:tc>
+                  <a:txBody>
+                    <a:bodyPr/>
+                    <a:lstStyle/>
+                    <a:p>
+                      <a:pPr marL="0" marR="0" lvl="0" indent="0" algn="ctr" defTabSz="914400" rtl="0" eaLnBrk="1" fontAlgn="auto" latinLnBrk="0" hangingPunct="1">
+                        <a:lnSpc>
+                          <a:spcPct val="100000"/>
+                        </a:lnSpc>
+                        <a:spcBef>
+                          <a:spcPts val="0"/>
+                        </a:spcBef>
+                        <a:spcAft>
+                          <a:spcPts val="0"/>
+                        </a:spcAft>
+                        <a:buClrTx/>
+                        <a:buSzTx/>
+                        <a:buFontTx/>
+                        <a:buNone/>
+                        <a:tabLst/>
+                        <a:defRPr/>
+                      </a:pPr>
+                      <a:r>
+                        <a:rPr kumimoji="1" lang="ja-JP" altLang="en-US" sz="1800" b="0" i="0" u="none" strike="noStrike" kern="1200" cap="none" spc="0" normalizeH="0" baseline="0" noProof="0">
+                          <a:ln>
+                            <a:noFill/>
+                          </a:ln>
+                          <a:solidFill>
+                            <a:prstClr val="black"/>
+                          </a:solidFill>
+                          <a:effectLst/>
+                          <a:uLnTx/>
+                          <a:uFillTx/>
+                          <a:latin typeface="メイリオ" panose="020B0604030504040204" pitchFamily="50" charset="-128"/>
+                          <a:ea typeface="メイリオ" panose="020B0604030504040204" pitchFamily="50" charset="-128"/>
+                          <a:cs typeface="+mn-cs"/>
+                        </a:rPr>
+                        <a:t>□</a:t>
+                      </a:r>
+                      <a:endParaRPr kumimoji="1" lang="ja-JP" altLang="en-US" sz="1800" b="0" i="0" u="none" strike="noStrike" kern="1200" cap="none" spc="0" normalizeH="0" baseline="0" noProof="0" dirty="0">
+                        <a:ln>
+                          <a:noFill/>
+                        </a:ln>
+                        <a:solidFill>
+                          <a:prstClr val="black"/>
+                        </a:solidFill>
+                        <a:effectLst/>
+                        <a:uLnTx/>
+                        <a:uFillTx/>
+                        <a:latin typeface="メイリオ" panose="020B0604030504040204" pitchFamily="50" charset="-128"/>
+                        <a:ea typeface="メイリオ" panose="020B0604030504040204" pitchFamily="50" charset="-128"/>
+                        <a:cs typeface="+mn-cs"/>
+                      </a:endParaRPr>
+                    </a:p>
+                  </a:txBody>
+                  <a:tcPr anchor="ctr"/>
+                </a:tc>
+                <a:tc>
+                  <a:txBody>
+                    <a:bodyPr/>
+                    <a:lstStyle/>
+                    <a:p>
+                      <a:pPr marL="0" marR="0" lvl="0" indent="0" algn="ctr" defTabSz="914400" rtl="0" eaLnBrk="1" fontAlgn="auto" latinLnBrk="0" hangingPunct="1">
+                        <a:lnSpc>
+                          <a:spcPct val="100000"/>
+                        </a:lnSpc>
+                        <a:spcBef>
+                          <a:spcPts val="0"/>
+                        </a:spcBef>
+                        <a:spcAft>
+                          <a:spcPts val="0"/>
+                        </a:spcAft>
+                        <a:buClrTx/>
+                        <a:buSzTx/>
+                        <a:buFontTx/>
+                        <a:buNone/>
+                        <a:tabLst/>
+                        <a:defRPr/>
+                      </a:pPr>
+                      <a:endParaRPr kumimoji="1" lang="ja-JP" altLang="en-US" sz="1800" b="0" i="0" u="none" strike="noStrike" kern="1200" cap="none" spc="0" normalizeH="0" baseline="0" noProof="0" dirty="0">
+                        <a:ln>
+                          <a:noFill/>
+                        </a:ln>
+                        <a:solidFill>
+                          <a:prstClr val="black"/>
+                        </a:solidFill>
+                        <a:effectLst/>
+                        <a:uLnTx/>
+                        <a:uFillTx/>
+                        <a:latin typeface="メイリオ" panose="020B0604030504040204" pitchFamily="50" charset="-128"/>
+                        <a:ea typeface="メイリオ" panose="020B0604030504040204" pitchFamily="50" charset="-128"/>
+                        <a:cs typeface="+mn-cs"/>
+                      </a:endParaRPr>
+                    </a:p>
+                  </a:txBody>
+                  <a:tcPr anchor="ctr"/>
+                </a:tc>
+                <a:tc>
+                  <a:txBody>
+                    <a:bodyPr/>
+                    <a:lstStyle/>
+                    <a:p>
+                      <a:pPr algn="ctr"/>
+                      <a:endParaRPr kumimoji="1" lang="ja-JP" altLang="en-US" dirty="0">
+                        <a:latin typeface="メイリオ" panose="020B0604030504040204" pitchFamily="50" charset="-128"/>
+                        <a:ea typeface="メイリオ" panose="020B0604030504040204" pitchFamily="50" charset="-128"/>
+                      </a:endParaRPr>
+                    </a:p>
+                  </a:txBody>
+                  <a:tcPr anchor="ctr"/>
+                </a:tc>
+                <a:tc>
+                  <a:txBody>
+                    <a:bodyPr/>
+                    <a:lstStyle/>
+                    <a:p>
+                      <a:pPr marL="0" marR="0" lvl="0" indent="0" algn="ctr" defTabSz="914400" rtl="0" eaLnBrk="1" fontAlgn="auto" latinLnBrk="0" hangingPunct="1">
+                        <a:lnSpc>
+                          <a:spcPct val="100000"/>
+                        </a:lnSpc>
+                        <a:spcBef>
+                          <a:spcPts val="0"/>
+                        </a:spcBef>
+                        <a:spcAft>
+                          <a:spcPts val="0"/>
+                        </a:spcAft>
+                        <a:buClrTx/>
+                        <a:buSzTx/>
+                        <a:buFontTx/>
+                        <a:buNone/>
+                        <a:tabLst/>
+                        <a:defRPr/>
+                      </a:pPr>
+                      <a:r>
+                        <a:rPr kumimoji="1" lang="ja-JP" altLang="en-US" sz="1800" b="0" i="0" u="none" strike="noStrike" kern="1200" cap="none" spc="0" normalizeH="0" baseline="0" noProof="0">
+                          <a:ln>
+                            <a:noFill/>
+                          </a:ln>
+                          <a:solidFill>
+                            <a:prstClr val="black"/>
+                          </a:solidFill>
+                          <a:effectLst/>
+                          <a:uLnTx/>
+                          <a:uFillTx/>
+                          <a:latin typeface="メイリオ" panose="020B0604030504040204" pitchFamily="50" charset="-128"/>
+                          <a:ea typeface="メイリオ" panose="020B0604030504040204" pitchFamily="50" charset="-128"/>
+                          <a:cs typeface="+mn-cs"/>
+                        </a:rPr>
+                        <a:t>□</a:t>
+                      </a:r>
+                      <a:endParaRPr kumimoji="1" lang="ja-JP" altLang="en-US" sz="1800" b="0" i="0" u="none" strike="noStrike" kern="1200" cap="none" spc="0" normalizeH="0" baseline="0" noProof="0" dirty="0">
+                        <a:ln>
+                          <a:noFill/>
+                        </a:ln>
+                        <a:solidFill>
+                          <a:prstClr val="black"/>
+                        </a:solidFill>
+                        <a:effectLst/>
+                        <a:uLnTx/>
+                        <a:uFillTx/>
+                        <a:latin typeface="メイリオ" panose="020B0604030504040204" pitchFamily="50" charset="-128"/>
+                        <a:ea typeface="メイリオ" panose="020B0604030504040204" pitchFamily="50" charset="-128"/>
+                        <a:cs typeface="+mn-cs"/>
+                      </a:endParaRPr>
+                    </a:p>
+                  </a:txBody>
+                  <a:tcPr anchor="ctr"/>
+                </a:tc>
+                <a:tc>
+                  <a:txBody>
+                    <a:bodyPr/>
+                    <a:lstStyle/>
+                    <a:p>
+                      <a:pPr marL="0" marR="0" lvl="0" indent="0" algn="ctr" defTabSz="914400" rtl="0" eaLnBrk="1" fontAlgn="auto" latinLnBrk="0" hangingPunct="1">
+                        <a:lnSpc>
+                          <a:spcPct val="100000"/>
+                        </a:lnSpc>
+                        <a:spcBef>
+                          <a:spcPts val="0"/>
+                        </a:spcBef>
+                        <a:spcAft>
+                          <a:spcPts val="0"/>
+                        </a:spcAft>
+                        <a:buClrTx/>
+                        <a:buSzTx/>
+                        <a:buFontTx/>
+                        <a:buNone/>
+                        <a:tabLst/>
+                        <a:defRPr/>
+                      </a:pPr>
+                      <a:endParaRPr kumimoji="1" lang="ja-JP" altLang="en-US" sz="1800" b="0" i="0" u="none" strike="noStrike" kern="1200" cap="none" spc="0" normalizeH="0" baseline="0" noProof="0" dirty="0">
+                        <a:ln>
+                          <a:noFill/>
+                        </a:ln>
+                        <a:solidFill>
+                          <a:prstClr val="black"/>
+                        </a:solidFill>
+                        <a:effectLst/>
+                        <a:uLnTx/>
+                        <a:uFillTx/>
+                        <a:latin typeface="メイリオ" panose="020B0604030504040204" pitchFamily="50" charset="-128"/>
+                        <a:ea typeface="メイリオ" panose="020B0604030504040204" pitchFamily="50" charset="-128"/>
+                        <a:cs typeface="+mn-cs"/>
+                      </a:endParaRPr>
+                    </a:p>
+                  </a:txBody>
+                  <a:tcPr anchor="ctr"/>
+                </a:tc>
+                <a:tc>
+                  <a:txBody>
+                    <a:bodyPr/>
+                    <a:lstStyle/>
+                    <a:p>
+                      <a:pPr marL="0" marR="0" lvl="0" indent="0" algn="ctr" defTabSz="914400" rtl="0" eaLnBrk="1" fontAlgn="auto" latinLnBrk="0" hangingPunct="1">
+                        <a:lnSpc>
+                          <a:spcPct val="100000"/>
+                        </a:lnSpc>
+                        <a:spcBef>
+                          <a:spcPts val="0"/>
+                        </a:spcBef>
+                        <a:spcAft>
+                          <a:spcPts val="0"/>
+                        </a:spcAft>
+                        <a:buClrTx/>
+                        <a:buSzTx/>
+                        <a:buFontTx/>
+                        <a:buNone/>
+                        <a:tabLst/>
+                        <a:defRPr/>
+                      </a:pPr>
+                      <a:r>
+                        <a:rPr kumimoji="1" lang="ja-JP" altLang="en-US" sz="1800" b="0" i="0" u="none" strike="noStrike" kern="1200" cap="none" spc="0" normalizeH="0" baseline="0" noProof="0" dirty="0">
+                          <a:ln>
+                            <a:noFill/>
+                          </a:ln>
+                          <a:solidFill>
+                            <a:prstClr val="black"/>
+                          </a:solidFill>
+                          <a:effectLst/>
+                          <a:uLnTx/>
+                          <a:uFillTx/>
+                          <a:latin typeface="メイリオ" panose="020B0604030504040204" pitchFamily="50" charset="-128"/>
+                          <a:ea typeface="メイリオ" panose="020B0604030504040204" pitchFamily="50" charset="-128"/>
+                          <a:cs typeface="+mn-cs"/>
+                        </a:rPr>
+                        <a:t>□</a:t>
+                      </a:r>
+                    </a:p>
+                  </a:txBody>
+                  <a:tcPr anchor="ctr"/>
+                </a:tc>
+                <a:tc>
+                  <a:txBody>
+                    <a:bodyPr/>
+                    <a:lstStyle/>
+                    <a:p>
+                      <a:pPr marL="0" marR="0" lvl="0" indent="0" algn="ctr" defTabSz="914400" rtl="0" eaLnBrk="1" fontAlgn="auto" latinLnBrk="0" hangingPunct="1">
+                        <a:lnSpc>
+                          <a:spcPct val="100000"/>
+                        </a:lnSpc>
+                        <a:spcBef>
+                          <a:spcPts val="0"/>
+                        </a:spcBef>
+                        <a:spcAft>
+                          <a:spcPts val="0"/>
+                        </a:spcAft>
+                        <a:buClrTx/>
+                        <a:buSzTx/>
+                        <a:buFontTx/>
+                        <a:buNone/>
+                        <a:tabLst/>
+                        <a:defRPr/>
+                      </a:pPr>
+                      <a:endParaRPr kumimoji="1" lang="ja-JP" altLang="en-US" sz="1800" b="0" i="0" u="none" strike="noStrike" kern="1200" cap="none" spc="0" normalizeH="0" baseline="0" noProof="0" dirty="0">
+                        <a:ln>
+                          <a:noFill/>
+                        </a:ln>
+                        <a:solidFill>
+                          <a:prstClr val="black"/>
+                        </a:solidFill>
+                        <a:effectLst/>
+                        <a:uLnTx/>
+                        <a:uFillTx/>
+                        <a:latin typeface="メイリオ" panose="020B0604030504040204" pitchFamily="50" charset="-128"/>
+                        <a:ea typeface="メイリオ" panose="020B0604030504040204" pitchFamily="50" charset="-128"/>
+                        <a:cs typeface="+mn-cs"/>
+                      </a:endParaRPr>
+                    </a:p>
+                  </a:txBody>
+                  <a:tcPr anchor="ctr"/>
+                </a:tc>
+                <a:tc>
+                  <a:txBody>
+                    <a:bodyPr/>
+                    <a:lstStyle/>
+                    <a:p>
+                      <a:pPr algn="ctr"/>
+                      <a:endParaRPr kumimoji="1" lang="ja-JP" altLang="en-US">
+                        <a:latin typeface="メイリオ" panose="020B0604030504040204" pitchFamily="50" charset="-128"/>
+                        <a:ea typeface="メイリオ" panose="020B0604030504040204" pitchFamily="50" charset="-128"/>
+                      </a:endParaRPr>
+                    </a:p>
+                  </a:txBody>
+                  <a:tcPr anchor="ctr"/>
+                </a:tc>
+                <a:tc>
+                  <a:txBody>
+                    <a:bodyPr/>
+                    <a:lstStyle/>
+                    <a:p>
+                      <a:pPr marL="0" marR="0" lvl="0" indent="0" algn="ctr" defTabSz="914400" rtl="0" eaLnBrk="1" fontAlgn="auto" latinLnBrk="0" hangingPunct="1">
+                        <a:lnSpc>
+                          <a:spcPct val="100000"/>
+                        </a:lnSpc>
+                        <a:spcBef>
+                          <a:spcPts val="0"/>
+                        </a:spcBef>
+                        <a:spcAft>
+                          <a:spcPts val="0"/>
+                        </a:spcAft>
+                        <a:buClrTx/>
+                        <a:buSzTx/>
+                        <a:buFontTx/>
+                        <a:buNone/>
+                        <a:tabLst/>
+                        <a:defRPr/>
+                      </a:pPr>
+                      <a:r>
+                        <a:rPr kumimoji="1" lang="ja-JP" altLang="en-US" sz="1800" b="0" i="0" u="none" strike="noStrike" kern="1200" cap="none" spc="0" normalizeH="0" baseline="0" noProof="0">
+                          <a:ln>
+                            <a:noFill/>
+                          </a:ln>
+                          <a:solidFill>
+                            <a:prstClr val="black"/>
+                          </a:solidFill>
+                          <a:effectLst/>
+                          <a:uLnTx/>
+                          <a:uFillTx/>
+                          <a:latin typeface="メイリオ" panose="020B0604030504040204" pitchFamily="50" charset="-128"/>
+                          <a:ea typeface="メイリオ" panose="020B0604030504040204" pitchFamily="50" charset="-128"/>
+                          <a:cs typeface="+mn-cs"/>
+                        </a:rPr>
+                        <a:t>□</a:t>
+                      </a:r>
+                      <a:endParaRPr kumimoji="1" lang="ja-JP" altLang="en-US" sz="1800" b="0" i="0" u="none" strike="noStrike" kern="1200" cap="none" spc="0" normalizeH="0" baseline="0" noProof="0" dirty="0">
+                        <a:ln>
+                          <a:noFill/>
+                        </a:ln>
+                        <a:solidFill>
+                          <a:prstClr val="black"/>
+                        </a:solidFill>
+                        <a:effectLst/>
+                        <a:uLnTx/>
+                        <a:uFillTx/>
+                        <a:latin typeface="メイリオ" panose="020B0604030504040204" pitchFamily="50" charset="-128"/>
+                        <a:ea typeface="メイリオ" panose="020B0604030504040204" pitchFamily="50" charset="-128"/>
+                        <a:cs typeface="+mn-cs"/>
+                      </a:endParaRPr>
+                    </a:p>
+                  </a:txBody>
+                  <a:tcPr anchor="ctr"/>
+                </a:tc>
+                <a:tc>
+                  <a:txBody>
+                    <a:bodyPr/>
+                    <a:lstStyle/>
+                    <a:p>
+                      <a:pPr marL="0" marR="0" lvl="0" indent="0" algn="ctr" defTabSz="914400" rtl="0" eaLnBrk="1" fontAlgn="auto" latinLnBrk="0" hangingPunct="1">
+                        <a:lnSpc>
+                          <a:spcPct val="100000"/>
+                        </a:lnSpc>
+                        <a:spcBef>
+                          <a:spcPts val="0"/>
+                        </a:spcBef>
+                        <a:spcAft>
+                          <a:spcPts val="0"/>
+                        </a:spcAft>
+                        <a:buClrTx/>
+                        <a:buSzTx/>
+                        <a:buFontTx/>
+                        <a:buNone/>
+                        <a:tabLst/>
+                        <a:defRPr/>
+                      </a:pPr>
+                      <a:r>
+                        <a:rPr kumimoji="1" lang="ja-JP" altLang="en-US" sz="1800" b="0" i="0" u="none" strike="noStrike" kern="1200" cap="none" spc="0" normalizeH="0" baseline="0" noProof="0">
+                          <a:ln>
+                            <a:noFill/>
+                          </a:ln>
+                          <a:solidFill>
+                            <a:prstClr val="black"/>
+                          </a:solidFill>
+                          <a:effectLst/>
+                          <a:uLnTx/>
+                          <a:uFillTx/>
+                          <a:latin typeface="メイリオ" panose="020B0604030504040204" pitchFamily="50" charset="-128"/>
+                          <a:ea typeface="メイリオ" panose="020B0604030504040204" pitchFamily="50" charset="-128"/>
+                          <a:cs typeface="+mn-cs"/>
+                        </a:rPr>
+                        <a:t>□</a:t>
+                      </a:r>
+                      <a:endParaRPr kumimoji="1" lang="ja-JP" altLang="en-US" sz="1800" b="0" i="0" u="none" strike="noStrike" kern="1200" cap="none" spc="0" normalizeH="0" baseline="0" noProof="0" dirty="0">
+                        <a:ln>
+                          <a:noFill/>
+                        </a:ln>
+                        <a:solidFill>
+                          <a:prstClr val="black"/>
+                        </a:solidFill>
+                        <a:effectLst/>
+                        <a:uLnTx/>
+                        <a:uFillTx/>
+                        <a:latin typeface="メイリオ" panose="020B0604030504040204" pitchFamily="50" charset="-128"/>
+                        <a:ea typeface="メイリオ" panose="020B0604030504040204" pitchFamily="50" charset="-128"/>
+                        <a:cs typeface="+mn-cs"/>
+                      </a:endParaRPr>
+                    </a:p>
+                  </a:txBody>
+                  <a:tcPr anchor="ctr"/>
+                </a:tc>
+                <a:tc>
+                  <a:txBody>
+                    <a:bodyPr/>
+                    <a:lstStyle/>
+                    <a:p>
+                      <a:pPr marL="0" marR="0" lvl="0" indent="0" algn="ctr" defTabSz="914400" rtl="0" eaLnBrk="1" fontAlgn="auto" latinLnBrk="0" hangingPunct="1">
+                        <a:lnSpc>
+                          <a:spcPct val="100000"/>
+                        </a:lnSpc>
+                        <a:spcBef>
+                          <a:spcPts val="0"/>
+                        </a:spcBef>
+                        <a:spcAft>
+                          <a:spcPts val="0"/>
+                        </a:spcAft>
+                        <a:buClrTx/>
+                        <a:buSzTx/>
+                        <a:buFontTx/>
+                        <a:buNone/>
+                        <a:tabLst/>
+                        <a:defRPr/>
+                      </a:pPr>
+                      <a:endParaRPr kumimoji="1" lang="ja-JP" altLang="en-US" sz="1800" b="0" i="0" u="none" strike="noStrike" kern="1200" cap="none" spc="0" normalizeH="0" baseline="0" noProof="0" dirty="0">
+                        <a:ln>
+                          <a:noFill/>
+                        </a:ln>
+                        <a:solidFill>
+                          <a:prstClr val="black"/>
+                        </a:solidFill>
+                        <a:effectLst/>
+                        <a:uLnTx/>
+                        <a:uFillTx/>
+                        <a:latin typeface="メイリオ" panose="020B0604030504040204" pitchFamily="50" charset="-128"/>
+                        <a:ea typeface="メイリオ" panose="020B0604030504040204" pitchFamily="50" charset="-128"/>
+                        <a:cs typeface="+mn-cs"/>
+                      </a:endParaRPr>
+                    </a:p>
+                  </a:txBody>
+                  <a:tcPr anchor="ctr"/>
+                </a:tc>
+                <a:tc>
+                  <a:txBody>
+                    <a:bodyPr/>
+                    <a:lstStyle/>
+                    <a:p>
+                      <a:pPr marL="0" marR="0" lvl="0" indent="0" algn="ctr" defTabSz="914400" rtl="0" eaLnBrk="1" fontAlgn="auto" latinLnBrk="0" hangingPunct="1">
+                        <a:lnSpc>
+                          <a:spcPct val="100000"/>
+                        </a:lnSpc>
+                        <a:spcBef>
+                          <a:spcPts val="0"/>
+                        </a:spcBef>
+                        <a:spcAft>
+                          <a:spcPts val="0"/>
+                        </a:spcAft>
+                        <a:buClrTx/>
+                        <a:buSzTx/>
+                        <a:buFontTx/>
+                        <a:buNone/>
+                        <a:tabLst/>
+                        <a:defRPr/>
+                      </a:pPr>
+                      <a:r>
+                        <a:rPr kumimoji="1" lang="ja-JP" altLang="en-US" sz="1800" b="0" i="0" u="none" strike="noStrike" kern="1200" cap="none" spc="0" normalizeH="0" baseline="0" noProof="0">
+                          <a:ln>
+                            <a:noFill/>
+                          </a:ln>
+                          <a:solidFill>
+                            <a:prstClr val="black"/>
+                          </a:solidFill>
+                          <a:effectLst/>
+                          <a:uLnTx/>
+                          <a:uFillTx/>
+                          <a:latin typeface="メイリオ" panose="020B0604030504040204" pitchFamily="50" charset="-128"/>
+                          <a:ea typeface="メイリオ" panose="020B0604030504040204" pitchFamily="50" charset="-128"/>
+                          <a:cs typeface="+mn-cs"/>
+                        </a:rPr>
+                        <a:t>□</a:t>
+                      </a:r>
+                      <a:endParaRPr kumimoji="1" lang="ja-JP" altLang="en-US" sz="1800" b="0" i="0" u="none" strike="noStrike" kern="1200" cap="none" spc="0" normalizeH="0" baseline="0" noProof="0" dirty="0">
+                        <a:ln>
+                          <a:noFill/>
+                        </a:ln>
+                        <a:solidFill>
+                          <a:prstClr val="black"/>
+                        </a:solidFill>
+                        <a:effectLst/>
+                        <a:uLnTx/>
+                        <a:uFillTx/>
+                        <a:latin typeface="メイリオ" panose="020B0604030504040204" pitchFamily="50" charset="-128"/>
+                        <a:ea typeface="メイリオ" panose="020B0604030504040204" pitchFamily="50" charset="-128"/>
+                        <a:cs typeface="+mn-cs"/>
+                      </a:endParaRPr>
+                    </a:p>
+                  </a:txBody>
+                  <a:tcPr anchor="ctr"/>
+                </a:tc>
+                <a:extLst>
+                  <a:ext uri="{0D108BD9-81ED-4DB2-BD59-A6C34878D82A}">
+                    <a16:rowId xmlns:a16="http://schemas.microsoft.com/office/drawing/2014/main" val="3778936041"/>
+                  </a:ext>
+                </a:extLst>
+              </a:tr>
+              <a:tr h="370840">
+                <a:tc>
+                  <a:txBody>
+                    <a:bodyPr/>
+                    <a:lstStyle/>
+                    <a:p>
+                      <a:pPr algn="ctr"/>
+                      <a:r>
+                        <a:rPr kumimoji="1" lang="ja-JP" altLang="en-US" dirty="0">
+                          <a:latin typeface="メイリオ" panose="020B0604030504040204" pitchFamily="50" charset="-128"/>
+                          <a:ea typeface="メイリオ" panose="020B0604030504040204" pitchFamily="50" charset="-128"/>
+                        </a:rPr>
+                        <a:t>ヒラ</a:t>
+                      </a:r>
+                    </a:p>
+                  </a:txBody>
+                  <a:tcPr anchor="ctr"/>
+                </a:tc>
+                <a:tc>
+                  <a:txBody>
+                    <a:bodyPr/>
+                    <a:lstStyle/>
+                    <a:p>
+                      <a:pPr marL="0" marR="0" lvl="0" indent="0" algn="ctr" defTabSz="914400" rtl="0" eaLnBrk="1" fontAlgn="auto" latinLnBrk="0" hangingPunct="1">
+                        <a:lnSpc>
+                          <a:spcPct val="100000"/>
+                        </a:lnSpc>
+                        <a:spcBef>
+                          <a:spcPts val="0"/>
+                        </a:spcBef>
+                        <a:spcAft>
+                          <a:spcPts val="0"/>
+                        </a:spcAft>
+                        <a:buClrTx/>
+                        <a:buSzTx/>
+                        <a:buFontTx/>
+                        <a:buNone/>
+                        <a:tabLst/>
+                        <a:defRPr/>
+                      </a:pPr>
+                      <a:r>
+                        <a:rPr kumimoji="1" lang="ja-JP" altLang="en-US" sz="1800" b="0" i="0" u="none" strike="noStrike" kern="1200" cap="none" spc="0" normalizeH="0" baseline="0" noProof="0" dirty="0">
+                          <a:ln>
+                            <a:noFill/>
+                          </a:ln>
+                          <a:solidFill>
+                            <a:prstClr val="black"/>
+                          </a:solidFill>
+                          <a:effectLst/>
+                          <a:uLnTx/>
+                          <a:uFillTx/>
+                          <a:latin typeface="メイリオ" panose="020B0604030504040204" pitchFamily="50" charset="-128"/>
+                          <a:ea typeface="メイリオ" panose="020B0604030504040204" pitchFamily="50" charset="-128"/>
+                          <a:cs typeface="+mn-cs"/>
+                        </a:rPr>
+                        <a:t>□</a:t>
+                      </a:r>
+                      <a:endParaRPr kumimoji="1" lang="en-US" altLang="ja-JP" sz="1800" b="0" i="0" u="none" strike="noStrike" kern="1200" cap="none" spc="0" normalizeH="0" baseline="0" noProof="0" dirty="0">
+                        <a:ln>
+                          <a:noFill/>
+                        </a:ln>
+                        <a:solidFill>
+                          <a:prstClr val="black"/>
+                        </a:solidFill>
+                        <a:effectLst/>
+                        <a:uLnTx/>
+                        <a:uFillTx/>
+                        <a:latin typeface="メイリオ" panose="020B0604030504040204" pitchFamily="50" charset="-128"/>
+                        <a:ea typeface="メイリオ" panose="020B0604030504040204" pitchFamily="50" charset="-128"/>
+                        <a:cs typeface="+mn-cs"/>
+                      </a:endParaRPr>
+                    </a:p>
+                    <a:p>
+                      <a:pPr marL="0" marR="0" lvl="0" indent="0" algn="ctr" defTabSz="914400" rtl="0" eaLnBrk="1" fontAlgn="auto" latinLnBrk="0" hangingPunct="1">
+                        <a:lnSpc>
+                          <a:spcPct val="100000"/>
+                        </a:lnSpc>
+                        <a:spcBef>
+                          <a:spcPts val="0"/>
+                        </a:spcBef>
+                        <a:spcAft>
+                          <a:spcPts val="0"/>
+                        </a:spcAft>
+                        <a:buClrTx/>
+                        <a:buSzTx/>
+                        <a:buFontTx/>
+                        <a:buNone/>
+                        <a:tabLst/>
+                        <a:defRPr/>
+                      </a:pPr>
+                      <a:r>
+                        <a:rPr kumimoji="1" lang="ja-JP" altLang="en-US" dirty="0">
+                          <a:latin typeface="メイリオ" panose="020B0604030504040204" pitchFamily="50" charset="-128"/>
+                          <a:ea typeface="メイリオ" panose="020B0604030504040204" pitchFamily="50" charset="-128"/>
+                        </a:rPr>
+                        <a:t>□</a:t>
+                      </a:r>
+                      <a:endParaRPr kumimoji="1" lang="en-US" altLang="ja-JP" dirty="0">
+                        <a:latin typeface="メイリオ" panose="020B0604030504040204" pitchFamily="50" charset="-128"/>
+                        <a:ea typeface="メイリオ" panose="020B0604030504040204" pitchFamily="50" charset="-128"/>
+                      </a:endParaRPr>
+                    </a:p>
+                    <a:p>
+                      <a:pPr marL="0" marR="0" lvl="0" indent="0" algn="ctr" defTabSz="914400" rtl="0" eaLnBrk="1" fontAlgn="auto" latinLnBrk="0" hangingPunct="1">
+                        <a:lnSpc>
+                          <a:spcPct val="100000"/>
+                        </a:lnSpc>
+                        <a:spcBef>
+                          <a:spcPts val="0"/>
+                        </a:spcBef>
+                        <a:spcAft>
+                          <a:spcPts val="0"/>
+                        </a:spcAft>
+                        <a:buClrTx/>
+                        <a:buSzTx/>
+                        <a:buFontTx/>
+                        <a:buNone/>
+                        <a:tabLst/>
+                        <a:defRPr/>
+                      </a:pPr>
+                      <a:r>
+                        <a:rPr kumimoji="1" lang="ja-JP" altLang="en-US" sz="1800" b="0" i="0" u="none" strike="noStrike" kern="1200" cap="none" spc="0" normalizeH="0" baseline="0" noProof="0" dirty="0">
+                          <a:ln>
+                            <a:noFill/>
+                          </a:ln>
+                          <a:solidFill>
+                            <a:prstClr val="black"/>
+                          </a:solidFill>
+                          <a:effectLst/>
+                          <a:uLnTx/>
+                          <a:uFillTx/>
+                          <a:latin typeface="メイリオ" panose="020B0604030504040204" pitchFamily="50" charset="-128"/>
+                          <a:ea typeface="メイリオ" panose="020B0604030504040204" pitchFamily="50" charset="-128"/>
+                          <a:cs typeface="+mn-cs"/>
+                        </a:rPr>
+                        <a:t>□</a:t>
+                      </a:r>
+                      <a:endParaRPr kumimoji="1" lang="ja-JP" altLang="en-US" dirty="0">
+                        <a:latin typeface="メイリオ" panose="020B0604030504040204" pitchFamily="50" charset="-128"/>
+                        <a:ea typeface="メイリオ" panose="020B0604030504040204" pitchFamily="50" charset="-128"/>
+                      </a:endParaRPr>
+                    </a:p>
+                  </a:txBody>
+                  <a:tcPr anchor="ctr"/>
+                </a:tc>
+                <a:tc>
+                  <a:txBody>
+                    <a:bodyPr/>
+                    <a:lstStyle/>
+                    <a:p>
+                      <a:pPr marL="0" marR="0" lvl="0" indent="0" algn="ctr" defTabSz="914400" rtl="0" eaLnBrk="1" fontAlgn="auto" latinLnBrk="0" hangingPunct="1">
+                        <a:lnSpc>
+                          <a:spcPct val="100000"/>
+                        </a:lnSpc>
+                        <a:spcBef>
+                          <a:spcPts val="0"/>
+                        </a:spcBef>
+                        <a:spcAft>
+                          <a:spcPts val="0"/>
+                        </a:spcAft>
+                        <a:buClrTx/>
+                        <a:buSzTx/>
+                        <a:buFontTx/>
+                        <a:buNone/>
+                        <a:tabLst/>
+                        <a:defRPr/>
+                      </a:pPr>
+                      <a:r>
+                        <a:rPr kumimoji="1" lang="ja-JP" altLang="en-US" sz="1800" b="0" i="0" u="none" strike="noStrike" kern="1200" cap="none" spc="0" normalizeH="0" baseline="0" noProof="0">
+                          <a:ln>
+                            <a:noFill/>
+                          </a:ln>
+                          <a:solidFill>
+                            <a:prstClr val="black"/>
+                          </a:solidFill>
+                          <a:effectLst/>
+                          <a:uLnTx/>
+                          <a:uFillTx/>
+                          <a:latin typeface="メイリオ" panose="020B0604030504040204" pitchFamily="50" charset="-128"/>
+                          <a:ea typeface="メイリオ" panose="020B0604030504040204" pitchFamily="50" charset="-128"/>
+                          <a:cs typeface="+mn-cs"/>
+                        </a:rPr>
+                        <a:t>□</a:t>
+                      </a:r>
+                      <a:endParaRPr kumimoji="1" lang="en-US" altLang="ja-JP" sz="1800" b="0" i="0" u="none" strike="noStrike" kern="1200" cap="none" spc="0" normalizeH="0" baseline="0" noProof="0">
+                        <a:ln>
+                          <a:noFill/>
+                        </a:ln>
+                        <a:solidFill>
+                          <a:prstClr val="black"/>
+                        </a:solidFill>
+                        <a:effectLst/>
+                        <a:uLnTx/>
+                        <a:uFillTx/>
+                        <a:latin typeface="メイリオ" panose="020B0604030504040204" pitchFamily="50" charset="-128"/>
+                        <a:ea typeface="メイリオ" panose="020B0604030504040204" pitchFamily="50" charset="-128"/>
+                        <a:cs typeface="+mn-cs"/>
+                      </a:endParaRPr>
+                    </a:p>
+                    <a:p>
+                      <a:pPr marL="0" marR="0" lvl="0" indent="0" algn="ctr" defTabSz="914400" rtl="0" eaLnBrk="1" fontAlgn="auto" latinLnBrk="0" hangingPunct="1">
+                        <a:lnSpc>
+                          <a:spcPct val="100000"/>
+                        </a:lnSpc>
+                        <a:spcBef>
+                          <a:spcPts val="0"/>
+                        </a:spcBef>
+                        <a:spcAft>
+                          <a:spcPts val="0"/>
+                        </a:spcAft>
+                        <a:buClrTx/>
+                        <a:buSzTx/>
+                        <a:buFontTx/>
+                        <a:buNone/>
+                        <a:tabLst/>
+                        <a:defRPr/>
+                      </a:pPr>
+                      <a:r>
+                        <a:rPr kumimoji="1" lang="ja-JP" altLang="en-US" sz="1800" b="0" i="0" u="none" strike="noStrike" kern="1200" cap="none" spc="0" normalizeH="0" baseline="0" noProof="0">
+                          <a:ln>
+                            <a:noFill/>
+                          </a:ln>
+                          <a:solidFill>
+                            <a:prstClr val="black"/>
+                          </a:solidFill>
+                          <a:effectLst/>
+                          <a:uLnTx/>
+                          <a:uFillTx/>
+                          <a:latin typeface="メイリオ" panose="020B0604030504040204" pitchFamily="50" charset="-128"/>
+                          <a:ea typeface="メイリオ" panose="020B0604030504040204" pitchFamily="50" charset="-128"/>
+                          <a:cs typeface="+mn-cs"/>
+                        </a:rPr>
+                        <a:t>□</a:t>
+                      </a:r>
+                      <a:endParaRPr kumimoji="1" lang="en-US" altLang="ja-JP" sz="1800" b="0" i="0" u="none" strike="noStrike" kern="1200" cap="none" spc="0" normalizeH="0" baseline="0" noProof="0">
+                        <a:ln>
+                          <a:noFill/>
+                        </a:ln>
+                        <a:solidFill>
+                          <a:prstClr val="black"/>
+                        </a:solidFill>
+                        <a:effectLst/>
+                        <a:uLnTx/>
+                        <a:uFillTx/>
+                        <a:latin typeface="メイリオ" panose="020B0604030504040204" pitchFamily="50" charset="-128"/>
+                        <a:ea typeface="メイリオ" panose="020B0604030504040204" pitchFamily="50" charset="-128"/>
+                        <a:cs typeface="+mn-cs"/>
+                      </a:endParaRPr>
+                    </a:p>
+                    <a:p>
+                      <a:pPr marL="0" marR="0" lvl="0" indent="0" algn="ctr" defTabSz="914400" rtl="0" eaLnBrk="1" fontAlgn="auto" latinLnBrk="0" hangingPunct="1">
+                        <a:lnSpc>
+                          <a:spcPct val="100000"/>
+                        </a:lnSpc>
+                        <a:spcBef>
+                          <a:spcPts val="0"/>
+                        </a:spcBef>
+                        <a:spcAft>
+                          <a:spcPts val="0"/>
+                        </a:spcAft>
+                        <a:buClrTx/>
+                        <a:buSzTx/>
+                        <a:buFontTx/>
+                        <a:buNone/>
+                        <a:tabLst/>
+                        <a:defRPr/>
+                      </a:pPr>
+                      <a:r>
+                        <a:rPr kumimoji="1" lang="ja-JP" altLang="en-US" sz="1800" b="0" i="0" u="none" strike="noStrike" kern="1200" cap="none" spc="0" normalizeH="0" baseline="0" noProof="0">
+                          <a:ln>
+                            <a:noFill/>
+                          </a:ln>
+                          <a:solidFill>
+                            <a:prstClr val="black"/>
+                          </a:solidFill>
+                          <a:effectLst/>
+                          <a:uLnTx/>
+                          <a:uFillTx/>
+                          <a:latin typeface="メイリオ" panose="020B0604030504040204" pitchFamily="50" charset="-128"/>
+                          <a:ea typeface="メイリオ" panose="020B0604030504040204" pitchFamily="50" charset="-128"/>
+                          <a:cs typeface="+mn-cs"/>
+                        </a:rPr>
+                        <a:t>□</a:t>
+                      </a:r>
+                      <a:endParaRPr kumimoji="1" lang="ja-JP" altLang="en-US" dirty="0">
+                        <a:latin typeface="メイリオ" panose="020B0604030504040204" pitchFamily="50" charset="-128"/>
+                        <a:ea typeface="メイリオ" panose="020B0604030504040204" pitchFamily="50" charset="-128"/>
+                      </a:endParaRPr>
+                    </a:p>
+                  </a:txBody>
+                  <a:tcPr anchor="ctr"/>
+                </a:tc>
+                <a:tc>
+                  <a:txBody>
+                    <a:bodyPr/>
+                    <a:lstStyle/>
+                    <a:p>
+                      <a:pPr marL="0" marR="0" lvl="0" indent="0" algn="ctr" defTabSz="914400" rtl="0" eaLnBrk="1" fontAlgn="auto" latinLnBrk="0" hangingPunct="1">
+                        <a:lnSpc>
+                          <a:spcPct val="100000"/>
+                        </a:lnSpc>
+                        <a:spcBef>
+                          <a:spcPts val="0"/>
+                        </a:spcBef>
+                        <a:spcAft>
+                          <a:spcPts val="0"/>
+                        </a:spcAft>
+                        <a:buClrTx/>
+                        <a:buSzTx/>
+                        <a:buFontTx/>
+                        <a:buNone/>
+                        <a:tabLst/>
+                        <a:defRPr/>
+                      </a:pPr>
+                      <a:r>
+                        <a:rPr kumimoji="1" lang="ja-JP" altLang="en-US" sz="1800" b="0" i="0" u="none" strike="noStrike" kern="1200" cap="none" spc="0" normalizeH="0" baseline="0" noProof="0">
+                          <a:ln>
+                            <a:noFill/>
+                          </a:ln>
+                          <a:solidFill>
+                            <a:prstClr val="black"/>
+                          </a:solidFill>
+                          <a:effectLst/>
+                          <a:uLnTx/>
+                          <a:uFillTx/>
+                          <a:latin typeface="メイリオ" panose="020B0604030504040204" pitchFamily="50" charset="-128"/>
+                          <a:ea typeface="メイリオ" panose="020B0604030504040204" pitchFamily="50" charset="-128"/>
+                          <a:cs typeface="+mn-cs"/>
+                        </a:rPr>
+                        <a:t>□</a:t>
+                      </a:r>
+                      <a:endParaRPr kumimoji="1" lang="en-US" altLang="ja-JP" sz="1800" b="0" i="0" u="none" strike="noStrike" kern="1200" cap="none" spc="0" normalizeH="0" baseline="0" noProof="0">
+                        <a:ln>
+                          <a:noFill/>
+                        </a:ln>
+                        <a:solidFill>
+                          <a:prstClr val="black"/>
+                        </a:solidFill>
+                        <a:effectLst/>
+                        <a:uLnTx/>
+                        <a:uFillTx/>
+                        <a:latin typeface="メイリオ" panose="020B0604030504040204" pitchFamily="50" charset="-128"/>
+                        <a:ea typeface="メイリオ" panose="020B0604030504040204" pitchFamily="50" charset="-128"/>
+                        <a:cs typeface="+mn-cs"/>
+                      </a:endParaRPr>
+                    </a:p>
+                    <a:p>
+                      <a:pPr marL="0" marR="0" lvl="0" indent="0" algn="ctr" defTabSz="914400" rtl="0" eaLnBrk="1" fontAlgn="auto" latinLnBrk="0" hangingPunct="1">
+                        <a:lnSpc>
+                          <a:spcPct val="100000"/>
+                        </a:lnSpc>
+                        <a:spcBef>
+                          <a:spcPts val="0"/>
+                        </a:spcBef>
+                        <a:spcAft>
+                          <a:spcPts val="0"/>
+                        </a:spcAft>
+                        <a:buClrTx/>
+                        <a:buSzTx/>
+                        <a:buFontTx/>
+                        <a:buNone/>
+                        <a:tabLst/>
+                        <a:defRPr/>
+                      </a:pPr>
+                      <a:r>
+                        <a:rPr kumimoji="1" lang="ja-JP" altLang="en-US" sz="1800" b="0" i="0" u="none" strike="noStrike" kern="1200" cap="none" spc="0" normalizeH="0" baseline="0" noProof="0">
+                          <a:ln>
+                            <a:noFill/>
+                          </a:ln>
+                          <a:solidFill>
+                            <a:prstClr val="black"/>
+                          </a:solidFill>
+                          <a:effectLst/>
+                          <a:uLnTx/>
+                          <a:uFillTx/>
+                          <a:latin typeface="メイリオ" panose="020B0604030504040204" pitchFamily="50" charset="-128"/>
+                          <a:ea typeface="メイリオ" panose="020B0604030504040204" pitchFamily="50" charset="-128"/>
+                          <a:cs typeface="+mn-cs"/>
+                        </a:rPr>
+                        <a:t>□</a:t>
+                      </a:r>
+                      <a:endParaRPr kumimoji="1" lang="en-US" altLang="ja-JP" sz="1800" b="0" i="0" u="none" strike="noStrike" kern="1200" cap="none" spc="0" normalizeH="0" baseline="0" noProof="0">
+                        <a:ln>
+                          <a:noFill/>
+                        </a:ln>
+                        <a:solidFill>
+                          <a:prstClr val="black"/>
+                        </a:solidFill>
+                        <a:effectLst/>
+                        <a:uLnTx/>
+                        <a:uFillTx/>
+                        <a:latin typeface="メイリオ" panose="020B0604030504040204" pitchFamily="50" charset="-128"/>
+                        <a:ea typeface="メイリオ" panose="020B0604030504040204" pitchFamily="50" charset="-128"/>
+                        <a:cs typeface="+mn-cs"/>
+                      </a:endParaRPr>
+                    </a:p>
+                    <a:p>
+                      <a:pPr marL="0" marR="0" lvl="0" indent="0" algn="ctr" defTabSz="914400" rtl="0" eaLnBrk="1" fontAlgn="auto" latinLnBrk="0" hangingPunct="1">
+                        <a:lnSpc>
+                          <a:spcPct val="100000"/>
+                        </a:lnSpc>
+                        <a:spcBef>
+                          <a:spcPts val="0"/>
+                        </a:spcBef>
+                        <a:spcAft>
+                          <a:spcPts val="0"/>
+                        </a:spcAft>
+                        <a:buClrTx/>
+                        <a:buSzTx/>
+                        <a:buFontTx/>
+                        <a:buNone/>
+                        <a:tabLst/>
+                        <a:defRPr/>
+                      </a:pPr>
+                      <a:r>
+                        <a:rPr kumimoji="1" lang="ja-JP" altLang="en-US" sz="1800" b="0" i="0" u="none" strike="noStrike" kern="1200" cap="none" spc="0" normalizeH="0" baseline="0" noProof="0">
+                          <a:ln>
+                            <a:noFill/>
+                          </a:ln>
+                          <a:solidFill>
+                            <a:prstClr val="black"/>
+                          </a:solidFill>
+                          <a:effectLst/>
+                          <a:uLnTx/>
+                          <a:uFillTx/>
+                          <a:latin typeface="メイリオ" panose="020B0604030504040204" pitchFamily="50" charset="-128"/>
+                          <a:ea typeface="メイリオ" panose="020B0604030504040204" pitchFamily="50" charset="-128"/>
+                          <a:cs typeface="+mn-cs"/>
+                        </a:rPr>
+                        <a:t>□</a:t>
+                      </a:r>
+                      <a:endParaRPr kumimoji="1" lang="ja-JP" altLang="en-US" sz="1800" b="0" i="0" u="none" strike="noStrike" kern="1200" cap="none" spc="0" normalizeH="0" baseline="0" noProof="0" dirty="0">
+                        <a:ln>
+                          <a:noFill/>
+                        </a:ln>
+                        <a:solidFill>
+                          <a:prstClr val="black"/>
+                        </a:solidFill>
+                        <a:effectLst/>
+                        <a:uLnTx/>
+                        <a:uFillTx/>
+                        <a:latin typeface="メイリオ" panose="020B0604030504040204" pitchFamily="50" charset="-128"/>
+                        <a:ea typeface="メイリオ" panose="020B0604030504040204" pitchFamily="50" charset="-128"/>
+                        <a:cs typeface="+mn-cs"/>
+                      </a:endParaRPr>
+                    </a:p>
+                  </a:txBody>
+                  <a:tcPr anchor="ctr"/>
+                </a:tc>
+                <a:tc>
+                  <a:txBody>
+                    <a:bodyPr/>
+                    <a:lstStyle/>
+                    <a:p>
+                      <a:pPr marL="0" marR="0" lvl="0" indent="0" algn="ctr" defTabSz="914400" rtl="0" eaLnBrk="1" fontAlgn="auto" latinLnBrk="0" hangingPunct="1">
+                        <a:lnSpc>
+                          <a:spcPct val="100000"/>
+                        </a:lnSpc>
+                        <a:spcBef>
+                          <a:spcPts val="0"/>
+                        </a:spcBef>
+                        <a:spcAft>
+                          <a:spcPts val="0"/>
+                        </a:spcAft>
+                        <a:buClrTx/>
+                        <a:buSzTx/>
+                        <a:buFontTx/>
+                        <a:buNone/>
+                        <a:tabLst/>
+                        <a:defRPr/>
+                      </a:pPr>
+                      <a:r>
+                        <a:rPr kumimoji="1" lang="ja-JP" altLang="en-US" sz="1800" b="0" i="0" u="none" strike="noStrike" kern="1200" cap="none" spc="0" normalizeH="0" baseline="0" noProof="0" dirty="0">
+                          <a:ln>
+                            <a:noFill/>
+                          </a:ln>
+                          <a:solidFill>
+                            <a:prstClr val="black"/>
+                          </a:solidFill>
+                          <a:effectLst/>
+                          <a:uLnTx/>
+                          <a:uFillTx/>
+                          <a:latin typeface="メイリオ" panose="020B0604030504040204" pitchFamily="50" charset="-128"/>
+                          <a:ea typeface="メイリオ" panose="020B0604030504040204" pitchFamily="50" charset="-128"/>
+                          <a:cs typeface="+mn-cs"/>
+                        </a:rPr>
+                        <a:t>□</a:t>
+                      </a:r>
+                      <a:endParaRPr kumimoji="1" lang="en-US" altLang="ja-JP" sz="1800" b="0" i="0" u="none" strike="noStrike" kern="1200" cap="none" spc="0" normalizeH="0" baseline="0" noProof="0" dirty="0">
+                        <a:ln>
+                          <a:noFill/>
+                        </a:ln>
+                        <a:solidFill>
+                          <a:prstClr val="black"/>
+                        </a:solidFill>
+                        <a:effectLst/>
+                        <a:uLnTx/>
+                        <a:uFillTx/>
+                        <a:latin typeface="メイリオ" panose="020B0604030504040204" pitchFamily="50" charset="-128"/>
+                        <a:ea typeface="メイリオ" panose="020B0604030504040204" pitchFamily="50" charset="-128"/>
+                        <a:cs typeface="+mn-cs"/>
+                      </a:endParaRPr>
+                    </a:p>
+                    <a:p>
+                      <a:pPr marL="0" marR="0" lvl="0" indent="0" algn="ctr" defTabSz="914400" rtl="0" eaLnBrk="1" fontAlgn="auto" latinLnBrk="0" hangingPunct="1">
+                        <a:lnSpc>
+                          <a:spcPct val="100000"/>
+                        </a:lnSpc>
+                        <a:spcBef>
+                          <a:spcPts val="0"/>
+                        </a:spcBef>
+                        <a:spcAft>
+                          <a:spcPts val="0"/>
+                        </a:spcAft>
+                        <a:buClrTx/>
+                        <a:buSzTx/>
+                        <a:buFontTx/>
+                        <a:buNone/>
+                        <a:tabLst/>
+                        <a:defRPr/>
+                      </a:pPr>
+                      <a:r>
+                        <a:rPr kumimoji="1" lang="ja-JP" altLang="en-US" sz="1800" b="0" i="0" u="none" strike="noStrike" kern="1200" cap="none" spc="0" normalizeH="0" baseline="0" noProof="0" dirty="0">
+                          <a:ln>
+                            <a:noFill/>
+                          </a:ln>
+                          <a:solidFill>
+                            <a:prstClr val="black"/>
+                          </a:solidFill>
+                          <a:effectLst/>
+                          <a:uLnTx/>
+                          <a:uFillTx/>
+                          <a:latin typeface="メイリオ" panose="020B0604030504040204" pitchFamily="50" charset="-128"/>
+                          <a:ea typeface="メイリオ" panose="020B0604030504040204" pitchFamily="50" charset="-128"/>
+                          <a:cs typeface="+mn-cs"/>
+                        </a:rPr>
+                        <a:t>□</a:t>
+                      </a:r>
+                      <a:endParaRPr kumimoji="1" lang="en-US" altLang="ja-JP" sz="1800" b="0" i="0" u="none" strike="noStrike" kern="1200" cap="none" spc="0" normalizeH="0" baseline="0" noProof="0" dirty="0">
+                        <a:ln>
+                          <a:noFill/>
+                        </a:ln>
+                        <a:solidFill>
+                          <a:prstClr val="black"/>
+                        </a:solidFill>
+                        <a:effectLst/>
+                        <a:uLnTx/>
+                        <a:uFillTx/>
+                        <a:latin typeface="メイリオ" panose="020B0604030504040204" pitchFamily="50" charset="-128"/>
+                        <a:ea typeface="メイリオ" panose="020B0604030504040204" pitchFamily="50" charset="-128"/>
+                        <a:cs typeface="+mn-cs"/>
+                      </a:endParaRPr>
+                    </a:p>
+                    <a:p>
+                      <a:pPr marL="0" marR="0" lvl="0" indent="0" algn="ctr" defTabSz="914400" rtl="0" eaLnBrk="1" fontAlgn="auto" latinLnBrk="0" hangingPunct="1">
+                        <a:lnSpc>
+                          <a:spcPct val="100000"/>
+                        </a:lnSpc>
+                        <a:spcBef>
+                          <a:spcPts val="0"/>
+                        </a:spcBef>
+                        <a:spcAft>
+                          <a:spcPts val="0"/>
+                        </a:spcAft>
+                        <a:buClrTx/>
+                        <a:buSzTx/>
+                        <a:buFontTx/>
+                        <a:buNone/>
+                        <a:tabLst/>
+                        <a:defRPr/>
+                      </a:pPr>
+                      <a:r>
+                        <a:rPr kumimoji="1" lang="ja-JP" altLang="en-US" sz="1800" b="0" i="0" u="none" strike="noStrike" kern="1200" cap="none" spc="0" normalizeH="0" baseline="0" noProof="0" dirty="0">
+                          <a:ln>
+                            <a:noFill/>
+                          </a:ln>
+                          <a:solidFill>
+                            <a:prstClr val="black"/>
+                          </a:solidFill>
+                          <a:effectLst/>
+                          <a:uLnTx/>
+                          <a:uFillTx/>
+                          <a:latin typeface="メイリオ" panose="020B0604030504040204" pitchFamily="50" charset="-128"/>
+                          <a:ea typeface="メイリオ" panose="020B0604030504040204" pitchFamily="50" charset="-128"/>
+                          <a:cs typeface="+mn-cs"/>
+                        </a:rPr>
+                        <a:t>□</a:t>
+                      </a:r>
+                    </a:p>
+                  </a:txBody>
+                  <a:tcPr anchor="ctr"/>
+                </a:tc>
+                <a:tc>
+                  <a:txBody>
+                    <a:bodyPr/>
+                    <a:lstStyle/>
+                    <a:p>
+                      <a:pPr algn="ctr"/>
+                      <a:endParaRPr kumimoji="1" lang="ja-JP" altLang="en-US" dirty="0">
+                        <a:latin typeface="メイリオ" panose="020B0604030504040204" pitchFamily="50" charset="-128"/>
+                        <a:ea typeface="メイリオ" panose="020B0604030504040204" pitchFamily="50" charset="-128"/>
+                      </a:endParaRPr>
+                    </a:p>
+                  </a:txBody>
+                  <a:tcPr anchor="ctr"/>
+                </a:tc>
+                <a:tc>
+                  <a:txBody>
+                    <a:bodyPr/>
+                    <a:lstStyle/>
+                    <a:p>
+                      <a:pPr marL="0" marR="0" lvl="0" indent="0" algn="ctr" defTabSz="914400" rtl="0" eaLnBrk="1" fontAlgn="auto" latinLnBrk="0" hangingPunct="1">
+                        <a:lnSpc>
+                          <a:spcPct val="100000"/>
+                        </a:lnSpc>
+                        <a:spcBef>
+                          <a:spcPts val="0"/>
+                        </a:spcBef>
+                        <a:spcAft>
+                          <a:spcPts val="0"/>
+                        </a:spcAft>
+                        <a:buClrTx/>
+                        <a:buSzTx/>
+                        <a:buFontTx/>
+                        <a:buNone/>
+                        <a:tabLst/>
+                        <a:defRPr/>
+                      </a:pPr>
+                      <a:r>
+                        <a:rPr kumimoji="1" lang="ja-JP" altLang="en-US" sz="1800" b="0" i="0" u="none" strike="noStrike" kern="1200" cap="none" spc="0" normalizeH="0" baseline="0" noProof="0" dirty="0">
+                          <a:ln>
+                            <a:noFill/>
+                          </a:ln>
+                          <a:solidFill>
+                            <a:prstClr val="black"/>
+                          </a:solidFill>
+                          <a:effectLst/>
+                          <a:uLnTx/>
+                          <a:uFillTx/>
+                          <a:latin typeface="メイリオ" panose="020B0604030504040204" pitchFamily="50" charset="-128"/>
+                          <a:ea typeface="メイリオ" panose="020B0604030504040204" pitchFamily="50" charset="-128"/>
+                          <a:cs typeface="+mn-cs"/>
+                        </a:rPr>
+                        <a:t>■</a:t>
+                      </a:r>
+                      <a:endParaRPr kumimoji="1" lang="en-US" altLang="ja-JP" sz="1800" b="0" i="0" u="none" strike="noStrike" kern="1200" cap="none" spc="0" normalizeH="0" baseline="0" noProof="0" dirty="0">
+                        <a:ln>
+                          <a:noFill/>
+                        </a:ln>
+                        <a:solidFill>
+                          <a:prstClr val="black"/>
+                        </a:solidFill>
+                        <a:effectLst/>
+                        <a:uLnTx/>
+                        <a:uFillTx/>
+                        <a:latin typeface="メイリオ" panose="020B0604030504040204" pitchFamily="50" charset="-128"/>
+                        <a:ea typeface="メイリオ" panose="020B0604030504040204" pitchFamily="50" charset="-128"/>
+                        <a:cs typeface="+mn-cs"/>
+                      </a:endParaRPr>
+                    </a:p>
+                    <a:p>
+                      <a:pPr marL="0" marR="0" lvl="0" indent="0" algn="ctr" defTabSz="914400" rtl="0" eaLnBrk="1" fontAlgn="auto" latinLnBrk="0" hangingPunct="1">
+                        <a:lnSpc>
+                          <a:spcPct val="100000"/>
+                        </a:lnSpc>
+                        <a:spcBef>
+                          <a:spcPts val="0"/>
+                        </a:spcBef>
+                        <a:spcAft>
+                          <a:spcPts val="0"/>
+                        </a:spcAft>
+                        <a:buClrTx/>
+                        <a:buSzTx/>
+                        <a:buFontTx/>
+                        <a:buNone/>
+                        <a:tabLst/>
+                        <a:defRPr/>
+                      </a:pPr>
+                      <a:r>
+                        <a:rPr kumimoji="1" lang="ja-JP" altLang="en-US" sz="1800" b="0" i="0" u="none" strike="noStrike" kern="1200" cap="none" spc="0" normalizeH="0" baseline="0" noProof="0" dirty="0">
+                          <a:ln>
+                            <a:noFill/>
+                          </a:ln>
+                          <a:solidFill>
+                            <a:prstClr val="black"/>
+                          </a:solidFill>
+                          <a:effectLst/>
+                          <a:uLnTx/>
+                          <a:uFillTx/>
+                          <a:latin typeface="メイリオ" panose="020B0604030504040204" pitchFamily="50" charset="-128"/>
+                          <a:ea typeface="メイリオ" panose="020B0604030504040204" pitchFamily="50" charset="-128"/>
+                          <a:cs typeface="+mn-cs"/>
+                        </a:rPr>
+                        <a:t>□</a:t>
+                      </a:r>
+                      <a:endParaRPr kumimoji="1" lang="en-US" altLang="ja-JP" sz="1800" b="0" i="0" u="none" strike="noStrike" kern="1200" cap="none" spc="0" normalizeH="0" baseline="0" noProof="0" dirty="0">
+                        <a:ln>
+                          <a:noFill/>
+                        </a:ln>
+                        <a:solidFill>
+                          <a:prstClr val="black"/>
+                        </a:solidFill>
+                        <a:effectLst/>
+                        <a:uLnTx/>
+                        <a:uFillTx/>
+                        <a:latin typeface="メイリオ" panose="020B0604030504040204" pitchFamily="50" charset="-128"/>
+                        <a:ea typeface="メイリオ" panose="020B0604030504040204" pitchFamily="50" charset="-128"/>
+                        <a:cs typeface="+mn-cs"/>
+                      </a:endParaRPr>
+                    </a:p>
+                    <a:p>
+                      <a:pPr marL="0" marR="0" lvl="0" indent="0" algn="ctr" defTabSz="914400" rtl="0" eaLnBrk="1" fontAlgn="auto" latinLnBrk="0" hangingPunct="1">
+                        <a:lnSpc>
+                          <a:spcPct val="100000"/>
+                        </a:lnSpc>
+                        <a:spcBef>
+                          <a:spcPts val="0"/>
+                        </a:spcBef>
+                        <a:spcAft>
+                          <a:spcPts val="0"/>
+                        </a:spcAft>
+                        <a:buClrTx/>
+                        <a:buSzTx/>
+                        <a:buFontTx/>
+                        <a:buNone/>
+                        <a:tabLst/>
+                        <a:defRPr/>
+                      </a:pPr>
+                      <a:r>
+                        <a:rPr kumimoji="1" lang="ja-JP" altLang="en-US" sz="1800" b="0" i="0" u="none" strike="noStrike" kern="1200" cap="none" spc="0" normalizeH="0" baseline="0" noProof="0" dirty="0">
+                          <a:ln>
+                            <a:noFill/>
+                          </a:ln>
+                          <a:solidFill>
+                            <a:prstClr val="black"/>
+                          </a:solidFill>
+                          <a:effectLst/>
+                          <a:uLnTx/>
+                          <a:uFillTx/>
+                          <a:latin typeface="メイリオ" panose="020B0604030504040204" pitchFamily="50" charset="-128"/>
+                          <a:ea typeface="メイリオ" panose="020B0604030504040204" pitchFamily="50" charset="-128"/>
+                          <a:cs typeface="+mn-cs"/>
+                        </a:rPr>
+                        <a:t>□</a:t>
+                      </a:r>
+                    </a:p>
+                  </a:txBody>
+                  <a:tcPr anchor="ctr"/>
+                </a:tc>
+                <a:tc>
+                  <a:txBody>
+                    <a:bodyPr/>
+                    <a:lstStyle/>
+                    <a:p>
+                      <a:pPr marL="0" marR="0" lvl="0" indent="0" algn="ctr" defTabSz="914400" rtl="0" eaLnBrk="1" fontAlgn="auto" latinLnBrk="0" hangingPunct="1">
+                        <a:lnSpc>
+                          <a:spcPct val="100000"/>
+                        </a:lnSpc>
+                        <a:spcBef>
+                          <a:spcPts val="0"/>
+                        </a:spcBef>
+                        <a:spcAft>
+                          <a:spcPts val="0"/>
+                        </a:spcAft>
+                        <a:buClrTx/>
+                        <a:buSzTx/>
+                        <a:buFontTx/>
+                        <a:buNone/>
+                        <a:tabLst/>
+                        <a:defRPr/>
+                      </a:pPr>
+                      <a:r>
+                        <a:rPr kumimoji="1" lang="ja-JP" altLang="en-US" sz="1800" b="0" i="0" u="none" strike="noStrike" kern="1200" cap="none" spc="0" normalizeH="0" baseline="0" noProof="0" dirty="0">
+                          <a:ln>
+                            <a:noFill/>
+                          </a:ln>
+                          <a:solidFill>
+                            <a:prstClr val="black"/>
+                          </a:solidFill>
+                          <a:effectLst/>
+                          <a:uLnTx/>
+                          <a:uFillTx/>
+                          <a:latin typeface="メイリオ" panose="020B0604030504040204" pitchFamily="50" charset="-128"/>
+                          <a:ea typeface="メイリオ" panose="020B0604030504040204" pitchFamily="50" charset="-128"/>
+                          <a:cs typeface="+mn-cs"/>
+                        </a:rPr>
+                        <a:t>□</a:t>
+                      </a:r>
+                      <a:endParaRPr kumimoji="1" lang="en-US" altLang="ja-JP" sz="1800" b="0" i="0" u="none" strike="noStrike" kern="1200" cap="none" spc="0" normalizeH="0" baseline="0" noProof="0" dirty="0">
+                        <a:ln>
+                          <a:noFill/>
+                        </a:ln>
+                        <a:solidFill>
+                          <a:prstClr val="black"/>
+                        </a:solidFill>
+                        <a:effectLst/>
+                        <a:uLnTx/>
+                        <a:uFillTx/>
+                        <a:latin typeface="メイリオ" panose="020B0604030504040204" pitchFamily="50" charset="-128"/>
+                        <a:ea typeface="メイリオ" panose="020B0604030504040204" pitchFamily="50" charset="-128"/>
+                        <a:cs typeface="+mn-cs"/>
+                      </a:endParaRPr>
+                    </a:p>
+                    <a:p>
+                      <a:pPr marL="0" marR="0" lvl="0" indent="0" algn="ctr" defTabSz="914400" rtl="0" eaLnBrk="1" fontAlgn="auto" latinLnBrk="0" hangingPunct="1">
+                        <a:lnSpc>
+                          <a:spcPct val="100000"/>
+                        </a:lnSpc>
+                        <a:spcBef>
+                          <a:spcPts val="0"/>
+                        </a:spcBef>
+                        <a:spcAft>
+                          <a:spcPts val="0"/>
+                        </a:spcAft>
+                        <a:buClrTx/>
+                        <a:buSzTx/>
+                        <a:buFontTx/>
+                        <a:buNone/>
+                        <a:tabLst/>
+                        <a:defRPr/>
+                      </a:pPr>
+                      <a:endParaRPr kumimoji="1" lang="en-US" altLang="ja-JP" sz="1800" b="0" i="0" u="none" strike="noStrike" kern="1200" cap="none" spc="0" normalizeH="0" baseline="0" noProof="0" dirty="0">
+                        <a:ln>
+                          <a:noFill/>
+                        </a:ln>
+                        <a:solidFill>
+                          <a:prstClr val="black"/>
+                        </a:solidFill>
+                        <a:effectLst/>
+                        <a:uLnTx/>
+                        <a:uFillTx/>
+                        <a:latin typeface="メイリオ" panose="020B0604030504040204" pitchFamily="50" charset="-128"/>
+                        <a:ea typeface="メイリオ" panose="020B0604030504040204" pitchFamily="50" charset="-128"/>
+                        <a:cs typeface="+mn-cs"/>
+                      </a:endParaRPr>
+                    </a:p>
+                    <a:p>
+                      <a:pPr marL="0" marR="0" lvl="0" indent="0" algn="ctr" defTabSz="914400" rtl="0" eaLnBrk="1" fontAlgn="auto" latinLnBrk="0" hangingPunct="1">
+                        <a:lnSpc>
+                          <a:spcPct val="100000"/>
+                        </a:lnSpc>
+                        <a:spcBef>
+                          <a:spcPts val="0"/>
+                        </a:spcBef>
+                        <a:spcAft>
+                          <a:spcPts val="0"/>
+                        </a:spcAft>
+                        <a:buClrTx/>
+                        <a:buSzTx/>
+                        <a:buFontTx/>
+                        <a:buNone/>
+                        <a:tabLst/>
+                        <a:defRPr/>
+                      </a:pPr>
+                      <a:r>
+                        <a:rPr kumimoji="1" lang="ja-JP" altLang="en-US" sz="1800" b="0" i="0" u="none" strike="noStrike" kern="1200" cap="none" spc="0" normalizeH="0" baseline="0" noProof="0" dirty="0">
+                          <a:ln>
+                            <a:noFill/>
+                          </a:ln>
+                          <a:solidFill>
+                            <a:prstClr val="black"/>
+                          </a:solidFill>
+                          <a:effectLst/>
+                          <a:uLnTx/>
+                          <a:uFillTx/>
+                          <a:latin typeface="メイリオ" panose="020B0604030504040204" pitchFamily="50" charset="-128"/>
+                          <a:ea typeface="メイリオ" panose="020B0604030504040204" pitchFamily="50" charset="-128"/>
+                          <a:cs typeface="+mn-cs"/>
+                        </a:rPr>
+                        <a:t>□</a:t>
+                      </a:r>
+                    </a:p>
+                  </a:txBody>
+                  <a:tcPr anchor="ctr"/>
+                </a:tc>
+                <a:tc>
+                  <a:txBody>
+                    <a:bodyPr/>
+                    <a:lstStyle/>
+                    <a:p>
+                      <a:pPr marL="0" marR="0" lvl="0" indent="0" algn="ctr" defTabSz="914400" rtl="0" eaLnBrk="1" fontAlgn="auto" latinLnBrk="0" hangingPunct="1">
+                        <a:lnSpc>
+                          <a:spcPct val="100000"/>
+                        </a:lnSpc>
+                        <a:spcBef>
+                          <a:spcPts val="0"/>
+                        </a:spcBef>
+                        <a:spcAft>
+                          <a:spcPts val="0"/>
+                        </a:spcAft>
+                        <a:buClrTx/>
+                        <a:buSzTx/>
+                        <a:buFontTx/>
+                        <a:buNone/>
+                        <a:tabLst/>
+                        <a:defRPr/>
+                      </a:pPr>
+                      <a:r>
+                        <a:rPr kumimoji="1" lang="ja-JP" altLang="en-US" sz="1800" b="0" i="0" u="none" strike="noStrike" kern="1200" cap="none" spc="0" normalizeH="0" baseline="0" noProof="0">
+                          <a:ln>
+                            <a:noFill/>
+                          </a:ln>
+                          <a:solidFill>
+                            <a:prstClr val="black"/>
+                          </a:solidFill>
+                          <a:effectLst/>
+                          <a:uLnTx/>
+                          <a:uFillTx/>
+                          <a:latin typeface="メイリオ" panose="020B0604030504040204" pitchFamily="50" charset="-128"/>
+                          <a:ea typeface="メイリオ" panose="020B0604030504040204" pitchFamily="50" charset="-128"/>
+                          <a:cs typeface="+mn-cs"/>
+                        </a:rPr>
+                        <a:t>□</a:t>
+                      </a:r>
+                      <a:endParaRPr kumimoji="1" lang="en-US" altLang="ja-JP" sz="1800" b="0" i="0" u="none" strike="noStrike" kern="1200" cap="none" spc="0" normalizeH="0" baseline="0" noProof="0">
+                        <a:ln>
+                          <a:noFill/>
+                        </a:ln>
+                        <a:solidFill>
+                          <a:prstClr val="black"/>
+                        </a:solidFill>
+                        <a:effectLst/>
+                        <a:uLnTx/>
+                        <a:uFillTx/>
+                        <a:latin typeface="メイリオ" panose="020B0604030504040204" pitchFamily="50" charset="-128"/>
+                        <a:ea typeface="メイリオ" panose="020B0604030504040204" pitchFamily="50" charset="-128"/>
+                        <a:cs typeface="+mn-cs"/>
+                      </a:endParaRPr>
+                    </a:p>
+                    <a:p>
+                      <a:pPr marL="0" marR="0" lvl="0" indent="0" algn="ctr" defTabSz="914400" rtl="0" eaLnBrk="1" fontAlgn="auto" latinLnBrk="0" hangingPunct="1">
+                        <a:lnSpc>
+                          <a:spcPct val="100000"/>
+                        </a:lnSpc>
+                        <a:spcBef>
+                          <a:spcPts val="0"/>
+                        </a:spcBef>
+                        <a:spcAft>
+                          <a:spcPts val="0"/>
+                        </a:spcAft>
+                        <a:buClrTx/>
+                        <a:buSzTx/>
+                        <a:buFontTx/>
+                        <a:buNone/>
+                        <a:tabLst/>
+                        <a:defRPr/>
+                      </a:pPr>
+                      <a:r>
+                        <a:rPr kumimoji="1" lang="ja-JP" altLang="en-US" sz="1800" b="0" i="0" u="none" strike="noStrike" kern="1200" cap="none" spc="0" normalizeH="0" baseline="0" noProof="0">
+                          <a:ln>
+                            <a:noFill/>
+                          </a:ln>
+                          <a:solidFill>
+                            <a:prstClr val="black"/>
+                          </a:solidFill>
+                          <a:effectLst/>
+                          <a:uLnTx/>
+                          <a:uFillTx/>
+                          <a:latin typeface="メイリオ" panose="020B0604030504040204" pitchFamily="50" charset="-128"/>
+                          <a:ea typeface="メイリオ" panose="020B0604030504040204" pitchFamily="50" charset="-128"/>
+                          <a:cs typeface="+mn-cs"/>
+                        </a:rPr>
+                        <a:t>□</a:t>
+                      </a:r>
+                      <a:endParaRPr kumimoji="1" lang="en-US" altLang="ja-JP" sz="1800" b="0" i="0" u="none" strike="noStrike" kern="1200" cap="none" spc="0" normalizeH="0" baseline="0" noProof="0">
+                        <a:ln>
+                          <a:noFill/>
+                        </a:ln>
+                        <a:solidFill>
+                          <a:prstClr val="black"/>
+                        </a:solidFill>
+                        <a:effectLst/>
+                        <a:uLnTx/>
+                        <a:uFillTx/>
+                        <a:latin typeface="メイリオ" panose="020B0604030504040204" pitchFamily="50" charset="-128"/>
+                        <a:ea typeface="メイリオ" panose="020B0604030504040204" pitchFamily="50" charset="-128"/>
+                        <a:cs typeface="+mn-cs"/>
+                      </a:endParaRPr>
+                    </a:p>
+                    <a:p>
+                      <a:pPr marL="0" marR="0" lvl="0" indent="0" algn="ctr" defTabSz="914400" rtl="0" eaLnBrk="1" fontAlgn="auto" latinLnBrk="0" hangingPunct="1">
+                        <a:lnSpc>
+                          <a:spcPct val="100000"/>
+                        </a:lnSpc>
+                        <a:spcBef>
+                          <a:spcPts val="0"/>
+                        </a:spcBef>
+                        <a:spcAft>
+                          <a:spcPts val="0"/>
+                        </a:spcAft>
+                        <a:buClrTx/>
+                        <a:buSzTx/>
+                        <a:buFontTx/>
+                        <a:buNone/>
+                        <a:tabLst/>
+                        <a:defRPr/>
+                      </a:pPr>
+                      <a:r>
+                        <a:rPr kumimoji="1" lang="ja-JP" altLang="en-US" sz="1800" b="0" i="0" u="none" strike="noStrike" kern="1200" cap="none" spc="0" normalizeH="0" baseline="0" noProof="0">
+                          <a:ln>
+                            <a:noFill/>
+                          </a:ln>
+                          <a:solidFill>
+                            <a:prstClr val="black"/>
+                          </a:solidFill>
+                          <a:effectLst/>
+                          <a:uLnTx/>
+                          <a:uFillTx/>
+                          <a:latin typeface="メイリオ" panose="020B0604030504040204" pitchFamily="50" charset="-128"/>
+                          <a:ea typeface="メイリオ" panose="020B0604030504040204" pitchFamily="50" charset="-128"/>
+                          <a:cs typeface="+mn-cs"/>
+                        </a:rPr>
+                        <a:t>□</a:t>
+                      </a:r>
+                      <a:endParaRPr kumimoji="1" lang="ja-JP" altLang="en-US" sz="1800" b="0" i="0" u="none" strike="noStrike" kern="1200" cap="none" spc="0" normalizeH="0" baseline="0" noProof="0" dirty="0">
+                        <a:ln>
+                          <a:noFill/>
+                        </a:ln>
+                        <a:solidFill>
+                          <a:prstClr val="black"/>
+                        </a:solidFill>
+                        <a:effectLst/>
+                        <a:uLnTx/>
+                        <a:uFillTx/>
+                        <a:latin typeface="メイリオ" panose="020B0604030504040204" pitchFamily="50" charset="-128"/>
+                        <a:ea typeface="メイリオ" panose="020B0604030504040204" pitchFamily="50" charset="-128"/>
+                        <a:cs typeface="+mn-cs"/>
+                      </a:endParaRPr>
+                    </a:p>
+                  </a:txBody>
+                  <a:tcPr anchor="ctr"/>
+                </a:tc>
+                <a:tc>
+                  <a:txBody>
+                    <a:bodyPr/>
+                    <a:lstStyle/>
+                    <a:p>
+                      <a:pPr marL="0" marR="0" lvl="0" indent="0" algn="ctr" defTabSz="914400" rtl="0" eaLnBrk="1" fontAlgn="auto" latinLnBrk="0" hangingPunct="1">
+                        <a:lnSpc>
+                          <a:spcPct val="100000"/>
+                        </a:lnSpc>
+                        <a:spcBef>
+                          <a:spcPts val="0"/>
+                        </a:spcBef>
+                        <a:spcAft>
+                          <a:spcPts val="0"/>
+                        </a:spcAft>
+                        <a:buClrTx/>
+                        <a:buSzTx/>
+                        <a:buFontTx/>
+                        <a:buNone/>
+                        <a:tabLst/>
+                        <a:defRPr/>
+                      </a:pPr>
+                      <a:r>
+                        <a:rPr kumimoji="1" lang="ja-JP" altLang="en-US" sz="1800" b="0" i="0" u="none" strike="noStrike" kern="1200" cap="none" spc="0" normalizeH="0" baseline="0" noProof="0" dirty="0">
+                          <a:ln>
+                            <a:noFill/>
+                          </a:ln>
+                          <a:solidFill>
+                            <a:prstClr val="black"/>
+                          </a:solidFill>
+                          <a:effectLst/>
+                          <a:uLnTx/>
+                          <a:uFillTx/>
+                          <a:latin typeface="メイリオ" panose="020B0604030504040204" pitchFamily="50" charset="-128"/>
+                          <a:ea typeface="メイリオ" panose="020B0604030504040204" pitchFamily="50" charset="-128"/>
+                          <a:cs typeface="+mn-cs"/>
+                        </a:rPr>
+                        <a:t>□</a:t>
+                      </a:r>
+                      <a:endParaRPr kumimoji="1" lang="en-US" altLang="ja-JP" sz="1800" b="0" i="0" u="none" strike="noStrike" kern="1200" cap="none" spc="0" normalizeH="0" baseline="0" noProof="0" dirty="0">
+                        <a:ln>
+                          <a:noFill/>
+                        </a:ln>
+                        <a:solidFill>
+                          <a:prstClr val="black"/>
+                        </a:solidFill>
+                        <a:effectLst/>
+                        <a:uLnTx/>
+                        <a:uFillTx/>
+                        <a:latin typeface="メイリオ" panose="020B0604030504040204" pitchFamily="50" charset="-128"/>
+                        <a:ea typeface="メイリオ" panose="020B0604030504040204" pitchFamily="50" charset="-128"/>
+                        <a:cs typeface="+mn-cs"/>
+                      </a:endParaRPr>
+                    </a:p>
+                    <a:p>
+                      <a:pPr marL="0" marR="0" lvl="0" indent="0" algn="ctr" defTabSz="914400" rtl="0" eaLnBrk="1" fontAlgn="auto" latinLnBrk="0" hangingPunct="1">
+                        <a:lnSpc>
+                          <a:spcPct val="100000"/>
+                        </a:lnSpc>
+                        <a:spcBef>
+                          <a:spcPts val="0"/>
+                        </a:spcBef>
+                        <a:spcAft>
+                          <a:spcPts val="0"/>
+                        </a:spcAft>
+                        <a:buClrTx/>
+                        <a:buSzTx/>
+                        <a:buFontTx/>
+                        <a:buNone/>
+                        <a:tabLst/>
+                        <a:defRPr/>
+                      </a:pPr>
+                      <a:r>
+                        <a:rPr kumimoji="1" lang="ja-JP" altLang="en-US" sz="1800" b="0" i="0" u="none" strike="noStrike" kern="1200" cap="none" spc="0" normalizeH="0" baseline="0" noProof="0" dirty="0">
+                          <a:ln>
+                            <a:noFill/>
+                          </a:ln>
+                          <a:solidFill>
+                            <a:prstClr val="black"/>
+                          </a:solidFill>
+                          <a:effectLst/>
+                          <a:uLnTx/>
+                          <a:uFillTx/>
+                          <a:latin typeface="メイリオ" panose="020B0604030504040204" pitchFamily="50" charset="-128"/>
+                          <a:ea typeface="メイリオ" panose="020B0604030504040204" pitchFamily="50" charset="-128"/>
+                          <a:cs typeface="+mn-cs"/>
+                        </a:rPr>
+                        <a:t>□</a:t>
+                      </a:r>
+                      <a:endParaRPr kumimoji="1" lang="en-US" altLang="ja-JP" sz="1800" b="0" i="0" u="none" strike="noStrike" kern="1200" cap="none" spc="0" normalizeH="0" baseline="0" noProof="0" dirty="0">
+                        <a:ln>
+                          <a:noFill/>
+                        </a:ln>
+                        <a:solidFill>
+                          <a:prstClr val="black"/>
+                        </a:solidFill>
+                        <a:effectLst/>
+                        <a:uLnTx/>
+                        <a:uFillTx/>
+                        <a:latin typeface="メイリオ" panose="020B0604030504040204" pitchFamily="50" charset="-128"/>
+                        <a:ea typeface="メイリオ" panose="020B0604030504040204" pitchFamily="50" charset="-128"/>
+                        <a:cs typeface="+mn-cs"/>
+                      </a:endParaRPr>
+                    </a:p>
+                    <a:p>
+                      <a:pPr marL="0" marR="0" lvl="0" indent="0" algn="ctr" defTabSz="914400" rtl="0" eaLnBrk="1" fontAlgn="auto" latinLnBrk="0" hangingPunct="1">
+                        <a:lnSpc>
+                          <a:spcPct val="100000"/>
+                        </a:lnSpc>
+                        <a:spcBef>
+                          <a:spcPts val="0"/>
+                        </a:spcBef>
+                        <a:spcAft>
+                          <a:spcPts val="0"/>
+                        </a:spcAft>
+                        <a:buClrTx/>
+                        <a:buSzTx/>
+                        <a:buFontTx/>
+                        <a:buNone/>
+                        <a:tabLst/>
+                        <a:defRPr/>
+                      </a:pPr>
+                      <a:r>
+                        <a:rPr kumimoji="1" lang="ja-JP" altLang="en-US" sz="1800" b="0" i="0" u="none" strike="noStrike" kern="1200" cap="none" spc="0" normalizeH="0" baseline="0" noProof="0" dirty="0">
+                          <a:ln>
+                            <a:noFill/>
+                          </a:ln>
+                          <a:solidFill>
+                            <a:prstClr val="black"/>
+                          </a:solidFill>
+                          <a:effectLst/>
+                          <a:uLnTx/>
+                          <a:uFillTx/>
+                          <a:latin typeface="メイリオ" panose="020B0604030504040204" pitchFamily="50" charset="-128"/>
+                          <a:ea typeface="メイリオ" panose="020B0604030504040204" pitchFamily="50" charset="-128"/>
+                          <a:cs typeface="+mn-cs"/>
+                        </a:rPr>
+                        <a:t>□</a:t>
+                      </a:r>
+                    </a:p>
+                  </a:txBody>
+                  <a:tcPr anchor="ctr"/>
+                </a:tc>
+                <a:tc>
+                  <a:txBody>
+                    <a:bodyPr/>
+                    <a:lstStyle/>
+                    <a:p>
+                      <a:pPr algn="ctr"/>
+                      <a:endParaRPr kumimoji="1" lang="ja-JP" altLang="en-US" dirty="0">
+                        <a:latin typeface="メイリオ" panose="020B0604030504040204" pitchFamily="50" charset="-128"/>
+                        <a:ea typeface="メイリオ" panose="020B0604030504040204" pitchFamily="50" charset="-128"/>
+                      </a:endParaRPr>
+                    </a:p>
+                  </a:txBody>
+                  <a:tcPr anchor="ctr"/>
+                </a:tc>
+                <a:tc>
+                  <a:txBody>
+                    <a:bodyPr/>
+                    <a:lstStyle/>
+                    <a:p>
+                      <a:pPr marL="0" marR="0" lvl="0" indent="0" algn="ctr" defTabSz="914400" rtl="0" eaLnBrk="1" fontAlgn="auto" latinLnBrk="0" hangingPunct="1">
+                        <a:lnSpc>
+                          <a:spcPct val="100000"/>
+                        </a:lnSpc>
+                        <a:spcBef>
+                          <a:spcPts val="0"/>
+                        </a:spcBef>
+                        <a:spcAft>
+                          <a:spcPts val="0"/>
+                        </a:spcAft>
+                        <a:buClrTx/>
+                        <a:buSzTx/>
+                        <a:buFontTx/>
+                        <a:buNone/>
+                        <a:tabLst/>
+                        <a:defRPr/>
+                      </a:pPr>
+                      <a:r>
+                        <a:rPr kumimoji="1" lang="ja-JP" altLang="en-US" sz="1800" b="0" i="0" u="none" strike="noStrike" kern="1200" cap="none" spc="0" normalizeH="0" baseline="0" noProof="0">
+                          <a:ln>
+                            <a:noFill/>
+                          </a:ln>
+                          <a:solidFill>
+                            <a:prstClr val="black"/>
+                          </a:solidFill>
+                          <a:effectLst/>
+                          <a:uLnTx/>
+                          <a:uFillTx/>
+                          <a:latin typeface="メイリオ" panose="020B0604030504040204" pitchFamily="50" charset="-128"/>
+                          <a:ea typeface="メイリオ" panose="020B0604030504040204" pitchFamily="50" charset="-128"/>
+                          <a:cs typeface="+mn-cs"/>
+                        </a:rPr>
+                        <a:t>□</a:t>
+                      </a:r>
+                      <a:endParaRPr kumimoji="1" lang="en-US" altLang="ja-JP" sz="1800" b="0" i="0" u="none" strike="noStrike" kern="1200" cap="none" spc="0" normalizeH="0" baseline="0" noProof="0">
+                        <a:ln>
+                          <a:noFill/>
+                        </a:ln>
+                        <a:solidFill>
+                          <a:prstClr val="black"/>
+                        </a:solidFill>
+                        <a:effectLst/>
+                        <a:uLnTx/>
+                        <a:uFillTx/>
+                        <a:latin typeface="メイリオ" panose="020B0604030504040204" pitchFamily="50" charset="-128"/>
+                        <a:ea typeface="メイリオ" panose="020B0604030504040204" pitchFamily="50" charset="-128"/>
+                        <a:cs typeface="+mn-cs"/>
+                      </a:endParaRPr>
+                    </a:p>
+                    <a:p>
+                      <a:pPr marL="0" marR="0" lvl="0" indent="0" algn="ctr" defTabSz="914400" rtl="0" eaLnBrk="1" fontAlgn="auto" latinLnBrk="0" hangingPunct="1">
+                        <a:lnSpc>
+                          <a:spcPct val="100000"/>
+                        </a:lnSpc>
+                        <a:spcBef>
+                          <a:spcPts val="0"/>
+                        </a:spcBef>
+                        <a:spcAft>
+                          <a:spcPts val="0"/>
+                        </a:spcAft>
+                        <a:buClrTx/>
+                        <a:buSzTx/>
+                        <a:buFontTx/>
+                        <a:buNone/>
+                        <a:tabLst/>
+                        <a:defRPr/>
+                      </a:pPr>
+                      <a:r>
+                        <a:rPr kumimoji="1" lang="ja-JP" altLang="en-US" sz="1800" b="0" i="0" u="none" strike="noStrike" kern="1200" cap="none" spc="0" normalizeH="0" baseline="0" noProof="0">
+                          <a:ln>
+                            <a:noFill/>
+                          </a:ln>
+                          <a:solidFill>
+                            <a:prstClr val="black"/>
+                          </a:solidFill>
+                          <a:effectLst/>
+                          <a:uLnTx/>
+                          <a:uFillTx/>
+                          <a:latin typeface="メイリオ" panose="020B0604030504040204" pitchFamily="50" charset="-128"/>
+                          <a:ea typeface="メイリオ" panose="020B0604030504040204" pitchFamily="50" charset="-128"/>
+                          <a:cs typeface="+mn-cs"/>
+                        </a:rPr>
+                        <a:t>□</a:t>
+                      </a:r>
+                      <a:endParaRPr kumimoji="1" lang="en-US" altLang="ja-JP" sz="1800" b="0" i="0" u="none" strike="noStrike" kern="1200" cap="none" spc="0" normalizeH="0" baseline="0" noProof="0">
+                        <a:ln>
+                          <a:noFill/>
+                        </a:ln>
+                        <a:solidFill>
+                          <a:prstClr val="black"/>
+                        </a:solidFill>
+                        <a:effectLst/>
+                        <a:uLnTx/>
+                        <a:uFillTx/>
+                        <a:latin typeface="メイリオ" panose="020B0604030504040204" pitchFamily="50" charset="-128"/>
+                        <a:ea typeface="メイリオ" panose="020B0604030504040204" pitchFamily="50" charset="-128"/>
+                        <a:cs typeface="+mn-cs"/>
+                      </a:endParaRPr>
+                    </a:p>
+                    <a:p>
+                      <a:pPr marL="0" marR="0" lvl="0" indent="0" algn="ctr" defTabSz="914400" rtl="0" eaLnBrk="1" fontAlgn="auto" latinLnBrk="0" hangingPunct="1">
+                        <a:lnSpc>
+                          <a:spcPct val="100000"/>
+                        </a:lnSpc>
+                        <a:spcBef>
+                          <a:spcPts val="0"/>
+                        </a:spcBef>
+                        <a:spcAft>
+                          <a:spcPts val="0"/>
+                        </a:spcAft>
+                        <a:buClrTx/>
+                        <a:buSzTx/>
+                        <a:buFontTx/>
+                        <a:buNone/>
+                        <a:tabLst/>
+                        <a:defRPr/>
+                      </a:pPr>
+                      <a:r>
+                        <a:rPr kumimoji="1" lang="ja-JP" altLang="en-US" sz="1800" b="0" i="0" u="none" strike="noStrike" kern="1200" cap="none" spc="0" normalizeH="0" baseline="0" noProof="0">
+                          <a:ln>
+                            <a:noFill/>
+                          </a:ln>
+                          <a:solidFill>
+                            <a:prstClr val="black"/>
+                          </a:solidFill>
+                          <a:effectLst/>
+                          <a:uLnTx/>
+                          <a:uFillTx/>
+                          <a:latin typeface="メイリオ" panose="020B0604030504040204" pitchFamily="50" charset="-128"/>
+                          <a:ea typeface="メイリオ" panose="020B0604030504040204" pitchFamily="50" charset="-128"/>
+                          <a:cs typeface="+mn-cs"/>
+                        </a:rPr>
+                        <a:t>□</a:t>
+                      </a:r>
+                      <a:endParaRPr kumimoji="1" lang="ja-JP" altLang="en-US" sz="1800" b="0" i="0" u="none" strike="noStrike" kern="1200" cap="none" spc="0" normalizeH="0" baseline="0" noProof="0" dirty="0">
+                        <a:ln>
+                          <a:noFill/>
+                        </a:ln>
+                        <a:solidFill>
+                          <a:prstClr val="black"/>
+                        </a:solidFill>
+                        <a:effectLst/>
+                        <a:uLnTx/>
+                        <a:uFillTx/>
+                        <a:latin typeface="メイリオ" panose="020B0604030504040204" pitchFamily="50" charset="-128"/>
+                        <a:ea typeface="メイリオ" panose="020B0604030504040204" pitchFamily="50" charset="-128"/>
+                        <a:cs typeface="+mn-cs"/>
+                      </a:endParaRPr>
+                    </a:p>
+                  </a:txBody>
+                  <a:tcPr anchor="ctr"/>
+                </a:tc>
+                <a:tc>
+                  <a:txBody>
+                    <a:bodyPr/>
+                    <a:lstStyle/>
+                    <a:p>
+                      <a:pPr marL="0" marR="0" lvl="0" indent="0" algn="ctr" defTabSz="914400" rtl="0" eaLnBrk="1" fontAlgn="auto" latinLnBrk="0" hangingPunct="1">
+                        <a:lnSpc>
+                          <a:spcPct val="100000"/>
+                        </a:lnSpc>
+                        <a:spcBef>
+                          <a:spcPts val="0"/>
+                        </a:spcBef>
+                        <a:spcAft>
+                          <a:spcPts val="0"/>
+                        </a:spcAft>
+                        <a:buClrTx/>
+                        <a:buSzTx/>
+                        <a:buFontTx/>
+                        <a:buNone/>
+                        <a:tabLst/>
+                        <a:defRPr/>
+                      </a:pPr>
+                      <a:r>
+                        <a:rPr kumimoji="1" lang="ja-JP" altLang="en-US" sz="1800" b="0" i="0" u="none" strike="noStrike" kern="1200" cap="none" spc="0" normalizeH="0" baseline="0" noProof="0" dirty="0">
+                          <a:ln>
+                            <a:noFill/>
+                          </a:ln>
+                          <a:solidFill>
+                            <a:prstClr val="black"/>
+                          </a:solidFill>
+                          <a:effectLst/>
+                          <a:uLnTx/>
+                          <a:uFillTx/>
+                          <a:latin typeface="メイリオ" panose="020B0604030504040204" pitchFamily="50" charset="-128"/>
+                          <a:ea typeface="メイリオ" panose="020B0604030504040204" pitchFamily="50" charset="-128"/>
+                          <a:cs typeface="+mn-cs"/>
+                        </a:rPr>
+                        <a:t>□</a:t>
+                      </a:r>
+                      <a:endParaRPr kumimoji="1" lang="en-US" altLang="ja-JP" sz="1800" b="0" i="0" u="none" strike="noStrike" kern="1200" cap="none" spc="0" normalizeH="0" baseline="0" noProof="0" dirty="0">
+                        <a:ln>
+                          <a:noFill/>
+                        </a:ln>
+                        <a:solidFill>
+                          <a:prstClr val="black"/>
+                        </a:solidFill>
+                        <a:effectLst/>
+                        <a:uLnTx/>
+                        <a:uFillTx/>
+                        <a:latin typeface="メイリオ" panose="020B0604030504040204" pitchFamily="50" charset="-128"/>
+                        <a:ea typeface="メイリオ" panose="020B0604030504040204" pitchFamily="50" charset="-128"/>
+                        <a:cs typeface="+mn-cs"/>
+                      </a:endParaRPr>
+                    </a:p>
+                    <a:p>
+                      <a:pPr marL="0" marR="0" lvl="0" indent="0" algn="ctr" defTabSz="914400" rtl="0" eaLnBrk="1" fontAlgn="auto" latinLnBrk="0" hangingPunct="1">
+                        <a:lnSpc>
+                          <a:spcPct val="100000"/>
+                        </a:lnSpc>
+                        <a:spcBef>
+                          <a:spcPts val="0"/>
+                        </a:spcBef>
+                        <a:spcAft>
+                          <a:spcPts val="0"/>
+                        </a:spcAft>
+                        <a:buClrTx/>
+                        <a:buSzTx/>
+                        <a:buFontTx/>
+                        <a:buNone/>
+                        <a:tabLst/>
+                        <a:defRPr/>
+                      </a:pPr>
+                      <a:endParaRPr kumimoji="1" lang="en-US" altLang="ja-JP" sz="1800" b="0" i="0" u="none" strike="noStrike" kern="1200" cap="none" spc="0" normalizeH="0" baseline="0" noProof="0" dirty="0">
+                        <a:ln>
+                          <a:noFill/>
+                        </a:ln>
+                        <a:solidFill>
+                          <a:prstClr val="black"/>
+                        </a:solidFill>
+                        <a:effectLst/>
+                        <a:uLnTx/>
+                        <a:uFillTx/>
+                        <a:latin typeface="メイリオ" panose="020B0604030504040204" pitchFamily="50" charset="-128"/>
+                        <a:ea typeface="メイリオ" panose="020B0604030504040204" pitchFamily="50" charset="-128"/>
+                        <a:cs typeface="+mn-cs"/>
+                      </a:endParaRPr>
+                    </a:p>
+                    <a:p>
+                      <a:pPr marL="0" marR="0" lvl="0" indent="0" algn="ctr" defTabSz="914400" rtl="0" eaLnBrk="1" fontAlgn="auto" latinLnBrk="0" hangingPunct="1">
+                        <a:lnSpc>
+                          <a:spcPct val="100000"/>
+                        </a:lnSpc>
+                        <a:spcBef>
+                          <a:spcPts val="0"/>
+                        </a:spcBef>
+                        <a:spcAft>
+                          <a:spcPts val="0"/>
+                        </a:spcAft>
+                        <a:buClrTx/>
+                        <a:buSzTx/>
+                        <a:buFontTx/>
+                        <a:buNone/>
+                        <a:tabLst/>
+                        <a:defRPr/>
+                      </a:pPr>
+                      <a:r>
+                        <a:rPr kumimoji="1" lang="ja-JP" altLang="en-US" sz="1800" b="0" i="0" u="none" strike="noStrike" kern="1200" cap="none" spc="0" normalizeH="0" baseline="0" noProof="0" dirty="0">
+                          <a:ln>
+                            <a:noFill/>
+                          </a:ln>
+                          <a:solidFill>
+                            <a:prstClr val="black"/>
+                          </a:solidFill>
+                          <a:effectLst/>
+                          <a:uLnTx/>
+                          <a:uFillTx/>
+                          <a:latin typeface="メイリオ" panose="020B0604030504040204" pitchFamily="50" charset="-128"/>
+                          <a:ea typeface="メイリオ" panose="020B0604030504040204" pitchFamily="50" charset="-128"/>
+                          <a:cs typeface="+mn-cs"/>
+                        </a:rPr>
+                        <a:t>□</a:t>
+                      </a:r>
+                    </a:p>
+                  </a:txBody>
+                  <a:tcPr anchor="ctr"/>
+                </a:tc>
+                <a:tc>
+                  <a:txBody>
+                    <a:bodyPr/>
+                    <a:lstStyle/>
+                    <a:p>
+                      <a:pPr marL="0" marR="0" lvl="0" indent="0" algn="ctr" defTabSz="914400" rtl="0" eaLnBrk="1" fontAlgn="auto" latinLnBrk="0" hangingPunct="1">
+                        <a:lnSpc>
+                          <a:spcPct val="100000"/>
+                        </a:lnSpc>
+                        <a:spcBef>
+                          <a:spcPts val="0"/>
+                        </a:spcBef>
+                        <a:spcAft>
+                          <a:spcPts val="0"/>
+                        </a:spcAft>
+                        <a:buClrTx/>
+                        <a:buSzTx/>
+                        <a:buFontTx/>
+                        <a:buNone/>
+                        <a:tabLst/>
+                        <a:defRPr/>
+                      </a:pPr>
+                      <a:r>
+                        <a:rPr kumimoji="1" lang="ja-JP" altLang="en-US" sz="1800" b="0" i="0" u="none" strike="noStrike" kern="1200" cap="none" spc="0" normalizeH="0" baseline="0" noProof="0" dirty="0">
+                          <a:ln>
+                            <a:noFill/>
+                          </a:ln>
+                          <a:solidFill>
+                            <a:prstClr val="black"/>
+                          </a:solidFill>
+                          <a:effectLst/>
+                          <a:uLnTx/>
+                          <a:uFillTx/>
+                          <a:latin typeface="メイリオ" panose="020B0604030504040204" pitchFamily="50" charset="-128"/>
+                          <a:ea typeface="メイリオ" panose="020B0604030504040204" pitchFamily="50" charset="-128"/>
+                          <a:cs typeface="+mn-cs"/>
+                        </a:rPr>
+                        <a:t>□</a:t>
+                      </a:r>
+                      <a:endParaRPr kumimoji="1" lang="en-US" altLang="ja-JP" sz="1800" b="0" i="0" u="none" strike="noStrike" kern="1200" cap="none" spc="0" normalizeH="0" baseline="0" noProof="0" dirty="0">
+                        <a:ln>
+                          <a:noFill/>
+                        </a:ln>
+                        <a:solidFill>
+                          <a:prstClr val="black"/>
+                        </a:solidFill>
+                        <a:effectLst/>
+                        <a:uLnTx/>
+                        <a:uFillTx/>
+                        <a:latin typeface="メイリオ" panose="020B0604030504040204" pitchFamily="50" charset="-128"/>
+                        <a:ea typeface="メイリオ" panose="020B0604030504040204" pitchFamily="50" charset="-128"/>
+                        <a:cs typeface="+mn-cs"/>
+                      </a:endParaRPr>
+                    </a:p>
+                    <a:p>
+                      <a:pPr marL="0" marR="0" lvl="0" indent="0" algn="ctr" defTabSz="914400" rtl="0" eaLnBrk="1" fontAlgn="auto" latinLnBrk="0" hangingPunct="1">
+                        <a:lnSpc>
+                          <a:spcPct val="100000"/>
+                        </a:lnSpc>
+                        <a:spcBef>
+                          <a:spcPts val="0"/>
+                        </a:spcBef>
+                        <a:spcAft>
+                          <a:spcPts val="0"/>
+                        </a:spcAft>
+                        <a:buClrTx/>
+                        <a:buSzTx/>
+                        <a:buFontTx/>
+                        <a:buNone/>
+                        <a:tabLst/>
+                        <a:defRPr/>
+                      </a:pPr>
+                      <a:endParaRPr kumimoji="1" lang="en-US" altLang="ja-JP" sz="1800" b="0" i="0" u="none" strike="noStrike" kern="1200" cap="none" spc="0" normalizeH="0" baseline="0" noProof="0" dirty="0">
+                        <a:ln>
+                          <a:noFill/>
+                        </a:ln>
+                        <a:solidFill>
+                          <a:prstClr val="black"/>
+                        </a:solidFill>
+                        <a:effectLst/>
+                        <a:uLnTx/>
+                        <a:uFillTx/>
+                        <a:latin typeface="メイリオ" panose="020B0604030504040204" pitchFamily="50" charset="-128"/>
+                        <a:ea typeface="メイリオ" panose="020B0604030504040204" pitchFamily="50" charset="-128"/>
+                        <a:cs typeface="+mn-cs"/>
+                      </a:endParaRPr>
+                    </a:p>
+                    <a:p>
+                      <a:pPr marL="0" marR="0" lvl="0" indent="0" algn="ctr" defTabSz="914400" rtl="0" eaLnBrk="1" fontAlgn="auto" latinLnBrk="0" hangingPunct="1">
+                        <a:lnSpc>
+                          <a:spcPct val="100000"/>
+                        </a:lnSpc>
+                        <a:spcBef>
+                          <a:spcPts val="0"/>
+                        </a:spcBef>
+                        <a:spcAft>
+                          <a:spcPts val="0"/>
+                        </a:spcAft>
+                        <a:buClrTx/>
+                        <a:buSzTx/>
+                        <a:buFontTx/>
+                        <a:buNone/>
+                        <a:tabLst/>
+                        <a:defRPr/>
+                      </a:pPr>
+                      <a:r>
+                        <a:rPr kumimoji="1" lang="ja-JP" altLang="en-US" sz="1800" b="0" i="0" u="none" strike="noStrike" kern="1200" cap="none" spc="0" normalizeH="0" baseline="0" noProof="0" dirty="0">
+                          <a:ln>
+                            <a:noFill/>
+                          </a:ln>
+                          <a:solidFill>
+                            <a:prstClr val="black"/>
+                          </a:solidFill>
+                          <a:effectLst/>
+                          <a:uLnTx/>
+                          <a:uFillTx/>
+                          <a:latin typeface="メイリオ" panose="020B0604030504040204" pitchFamily="50" charset="-128"/>
+                          <a:ea typeface="メイリオ" panose="020B0604030504040204" pitchFamily="50" charset="-128"/>
+                          <a:cs typeface="+mn-cs"/>
+                        </a:rPr>
+                        <a:t>□</a:t>
+                      </a:r>
+                    </a:p>
+                  </a:txBody>
+                  <a:tcPr anchor="ctr"/>
+                </a:tc>
+                <a:tc>
+                  <a:txBody>
+                    <a:bodyPr/>
+                    <a:lstStyle/>
+                    <a:p>
+                      <a:pPr marL="0" marR="0" lvl="0" indent="0" algn="ctr" defTabSz="914400" rtl="0" eaLnBrk="1" fontAlgn="auto" latinLnBrk="0" hangingPunct="1">
+                        <a:lnSpc>
+                          <a:spcPct val="100000"/>
+                        </a:lnSpc>
+                        <a:spcBef>
+                          <a:spcPts val="0"/>
+                        </a:spcBef>
+                        <a:spcAft>
+                          <a:spcPts val="0"/>
+                        </a:spcAft>
+                        <a:buClrTx/>
+                        <a:buSzTx/>
+                        <a:buFontTx/>
+                        <a:buNone/>
+                        <a:tabLst/>
+                        <a:defRPr/>
+                      </a:pPr>
+                      <a:r>
+                        <a:rPr kumimoji="1" lang="ja-JP" altLang="en-US" sz="1800" b="0" i="0" u="none" strike="noStrike" kern="1200" cap="none" spc="0" normalizeH="0" baseline="0" noProof="0" dirty="0">
+                          <a:ln>
+                            <a:noFill/>
+                          </a:ln>
+                          <a:solidFill>
+                            <a:prstClr val="black"/>
+                          </a:solidFill>
+                          <a:effectLst/>
+                          <a:uLnTx/>
+                          <a:uFillTx/>
+                          <a:latin typeface="メイリオ" panose="020B0604030504040204" pitchFamily="50" charset="-128"/>
+                          <a:ea typeface="メイリオ" panose="020B0604030504040204" pitchFamily="50" charset="-128"/>
+                          <a:cs typeface="+mn-cs"/>
+                        </a:rPr>
+                        <a:t>□</a:t>
+                      </a:r>
+                      <a:endParaRPr kumimoji="1" lang="en-US" altLang="ja-JP" sz="1800" b="0" i="0" u="none" strike="noStrike" kern="1200" cap="none" spc="0" normalizeH="0" baseline="0" noProof="0" dirty="0">
+                        <a:ln>
+                          <a:noFill/>
+                        </a:ln>
+                        <a:solidFill>
+                          <a:prstClr val="black"/>
+                        </a:solidFill>
+                        <a:effectLst/>
+                        <a:uLnTx/>
+                        <a:uFillTx/>
+                        <a:latin typeface="メイリオ" panose="020B0604030504040204" pitchFamily="50" charset="-128"/>
+                        <a:ea typeface="メイリオ" panose="020B0604030504040204" pitchFamily="50" charset="-128"/>
+                        <a:cs typeface="+mn-cs"/>
+                      </a:endParaRPr>
+                    </a:p>
+                    <a:p>
+                      <a:pPr marL="0" marR="0" lvl="0" indent="0" algn="ctr" defTabSz="914400" rtl="0" eaLnBrk="1" fontAlgn="auto" latinLnBrk="0" hangingPunct="1">
+                        <a:lnSpc>
+                          <a:spcPct val="100000"/>
+                        </a:lnSpc>
+                        <a:spcBef>
+                          <a:spcPts val="0"/>
+                        </a:spcBef>
+                        <a:spcAft>
+                          <a:spcPts val="0"/>
+                        </a:spcAft>
+                        <a:buClrTx/>
+                        <a:buSzTx/>
+                        <a:buFontTx/>
+                        <a:buNone/>
+                        <a:tabLst/>
+                        <a:defRPr/>
+                      </a:pPr>
+                      <a:r>
+                        <a:rPr kumimoji="1" lang="ja-JP" altLang="en-US" sz="1800" b="0" i="0" u="none" strike="noStrike" kern="1200" cap="none" spc="0" normalizeH="0" baseline="0" noProof="0" dirty="0">
+                          <a:ln>
+                            <a:noFill/>
+                          </a:ln>
+                          <a:solidFill>
+                            <a:prstClr val="black"/>
+                          </a:solidFill>
+                          <a:effectLst/>
+                          <a:uLnTx/>
+                          <a:uFillTx/>
+                          <a:latin typeface="メイリオ" panose="020B0604030504040204" pitchFamily="50" charset="-128"/>
+                          <a:ea typeface="メイリオ" panose="020B0604030504040204" pitchFamily="50" charset="-128"/>
+                          <a:cs typeface="+mn-cs"/>
+                        </a:rPr>
+                        <a:t>□</a:t>
+                      </a:r>
+                      <a:endParaRPr kumimoji="1" lang="en-US" altLang="ja-JP" sz="1800" b="0" i="0" u="none" strike="noStrike" kern="1200" cap="none" spc="0" normalizeH="0" baseline="0" noProof="0" dirty="0">
+                        <a:ln>
+                          <a:noFill/>
+                        </a:ln>
+                        <a:solidFill>
+                          <a:prstClr val="black"/>
+                        </a:solidFill>
+                        <a:effectLst/>
+                        <a:uLnTx/>
+                        <a:uFillTx/>
+                        <a:latin typeface="メイリオ" panose="020B0604030504040204" pitchFamily="50" charset="-128"/>
+                        <a:ea typeface="メイリオ" panose="020B0604030504040204" pitchFamily="50" charset="-128"/>
+                        <a:cs typeface="+mn-cs"/>
+                      </a:endParaRPr>
+                    </a:p>
+                    <a:p>
+                      <a:pPr marL="0" marR="0" lvl="0" indent="0" algn="ctr" defTabSz="914400" rtl="0" eaLnBrk="1" fontAlgn="auto" latinLnBrk="0" hangingPunct="1">
+                        <a:lnSpc>
+                          <a:spcPct val="100000"/>
+                        </a:lnSpc>
+                        <a:spcBef>
+                          <a:spcPts val="0"/>
+                        </a:spcBef>
+                        <a:spcAft>
+                          <a:spcPts val="0"/>
+                        </a:spcAft>
+                        <a:buClrTx/>
+                        <a:buSzTx/>
+                        <a:buFontTx/>
+                        <a:buNone/>
+                        <a:tabLst/>
+                        <a:defRPr/>
+                      </a:pPr>
+                      <a:r>
+                        <a:rPr kumimoji="1" lang="ja-JP" altLang="en-US" sz="1800" b="0" i="0" u="none" strike="noStrike" kern="1200" cap="none" spc="0" normalizeH="0" baseline="0" noProof="0" dirty="0">
+                          <a:ln>
+                            <a:noFill/>
+                          </a:ln>
+                          <a:solidFill>
+                            <a:prstClr val="black"/>
+                          </a:solidFill>
+                          <a:effectLst/>
+                          <a:uLnTx/>
+                          <a:uFillTx/>
+                          <a:latin typeface="メイリオ" panose="020B0604030504040204" pitchFamily="50" charset="-128"/>
+                          <a:ea typeface="メイリオ" panose="020B0604030504040204" pitchFamily="50" charset="-128"/>
+                          <a:cs typeface="+mn-cs"/>
+                        </a:rPr>
+                        <a:t>□</a:t>
+                      </a:r>
+                    </a:p>
+                  </a:txBody>
+                  <a:tcPr anchor="ctr"/>
+                </a:tc>
+                <a:extLst>
+                  <a:ext uri="{0D108BD9-81ED-4DB2-BD59-A6C34878D82A}">
+                    <a16:rowId xmlns:a16="http://schemas.microsoft.com/office/drawing/2014/main" val="2839001366"/>
+                  </a:ext>
+                </a:extLst>
+              </a:tr>
+              <a:tr h="370840">
+                <a:tc>
+                  <a:txBody>
+                    <a:bodyPr/>
+                    <a:lstStyle/>
+                    <a:p>
+                      <a:pPr algn="ctr"/>
+                      <a:r>
+                        <a:rPr kumimoji="1" lang="ja-JP" altLang="en-US" dirty="0">
+                          <a:latin typeface="メイリオ" panose="020B0604030504040204" pitchFamily="50" charset="-128"/>
+                          <a:ea typeface="メイリオ" panose="020B0604030504040204" pitchFamily="50" charset="-128"/>
+                        </a:rPr>
+                        <a:t>アソシエ</a:t>
+                      </a:r>
+                    </a:p>
+                  </a:txBody>
+                  <a:tcPr anchor="ctr"/>
+                </a:tc>
+                <a:tc>
+                  <a:txBody>
+                    <a:bodyPr/>
+                    <a:lstStyle/>
+                    <a:p>
+                      <a:pPr marL="0" marR="0" lvl="0" indent="0" algn="ctr" defTabSz="914400" rtl="0" eaLnBrk="1" fontAlgn="auto" latinLnBrk="0" hangingPunct="1">
+                        <a:lnSpc>
+                          <a:spcPct val="100000"/>
+                        </a:lnSpc>
+                        <a:spcBef>
+                          <a:spcPts val="0"/>
+                        </a:spcBef>
+                        <a:spcAft>
+                          <a:spcPts val="0"/>
+                        </a:spcAft>
+                        <a:buClrTx/>
+                        <a:buSzTx/>
+                        <a:buFontTx/>
+                        <a:buNone/>
+                        <a:tabLst/>
+                        <a:defRPr/>
+                      </a:pPr>
+                      <a:r>
+                        <a:rPr kumimoji="1" lang="ja-JP" altLang="en-US" sz="1800" b="0" i="0" u="none" strike="noStrike" kern="1200" cap="none" spc="0" normalizeH="0" baseline="0" noProof="0" dirty="0">
+                          <a:ln>
+                            <a:noFill/>
+                          </a:ln>
+                          <a:solidFill>
+                            <a:prstClr val="black"/>
+                          </a:solidFill>
+                          <a:effectLst/>
+                          <a:uLnTx/>
+                          <a:uFillTx/>
+                          <a:latin typeface="メイリオ" panose="020B0604030504040204" pitchFamily="50" charset="-128"/>
+                          <a:ea typeface="メイリオ" panose="020B0604030504040204" pitchFamily="50" charset="-128"/>
+                          <a:cs typeface="+mn-cs"/>
+                        </a:rPr>
+                        <a:t>□</a:t>
+                      </a:r>
+                    </a:p>
+                  </a:txBody>
+                  <a:tcPr anchor="ctr"/>
+                </a:tc>
+                <a:tc>
+                  <a:txBody>
+                    <a:bodyPr/>
+                    <a:lstStyle/>
+                    <a:p>
+                      <a:pPr marL="0" marR="0" lvl="0" indent="0" algn="ctr" defTabSz="914400" rtl="0" eaLnBrk="1" fontAlgn="auto" latinLnBrk="0" hangingPunct="1">
+                        <a:lnSpc>
+                          <a:spcPct val="100000"/>
+                        </a:lnSpc>
+                        <a:spcBef>
+                          <a:spcPts val="0"/>
+                        </a:spcBef>
+                        <a:spcAft>
+                          <a:spcPts val="0"/>
+                        </a:spcAft>
+                        <a:buClrTx/>
+                        <a:buSzTx/>
+                        <a:buFontTx/>
+                        <a:buNone/>
+                        <a:tabLst/>
+                        <a:defRPr/>
+                      </a:pPr>
+                      <a:endParaRPr kumimoji="1" lang="ja-JP" altLang="en-US" sz="1800" b="0" i="0" u="none" strike="noStrike" kern="1200" cap="none" spc="0" normalizeH="0" baseline="0" noProof="0" dirty="0">
+                        <a:ln>
+                          <a:noFill/>
+                        </a:ln>
+                        <a:solidFill>
+                          <a:prstClr val="black"/>
+                        </a:solidFill>
+                        <a:effectLst/>
+                        <a:uLnTx/>
+                        <a:uFillTx/>
+                        <a:latin typeface="メイリオ" panose="020B0604030504040204" pitchFamily="50" charset="-128"/>
+                        <a:ea typeface="メイリオ" panose="020B0604030504040204" pitchFamily="50" charset="-128"/>
+                        <a:cs typeface="+mn-cs"/>
+                      </a:endParaRPr>
+                    </a:p>
+                  </a:txBody>
+                  <a:tcPr anchor="ctr"/>
+                </a:tc>
+                <a:tc>
+                  <a:txBody>
+                    <a:bodyPr/>
+                    <a:lstStyle/>
+                    <a:p>
+                      <a:pPr marL="0" marR="0" lvl="0" indent="0" algn="ctr" defTabSz="914400" rtl="0" eaLnBrk="1" fontAlgn="auto" latinLnBrk="0" hangingPunct="1">
+                        <a:lnSpc>
+                          <a:spcPct val="100000"/>
+                        </a:lnSpc>
+                        <a:spcBef>
+                          <a:spcPts val="0"/>
+                        </a:spcBef>
+                        <a:spcAft>
+                          <a:spcPts val="0"/>
+                        </a:spcAft>
+                        <a:buClrTx/>
+                        <a:buSzTx/>
+                        <a:buFontTx/>
+                        <a:buNone/>
+                        <a:tabLst/>
+                        <a:defRPr/>
+                      </a:pPr>
+                      <a:endParaRPr kumimoji="1" lang="ja-JP" altLang="en-US" sz="1800" b="0" i="0" u="none" strike="noStrike" kern="1200" cap="none" spc="0" normalizeH="0" baseline="0" noProof="0" dirty="0">
+                        <a:ln>
+                          <a:noFill/>
+                        </a:ln>
+                        <a:solidFill>
+                          <a:prstClr val="black"/>
+                        </a:solidFill>
+                        <a:effectLst/>
+                        <a:uLnTx/>
+                        <a:uFillTx/>
+                        <a:latin typeface="メイリオ" panose="020B0604030504040204" pitchFamily="50" charset="-128"/>
+                        <a:ea typeface="メイリオ" panose="020B0604030504040204" pitchFamily="50" charset="-128"/>
+                        <a:cs typeface="+mn-cs"/>
+                      </a:endParaRPr>
+                    </a:p>
+                  </a:txBody>
+                  <a:tcPr anchor="ctr"/>
+                </a:tc>
+                <a:tc>
+                  <a:txBody>
+                    <a:bodyPr/>
+                    <a:lstStyle/>
+                    <a:p>
+                      <a:pPr marL="0" marR="0" lvl="0" indent="0" algn="ctr" defTabSz="914400" rtl="0" eaLnBrk="1" fontAlgn="auto" latinLnBrk="0" hangingPunct="1">
+                        <a:lnSpc>
+                          <a:spcPct val="100000"/>
+                        </a:lnSpc>
+                        <a:spcBef>
+                          <a:spcPts val="0"/>
+                        </a:spcBef>
+                        <a:spcAft>
+                          <a:spcPts val="0"/>
+                        </a:spcAft>
+                        <a:buClrTx/>
+                        <a:buSzTx/>
+                        <a:buFontTx/>
+                        <a:buNone/>
+                        <a:tabLst/>
+                        <a:defRPr/>
+                      </a:pPr>
+                      <a:r>
+                        <a:rPr kumimoji="1" lang="ja-JP" altLang="en-US" sz="1800" b="0" i="0" u="none" strike="noStrike" kern="1200" cap="none" spc="0" normalizeH="0" baseline="0" noProof="0" dirty="0">
+                          <a:ln>
+                            <a:noFill/>
+                          </a:ln>
+                          <a:solidFill>
+                            <a:prstClr val="black"/>
+                          </a:solidFill>
+                          <a:effectLst/>
+                          <a:uLnTx/>
+                          <a:uFillTx/>
+                          <a:latin typeface="メイリオ" panose="020B0604030504040204" pitchFamily="50" charset="-128"/>
+                          <a:ea typeface="メイリオ" panose="020B0604030504040204" pitchFamily="50" charset="-128"/>
+                          <a:cs typeface="+mn-cs"/>
+                        </a:rPr>
+                        <a:t>■</a:t>
+                      </a:r>
+                    </a:p>
+                  </a:txBody>
+                  <a:tcPr anchor="ctr"/>
+                </a:tc>
+                <a:tc>
+                  <a:txBody>
+                    <a:bodyPr/>
+                    <a:lstStyle/>
+                    <a:p>
+                      <a:pPr algn="ctr"/>
+                      <a:endParaRPr kumimoji="1" lang="ja-JP" altLang="en-US" dirty="0">
+                        <a:latin typeface="メイリオ" panose="020B0604030504040204" pitchFamily="50" charset="-128"/>
+                        <a:ea typeface="メイリオ" panose="020B0604030504040204" pitchFamily="50" charset="-128"/>
+                      </a:endParaRPr>
+                    </a:p>
+                  </a:txBody>
+                  <a:tcPr anchor="ctr"/>
+                </a:tc>
+                <a:tc>
+                  <a:txBody>
+                    <a:bodyPr/>
+                    <a:lstStyle/>
+                    <a:p>
+                      <a:pPr marL="0" marR="0" lvl="0" indent="0" algn="ctr" defTabSz="914400" rtl="0" eaLnBrk="1" fontAlgn="auto" latinLnBrk="0" hangingPunct="1">
+                        <a:lnSpc>
+                          <a:spcPct val="100000"/>
+                        </a:lnSpc>
+                        <a:spcBef>
+                          <a:spcPts val="0"/>
+                        </a:spcBef>
+                        <a:spcAft>
+                          <a:spcPts val="0"/>
+                        </a:spcAft>
+                        <a:buClrTx/>
+                        <a:buSzTx/>
+                        <a:buFontTx/>
+                        <a:buNone/>
+                        <a:tabLst/>
+                        <a:defRPr/>
+                      </a:pPr>
+                      <a:r>
+                        <a:rPr kumimoji="1" lang="ja-JP" altLang="en-US" sz="1800" b="0" i="0" u="none" strike="noStrike" kern="1200" cap="none" spc="0" normalizeH="0" baseline="0" noProof="0">
+                          <a:ln>
+                            <a:noFill/>
+                          </a:ln>
+                          <a:solidFill>
+                            <a:prstClr val="black"/>
+                          </a:solidFill>
+                          <a:effectLst/>
+                          <a:uLnTx/>
+                          <a:uFillTx/>
+                          <a:latin typeface="メイリオ" panose="020B0604030504040204" pitchFamily="50" charset="-128"/>
+                          <a:ea typeface="メイリオ" panose="020B0604030504040204" pitchFamily="50" charset="-128"/>
+                          <a:cs typeface="+mn-cs"/>
+                        </a:rPr>
+                        <a:t>□</a:t>
+                      </a:r>
+                      <a:endParaRPr kumimoji="1" lang="ja-JP" altLang="en-US" sz="1800" b="0" i="0" u="none" strike="noStrike" kern="1200" cap="none" spc="0" normalizeH="0" baseline="0" noProof="0" dirty="0">
+                        <a:ln>
+                          <a:noFill/>
+                        </a:ln>
+                        <a:solidFill>
+                          <a:prstClr val="black"/>
+                        </a:solidFill>
+                        <a:effectLst/>
+                        <a:uLnTx/>
+                        <a:uFillTx/>
+                        <a:latin typeface="メイリオ" panose="020B0604030504040204" pitchFamily="50" charset="-128"/>
+                        <a:ea typeface="メイリオ" panose="020B0604030504040204" pitchFamily="50" charset="-128"/>
+                        <a:cs typeface="+mn-cs"/>
+                      </a:endParaRPr>
+                    </a:p>
+                  </a:txBody>
+                  <a:tcPr anchor="ctr"/>
+                </a:tc>
+                <a:tc>
+                  <a:txBody>
+                    <a:bodyPr/>
+                    <a:lstStyle/>
+                    <a:p>
+                      <a:pPr marL="0" marR="0" lvl="0" indent="0" algn="ctr" defTabSz="914400" rtl="0" eaLnBrk="1" fontAlgn="auto" latinLnBrk="0" hangingPunct="1">
+                        <a:lnSpc>
+                          <a:spcPct val="100000"/>
+                        </a:lnSpc>
+                        <a:spcBef>
+                          <a:spcPts val="0"/>
+                        </a:spcBef>
+                        <a:spcAft>
+                          <a:spcPts val="0"/>
+                        </a:spcAft>
+                        <a:buClrTx/>
+                        <a:buSzTx/>
+                        <a:buFontTx/>
+                        <a:buNone/>
+                        <a:tabLst/>
+                        <a:defRPr/>
+                      </a:pPr>
+                      <a:endParaRPr kumimoji="1" lang="ja-JP" altLang="en-US" sz="1800" b="0" i="0" u="none" strike="noStrike" kern="1200" cap="none" spc="0" normalizeH="0" baseline="0" noProof="0" dirty="0">
+                        <a:ln>
+                          <a:noFill/>
+                        </a:ln>
+                        <a:solidFill>
+                          <a:prstClr val="black"/>
+                        </a:solidFill>
+                        <a:effectLst/>
+                        <a:uLnTx/>
+                        <a:uFillTx/>
+                        <a:latin typeface="メイリオ" panose="020B0604030504040204" pitchFamily="50" charset="-128"/>
+                        <a:ea typeface="メイリオ" panose="020B0604030504040204" pitchFamily="50" charset="-128"/>
+                        <a:cs typeface="+mn-cs"/>
+                      </a:endParaRPr>
+                    </a:p>
+                  </a:txBody>
+                  <a:tcPr anchor="ctr"/>
+                </a:tc>
+                <a:tc>
+                  <a:txBody>
+                    <a:bodyPr/>
+                    <a:lstStyle/>
+                    <a:p>
+                      <a:pPr marL="0" marR="0" lvl="0" indent="0" algn="ctr" defTabSz="914400" rtl="0" eaLnBrk="1" fontAlgn="auto" latinLnBrk="0" hangingPunct="1">
+                        <a:lnSpc>
+                          <a:spcPct val="100000"/>
+                        </a:lnSpc>
+                        <a:spcBef>
+                          <a:spcPts val="0"/>
+                        </a:spcBef>
+                        <a:spcAft>
+                          <a:spcPts val="0"/>
+                        </a:spcAft>
+                        <a:buClrTx/>
+                        <a:buSzTx/>
+                        <a:buFontTx/>
+                        <a:buNone/>
+                        <a:tabLst/>
+                        <a:defRPr/>
+                      </a:pPr>
+                      <a:endParaRPr kumimoji="1" lang="ja-JP" altLang="en-US" sz="1800" b="0" i="0" u="none" strike="noStrike" kern="1200" cap="none" spc="0" normalizeH="0" baseline="0" noProof="0" dirty="0">
+                        <a:ln>
+                          <a:noFill/>
+                        </a:ln>
+                        <a:solidFill>
+                          <a:prstClr val="black"/>
+                        </a:solidFill>
+                        <a:effectLst/>
+                        <a:uLnTx/>
+                        <a:uFillTx/>
+                        <a:latin typeface="メイリオ" panose="020B0604030504040204" pitchFamily="50" charset="-128"/>
+                        <a:ea typeface="メイリオ" panose="020B0604030504040204" pitchFamily="50" charset="-128"/>
+                        <a:cs typeface="+mn-cs"/>
+                      </a:endParaRPr>
+                    </a:p>
+                  </a:txBody>
+                  <a:tcPr anchor="ctr"/>
+                </a:tc>
+                <a:tc>
+                  <a:txBody>
+                    <a:bodyPr/>
+                    <a:lstStyle/>
+                    <a:p>
+                      <a:pPr marL="0" marR="0" lvl="0" indent="0" algn="ctr" defTabSz="914400" rtl="0" eaLnBrk="1" fontAlgn="auto" latinLnBrk="0" hangingPunct="1">
+                        <a:lnSpc>
+                          <a:spcPct val="100000"/>
+                        </a:lnSpc>
+                        <a:spcBef>
+                          <a:spcPts val="0"/>
+                        </a:spcBef>
+                        <a:spcAft>
+                          <a:spcPts val="0"/>
+                        </a:spcAft>
+                        <a:buClrTx/>
+                        <a:buSzTx/>
+                        <a:buFontTx/>
+                        <a:buNone/>
+                        <a:tabLst/>
+                        <a:defRPr/>
+                      </a:pPr>
+                      <a:r>
+                        <a:rPr kumimoji="1" lang="ja-JP" altLang="en-US" sz="1800" b="0" i="0" u="none" strike="noStrike" kern="1200" cap="none" spc="0" normalizeH="0" baseline="0" noProof="0" dirty="0">
+                          <a:ln>
+                            <a:noFill/>
+                          </a:ln>
+                          <a:solidFill>
+                            <a:prstClr val="black"/>
+                          </a:solidFill>
+                          <a:effectLst/>
+                          <a:uLnTx/>
+                          <a:uFillTx/>
+                          <a:latin typeface="メイリオ" panose="020B0604030504040204" pitchFamily="50" charset="-128"/>
+                          <a:ea typeface="メイリオ" panose="020B0604030504040204" pitchFamily="50" charset="-128"/>
+                          <a:cs typeface="+mn-cs"/>
+                        </a:rPr>
+                        <a:t>□</a:t>
+                      </a:r>
+                    </a:p>
+                  </a:txBody>
+                  <a:tcPr anchor="ctr"/>
+                </a:tc>
+                <a:tc>
+                  <a:txBody>
+                    <a:bodyPr/>
+                    <a:lstStyle/>
+                    <a:p>
+                      <a:pPr algn="ctr"/>
+                      <a:endParaRPr kumimoji="1" lang="ja-JP" altLang="en-US" dirty="0">
+                        <a:latin typeface="メイリオ" panose="020B0604030504040204" pitchFamily="50" charset="-128"/>
+                        <a:ea typeface="メイリオ" panose="020B0604030504040204" pitchFamily="50" charset="-128"/>
+                      </a:endParaRPr>
+                    </a:p>
+                  </a:txBody>
+                  <a:tcPr anchor="ctr"/>
+                </a:tc>
+                <a:tc>
+                  <a:txBody>
+                    <a:bodyPr/>
+                    <a:lstStyle/>
+                    <a:p>
+                      <a:pPr marL="0" marR="0" lvl="0" indent="0" algn="ctr" defTabSz="914400" rtl="0" eaLnBrk="1" fontAlgn="auto" latinLnBrk="0" hangingPunct="1">
+                        <a:lnSpc>
+                          <a:spcPct val="100000"/>
+                        </a:lnSpc>
+                        <a:spcBef>
+                          <a:spcPts val="0"/>
+                        </a:spcBef>
+                        <a:spcAft>
+                          <a:spcPts val="0"/>
+                        </a:spcAft>
+                        <a:buClrTx/>
+                        <a:buSzTx/>
+                        <a:buFontTx/>
+                        <a:buNone/>
+                        <a:tabLst/>
+                        <a:defRPr/>
+                      </a:pPr>
+                      <a:r>
+                        <a:rPr kumimoji="1" lang="ja-JP" altLang="en-US" sz="1800" b="0" i="0" u="none" strike="noStrike" kern="1200" cap="none" spc="0" normalizeH="0" baseline="0" noProof="0">
+                          <a:ln>
+                            <a:noFill/>
+                          </a:ln>
+                          <a:solidFill>
+                            <a:prstClr val="black"/>
+                          </a:solidFill>
+                          <a:effectLst/>
+                          <a:uLnTx/>
+                          <a:uFillTx/>
+                          <a:latin typeface="メイリオ" panose="020B0604030504040204" pitchFamily="50" charset="-128"/>
+                          <a:ea typeface="メイリオ" panose="020B0604030504040204" pitchFamily="50" charset="-128"/>
+                          <a:cs typeface="+mn-cs"/>
+                        </a:rPr>
+                        <a:t>□</a:t>
+                      </a:r>
+                      <a:endParaRPr kumimoji="1" lang="ja-JP" altLang="en-US" sz="1800" b="0" i="0" u="none" strike="noStrike" kern="1200" cap="none" spc="0" normalizeH="0" baseline="0" noProof="0" dirty="0">
+                        <a:ln>
+                          <a:noFill/>
+                        </a:ln>
+                        <a:solidFill>
+                          <a:prstClr val="black"/>
+                        </a:solidFill>
+                        <a:effectLst/>
+                        <a:uLnTx/>
+                        <a:uFillTx/>
+                        <a:latin typeface="メイリオ" panose="020B0604030504040204" pitchFamily="50" charset="-128"/>
+                        <a:ea typeface="メイリオ" panose="020B0604030504040204" pitchFamily="50" charset="-128"/>
+                        <a:cs typeface="+mn-cs"/>
+                      </a:endParaRPr>
+                    </a:p>
+                  </a:txBody>
+                  <a:tcPr anchor="ctr"/>
+                </a:tc>
+                <a:tc>
+                  <a:txBody>
+                    <a:bodyPr/>
+                    <a:lstStyle/>
+                    <a:p>
+                      <a:pPr marL="0" marR="0" lvl="0" indent="0" algn="ctr" defTabSz="914400" rtl="0" eaLnBrk="1" fontAlgn="auto" latinLnBrk="0" hangingPunct="1">
+                        <a:lnSpc>
+                          <a:spcPct val="100000"/>
+                        </a:lnSpc>
+                        <a:spcBef>
+                          <a:spcPts val="0"/>
+                        </a:spcBef>
+                        <a:spcAft>
+                          <a:spcPts val="0"/>
+                        </a:spcAft>
+                        <a:buClrTx/>
+                        <a:buSzTx/>
+                        <a:buFontTx/>
+                        <a:buNone/>
+                        <a:tabLst/>
+                        <a:defRPr/>
+                      </a:pPr>
+                      <a:endParaRPr kumimoji="1" lang="ja-JP" altLang="en-US" sz="1800" b="0" i="0" u="none" strike="noStrike" kern="1200" cap="none" spc="0" normalizeH="0" baseline="0" noProof="0" dirty="0">
+                        <a:ln>
+                          <a:noFill/>
+                        </a:ln>
+                        <a:solidFill>
+                          <a:prstClr val="black"/>
+                        </a:solidFill>
+                        <a:effectLst/>
+                        <a:uLnTx/>
+                        <a:uFillTx/>
+                        <a:latin typeface="メイリオ" panose="020B0604030504040204" pitchFamily="50" charset="-128"/>
+                        <a:ea typeface="メイリオ" panose="020B0604030504040204" pitchFamily="50" charset="-128"/>
+                        <a:cs typeface="+mn-cs"/>
+                      </a:endParaRPr>
+                    </a:p>
+                  </a:txBody>
+                  <a:tcPr anchor="ctr"/>
+                </a:tc>
+                <a:tc>
+                  <a:txBody>
+                    <a:bodyPr/>
+                    <a:lstStyle/>
+                    <a:p>
+                      <a:pPr marL="0" marR="0" lvl="0" indent="0" algn="ctr" defTabSz="914400" rtl="0" eaLnBrk="1" fontAlgn="auto" latinLnBrk="0" hangingPunct="1">
+                        <a:lnSpc>
+                          <a:spcPct val="100000"/>
+                        </a:lnSpc>
+                        <a:spcBef>
+                          <a:spcPts val="0"/>
+                        </a:spcBef>
+                        <a:spcAft>
+                          <a:spcPts val="0"/>
+                        </a:spcAft>
+                        <a:buClrTx/>
+                        <a:buSzTx/>
+                        <a:buFontTx/>
+                        <a:buNone/>
+                        <a:tabLst/>
+                        <a:defRPr/>
+                      </a:pPr>
+                      <a:endParaRPr kumimoji="1" lang="ja-JP" altLang="en-US" sz="1800" b="0" i="0" u="none" strike="noStrike" kern="1200" cap="none" spc="0" normalizeH="0" baseline="0" noProof="0" dirty="0">
+                        <a:ln>
+                          <a:noFill/>
+                        </a:ln>
+                        <a:solidFill>
+                          <a:prstClr val="black"/>
+                        </a:solidFill>
+                        <a:effectLst/>
+                        <a:uLnTx/>
+                        <a:uFillTx/>
+                        <a:latin typeface="メイリオ" panose="020B0604030504040204" pitchFamily="50" charset="-128"/>
+                        <a:ea typeface="メイリオ" panose="020B0604030504040204" pitchFamily="50" charset="-128"/>
+                        <a:cs typeface="+mn-cs"/>
+                      </a:endParaRPr>
+                    </a:p>
+                  </a:txBody>
+                  <a:tcPr anchor="ctr"/>
+                </a:tc>
+                <a:tc>
+                  <a:txBody>
+                    <a:bodyPr/>
+                    <a:lstStyle/>
+                    <a:p>
+                      <a:pPr marL="0" marR="0" lvl="0" indent="0" algn="ctr" defTabSz="914400" rtl="0" eaLnBrk="1" fontAlgn="auto" latinLnBrk="0" hangingPunct="1">
+                        <a:lnSpc>
+                          <a:spcPct val="100000"/>
+                        </a:lnSpc>
+                        <a:spcBef>
+                          <a:spcPts val="0"/>
+                        </a:spcBef>
+                        <a:spcAft>
+                          <a:spcPts val="0"/>
+                        </a:spcAft>
+                        <a:buClrTx/>
+                        <a:buSzTx/>
+                        <a:buFontTx/>
+                        <a:buNone/>
+                        <a:tabLst/>
+                        <a:defRPr/>
+                      </a:pPr>
+                      <a:r>
+                        <a:rPr kumimoji="1" lang="ja-JP" altLang="en-US" sz="1800" b="0" i="0" u="none" strike="noStrike" kern="1200" cap="none" spc="0" normalizeH="0" baseline="0" noProof="0" dirty="0">
+                          <a:ln>
+                            <a:noFill/>
+                          </a:ln>
+                          <a:solidFill>
+                            <a:prstClr val="black"/>
+                          </a:solidFill>
+                          <a:effectLst/>
+                          <a:uLnTx/>
+                          <a:uFillTx/>
+                          <a:latin typeface="メイリオ" panose="020B0604030504040204" pitchFamily="50" charset="-128"/>
+                          <a:ea typeface="メイリオ" panose="020B0604030504040204" pitchFamily="50" charset="-128"/>
+                          <a:cs typeface="+mn-cs"/>
+                        </a:rPr>
+                        <a:t>□</a:t>
+                      </a:r>
+                    </a:p>
+                  </a:txBody>
+                  <a:tcPr anchor="ctr"/>
+                </a:tc>
+                <a:extLst>
+                  <a:ext uri="{0D108BD9-81ED-4DB2-BD59-A6C34878D82A}">
+                    <a16:rowId xmlns:a16="http://schemas.microsoft.com/office/drawing/2014/main" val="3761708772"/>
+                  </a:ext>
+                </a:extLst>
+              </a:tr>
+            </a:tbl>
+          </a:graphicData>
+        </a:graphic>
+      </p:graphicFrame>
+      <p:sp>
+        <p:nvSpPr>
+          <p:cNvPr id="11" name="正方形/長方形 10">
+            <a:extLst>
+              <a:ext uri="{FF2B5EF4-FFF2-40B4-BE49-F238E27FC236}">
+                <a16:creationId xmlns:a16="http://schemas.microsoft.com/office/drawing/2014/main" id="{9540E73E-36F8-42DE-9DBC-6B1B7E33EFD0}"/>
+              </a:ext>
+            </a:extLst>
+          </p:cNvPr>
+          <p:cNvSpPr/>
+          <p:nvPr/>
+        </p:nvSpPr>
+        <p:spPr>
+          <a:xfrm>
+            <a:off x="6169891" y="5461000"/>
+            <a:ext cx="1016000" cy="554182"/>
+          </a:xfrm>
+          <a:prstGeom prst="rect">
+            <a:avLst/>
+          </a:prstGeom>
+        </p:spPr>
+        <p:style>
+          <a:lnRef idx="2">
+            <a:schemeClr val="accent1">
+              <a:shade val="50000"/>
+            </a:schemeClr>
+          </a:lnRef>
+          <a:fillRef idx="1">
+            <a:schemeClr val="accent1"/>
+          </a:fillRef>
+          <a:effectRef idx="0">
+            <a:schemeClr val="accent1"/>
+          </a:effectRef>
+          <a:fontRef idx="minor">
+            <a:schemeClr val="lt1"/>
+          </a:fontRef>
+        </p:style>
+        <p:txBody>
+          <a:bodyPr rtlCol="0" anchor="ctr"/>
+          <a:lstStyle/>
+          <a:p>
+            <a:pPr algn="ctr"/>
+            <a:r>
+              <a:rPr kumimoji="1" lang="ja-JP" altLang="en-US" dirty="0">
+                <a:latin typeface="メイリオ" panose="020B0604030504040204" pitchFamily="50" charset="-128"/>
+                <a:ea typeface="メイリオ" panose="020B0604030504040204" pitchFamily="50" charset="-128"/>
+              </a:rPr>
+              <a:t>欠員</a:t>
+            </a:r>
+          </a:p>
+        </p:txBody>
+      </p:sp>
+      <p:sp>
+        <p:nvSpPr>
+          <p:cNvPr id="12" name="テキスト ボックス 11">
+            <a:extLst>
+              <a:ext uri="{FF2B5EF4-FFF2-40B4-BE49-F238E27FC236}">
+                <a16:creationId xmlns:a16="http://schemas.microsoft.com/office/drawing/2014/main" id="{0C7554BA-B439-4B0C-B778-C90C9863F427}"/>
+              </a:ext>
+            </a:extLst>
+          </p:cNvPr>
+          <p:cNvSpPr txBox="1"/>
+          <p:nvPr/>
+        </p:nvSpPr>
+        <p:spPr>
+          <a:xfrm>
+            <a:off x="5546812" y="6132083"/>
+            <a:ext cx="2262158" cy="369332"/>
+          </a:xfrm>
+          <a:prstGeom prst="rect">
+            <a:avLst/>
+          </a:prstGeom>
+          <a:noFill/>
+        </p:spPr>
+        <p:txBody>
+          <a:bodyPr wrap="none" rtlCol="0">
+            <a:spAutoFit/>
+          </a:bodyPr>
+          <a:lstStyle/>
+          <a:p>
+            <a:r>
+              <a:rPr kumimoji="1" lang="ja-JP" altLang="en-US" dirty="0">
+                <a:latin typeface="メイリオ" panose="020B0604030504040204" pitchFamily="50" charset="-128"/>
+                <a:ea typeface="メイリオ" panose="020B0604030504040204" pitchFamily="50" charset="-128"/>
+              </a:rPr>
+              <a:t>ポスト別に個別採用</a:t>
+            </a:r>
+          </a:p>
+        </p:txBody>
+      </p:sp>
+      <p:cxnSp>
+        <p:nvCxnSpPr>
+          <p:cNvPr id="14" name="直線矢印コネクタ 13">
+            <a:extLst>
+              <a:ext uri="{FF2B5EF4-FFF2-40B4-BE49-F238E27FC236}">
+                <a16:creationId xmlns:a16="http://schemas.microsoft.com/office/drawing/2014/main" id="{0A678541-8BFB-406E-8FF2-0130229B25C5}"/>
+              </a:ext>
+            </a:extLst>
+          </p:cNvPr>
+          <p:cNvCxnSpPr/>
+          <p:nvPr/>
+        </p:nvCxnSpPr>
+        <p:spPr>
+          <a:xfrm flipH="1" flipV="1">
+            <a:off x="3685309" y="4996873"/>
+            <a:ext cx="2484582" cy="464127"/>
+          </a:xfrm>
+          <a:prstGeom prst="straightConnector1">
+            <a:avLst/>
+          </a:prstGeom>
+          <a:ln>
+            <a:tailEnd type="triangle"/>
+          </a:ln>
+        </p:spPr>
+        <p:style>
+          <a:lnRef idx="1">
+            <a:schemeClr val="accent1"/>
+          </a:lnRef>
+          <a:fillRef idx="0">
+            <a:schemeClr val="accent1"/>
+          </a:fillRef>
+          <a:effectRef idx="0">
+            <a:schemeClr val="accent1"/>
+          </a:effectRef>
+          <a:fontRef idx="minor">
+            <a:schemeClr val="tx1"/>
+          </a:fontRef>
+        </p:style>
+      </p:cxnSp>
+      <p:cxnSp>
+        <p:nvCxnSpPr>
+          <p:cNvPr id="16" name="直線矢印コネクタ 15">
+            <a:extLst>
+              <a:ext uri="{FF2B5EF4-FFF2-40B4-BE49-F238E27FC236}">
+                <a16:creationId xmlns:a16="http://schemas.microsoft.com/office/drawing/2014/main" id="{CEEB529A-1D01-4CD5-808F-AE9A8F1AEC9D}"/>
+              </a:ext>
+            </a:extLst>
+          </p:cNvPr>
+          <p:cNvCxnSpPr/>
+          <p:nvPr/>
+        </p:nvCxnSpPr>
+        <p:spPr>
+          <a:xfrm flipH="1" flipV="1">
+            <a:off x="2669309" y="3362036"/>
+            <a:ext cx="3500582" cy="2098964"/>
+          </a:xfrm>
+          <a:prstGeom prst="straightConnector1">
+            <a:avLst/>
+          </a:prstGeom>
+          <a:ln>
+            <a:tailEnd type="triangle"/>
+          </a:ln>
+        </p:spPr>
+        <p:style>
+          <a:lnRef idx="1">
+            <a:schemeClr val="accent1"/>
+          </a:lnRef>
+          <a:fillRef idx="0">
+            <a:schemeClr val="accent1"/>
+          </a:fillRef>
+          <a:effectRef idx="0">
+            <a:schemeClr val="accent1"/>
+          </a:effectRef>
+          <a:fontRef idx="minor">
+            <a:schemeClr val="tx1"/>
+          </a:fontRef>
+        </p:style>
+      </p:cxnSp>
+      <p:cxnSp>
+        <p:nvCxnSpPr>
+          <p:cNvPr id="18" name="直線矢印コネクタ 17">
+            <a:extLst>
+              <a:ext uri="{FF2B5EF4-FFF2-40B4-BE49-F238E27FC236}">
+                <a16:creationId xmlns:a16="http://schemas.microsoft.com/office/drawing/2014/main" id="{8C74D1C1-B80D-4A9F-A2D7-430D4DCEB8EF}"/>
+              </a:ext>
+            </a:extLst>
+          </p:cNvPr>
+          <p:cNvCxnSpPr/>
+          <p:nvPr/>
+        </p:nvCxnSpPr>
+        <p:spPr>
+          <a:xfrm flipH="1" flipV="1">
+            <a:off x="4701309" y="4082473"/>
+            <a:ext cx="1468582" cy="1378527"/>
+          </a:xfrm>
+          <a:prstGeom prst="straightConnector1">
+            <a:avLst/>
+          </a:prstGeom>
+          <a:ln>
+            <a:tailEnd type="triangle"/>
+          </a:ln>
+        </p:spPr>
+        <p:style>
+          <a:lnRef idx="1">
+            <a:schemeClr val="accent1"/>
+          </a:lnRef>
+          <a:fillRef idx="0">
+            <a:schemeClr val="accent1"/>
+          </a:fillRef>
+          <a:effectRef idx="0">
+            <a:schemeClr val="accent1"/>
+          </a:effectRef>
+          <a:fontRef idx="minor">
+            <a:schemeClr val="tx1"/>
+          </a:fontRef>
+        </p:style>
+      </p:cxnSp>
+    </p:spTree>
+    <p:extLst>
+      <p:ext uri="{BB962C8B-B14F-4D97-AF65-F5344CB8AC3E}">
+        <p14:creationId xmlns:p14="http://schemas.microsoft.com/office/powerpoint/2010/main" val="3472731236"/>
+      </p:ext>
+    </p:extLst>
+  </p:cSld>
+  <p:clrMapOvr>
+    <a:masterClrMapping/>
+  </p:clrMapOvr>
+</p:sld>
+</file>
+
 <file path=ppt/theme/theme1.xml><?xml version="1.0" encoding="utf-8"?>
 <a:theme xmlns:a="http://schemas.openxmlformats.org/drawingml/2006/main" name="Office テーマ">
   <a:themeElements>
